--- a/Web/WebGeneral-Notes.pptx
+++ b/Web/WebGeneral-Notes.pptx
@@ -8,13 +8,14 @@
     <p:notesMasterId r:id="rId4"/>
   </p:notesMasterIdLst>
   <p:handoutMasterIdLst>
-    <p:handoutMasterId r:id="rId8"/>
+    <p:handoutMasterId r:id="rId9"/>
   </p:handoutMasterIdLst>
   <p:sldIdLst>
     <p:sldId id="256" r:id="rId3"/>
-    <p:sldId id="261" r:id="rId5"/>
-    <p:sldId id="259" r:id="rId6"/>
-    <p:sldId id="260" r:id="rId7"/>
+    <p:sldId id="264" r:id="rId5"/>
+    <p:sldId id="261" r:id="rId6"/>
+    <p:sldId id="259" r:id="rId7"/>
+    <p:sldId id="260" r:id="rId8"/>
   </p:sldIdLst>
   <p:sldSz cx="12192000" cy="6858000"/>
   <p:notesSz cx="6858000" cy="9144000"/>
@@ -3741,10 +3742,15 @@
             </p:custDataLst>
           </p:nvPr>
         </p:nvSpPr>
-        <p:spPr/>
+        <p:spPr>
+          <a:xfrm>
+            <a:off x="1524000" y="5390775"/>
+            <a:ext cx="9144000" cy="376237"/>
+          </a:xfrm>
+        </p:spPr>
         <p:txBody>
           <a:bodyPr>
-            <a:normAutofit fontScale="72500"/>
+            <a:noAutofit/>
           </a:bodyPr>
           <a:p>
             <a:pPr marL="0" indent="0" algn="ctr">
@@ -3760,10 +3766,29 @@
               <a:buSzPct val="100000"/>
             </a:pPr>
             <a:r>
-              <a:rPr lang="en-US" altLang="zh-CN" smtClean="0"/>
+              <a:rPr lang="en-US" altLang="zh-CN" sz="1600" smtClean="0"/>
+              <a:t>Sparks Lu</a:t>
+            </a:r>
+            <a:endParaRPr lang="en-US" altLang="zh-CN" sz="1600" smtClean="0"/>
+          </a:p>
+          <a:p>
+            <a:pPr marL="0" indent="0" algn="ctr">
+              <a:lnSpc>
+                <a:spcPct val="90000"/>
+              </a:lnSpc>
+              <a:spcBef>
+                <a:spcPts val="1000"/>
+              </a:spcBef>
+              <a:spcAft>
+                <a:spcPts val="0"/>
+              </a:spcAft>
+              <a:buSzPct val="100000"/>
+            </a:pPr>
+            <a:r>
+              <a:rPr lang="en-US" altLang="zh-CN" sz="1600" smtClean="0"/>
               <a:t>Last updated: 10/16/2019</a:t>
             </a:r>
-            <a:endParaRPr lang="en-US" altLang="zh-CN" smtClean="0"/>
+            <a:endParaRPr lang="en-US" altLang="zh-CN" sz="1600" smtClean="0"/>
           </a:p>
         </p:txBody>
       </p:sp>
@@ -3804,7 +3829,7 @@
           <a:p>
             <a:r>
               <a:rPr lang="en-US" altLang="zh-CN"/>
-              <a:t>Remove Unused CSS</a:t>
+              <a:t>Website Check List</a:t>
             </a:r>
             <a:endParaRPr lang="en-US" altLang="zh-CN"/>
           </a:p>
@@ -3820,11 +3845,369 @@
             <p:ph idx="1"/>
           </p:nvPr>
         </p:nvSpPr>
-        <p:spPr/>
-        <p:txBody>
-          <a:bodyPr/>
-          <a:p>
-            <a:endParaRPr lang="zh-CN" altLang="en-US"/>
+        <p:spPr>
+          <a:xfrm>
+            <a:off x="838200" y="1211580"/>
+            <a:ext cx="5454015" cy="5269230"/>
+          </a:xfrm>
+        </p:spPr>
+        <p:txBody>
+          <a:bodyPr>
+            <a:noAutofit/>
+          </a:bodyPr>
+          <a:p>
+            <a:r>
+              <a:rPr lang="en-US" altLang="zh-CN" sz="2000"/>
+              <a:t>Ref</a:t>
+            </a:r>
+            <a:endParaRPr lang="en-US" altLang="zh-CN" sz="2000"/>
+          </a:p>
+          <a:p>
+            <a:pPr lvl="1"/>
+            <a:r>
+              <a:rPr lang="en-US" altLang="zh-CN" sz="1800"/>
+              <a:t>https://www.namecheap.com/resource-center/getting-started/website-check-up/</a:t>
+            </a:r>
+            <a:endParaRPr lang="en-US" altLang="zh-CN" sz="1800"/>
+          </a:p>
+          <a:p>
+            <a:pPr lvl="0"/>
+            <a:r>
+              <a:rPr lang="en-US" altLang="zh-CN" sz="2000"/>
+              <a:t>Check list</a:t>
+            </a:r>
+            <a:endParaRPr lang="en-US" altLang="zh-CN" sz="2000"/>
+          </a:p>
+          <a:p>
+            <a:pPr lvl="1"/>
+            <a:r>
+              <a:rPr lang="en-US" altLang="zh-CN" sz="1800"/>
+              <a:t>Response and load time</a:t>
+            </a:r>
+            <a:endParaRPr lang="en-US" altLang="zh-CN" sz="1800"/>
+          </a:p>
+          <a:p>
+            <a:pPr lvl="2"/>
+            <a:r>
+              <a:rPr lang="en-US" altLang="zh-CN" sz="1600"/>
+              <a:t>large image files, unclean codes, poor hosting</a:t>
+            </a:r>
+            <a:endParaRPr lang="en-US" altLang="zh-CN" sz="1600"/>
+          </a:p>
+          <a:p>
+            <a:pPr lvl="2"/>
+            <a:r>
+              <a:rPr lang="en-US" altLang="zh-CN" sz="1600"/>
+              <a:t>https://www.17ce.com/</a:t>
+            </a:r>
+            <a:endParaRPr lang="en-US" altLang="zh-CN" sz="1600"/>
+          </a:p>
+          <a:p>
+            <a:pPr lvl="1"/>
+            <a:r>
+              <a:rPr lang="en-US" altLang="zh-CN" sz="1800"/>
+              <a:t>Mobile friendly</a:t>
+            </a:r>
+            <a:endParaRPr lang="en-US" altLang="zh-CN" sz="1800"/>
+          </a:p>
+          <a:p>
+            <a:pPr lvl="2"/>
+            <a:r>
+              <a:rPr lang="en-US" altLang="zh-CN" sz="1600"/>
+              <a:t>mobiletest.me</a:t>
+            </a:r>
+            <a:endParaRPr lang="en-US" altLang="zh-CN" sz="1600"/>
+          </a:p>
+          <a:p>
+            <a:pPr lvl="1"/>
+            <a:r>
+              <a:rPr lang="en-US" altLang="zh-CN" sz="1800"/>
+              <a:t>Brand</a:t>
+            </a:r>
+            <a:endParaRPr lang="en-US" altLang="zh-CN" sz="1800"/>
+          </a:p>
+          <a:p>
+            <a:pPr lvl="2"/>
+            <a:r>
+              <a:rPr lang="en-US" altLang="zh-CN" sz="1600"/>
+              <a:t>Icongraphy, Colors, Logos, Font</a:t>
+            </a:r>
+            <a:endParaRPr lang="en-US" altLang="zh-CN" sz="1600"/>
+          </a:p>
+        </p:txBody>
+      </p:sp>
+      <p:sp>
+        <p:nvSpPr>
+          <p:cNvPr id="4" name="内容占位符 2"/>
+          <p:cNvSpPr>
+            <a:spLocks noGrp="1"/>
+          </p:cNvSpPr>
+          <p:nvPr/>
+        </p:nvSpPr>
+        <p:spPr>
+          <a:xfrm>
+            <a:off x="6498590" y="1211580"/>
+            <a:ext cx="5454015" cy="5269230"/>
+          </a:xfrm>
+          <a:prstGeom prst="rect">
+            <a:avLst/>
+          </a:prstGeom>
+        </p:spPr>
+        <p:txBody>
+          <a:bodyPr vert="horz" lIns="91440" tIns="45720" rIns="91440" bIns="45720" rtlCol="0">
+            <a:noAutofit/>
+          </a:bodyPr>
+          <a:lstStyle>
+            <a:lvl1pPr marL="342900" indent="-342900" algn="l" defTabSz="914400" rtl="0" eaLnBrk="1" latinLnBrk="0" hangingPunct="1">
+              <a:lnSpc>
+                <a:spcPct val="90000"/>
+              </a:lnSpc>
+              <a:spcBef>
+                <a:spcPts val="1000"/>
+              </a:spcBef>
+              <a:buFont typeface="黑体" panose="02010609060101010101" pitchFamily="49" charset="-122"/>
+              <a:buChar char="〉"/>
+              <a:defRPr sz="2400" kern="1200">
+                <a:solidFill>
+                  <a:schemeClr val="tx1"/>
+                </a:solidFill>
+                <a:latin typeface="+mn-lt"/>
+                <a:ea typeface="+mn-ea"/>
+                <a:cs typeface="+mn-cs"/>
+              </a:defRPr>
+            </a:lvl1pPr>
+            <a:lvl2pPr marL="800100" indent="-342900" algn="l" defTabSz="914400" rtl="0" eaLnBrk="1" latinLnBrk="0" hangingPunct="1">
+              <a:lnSpc>
+                <a:spcPct val="90000"/>
+              </a:lnSpc>
+              <a:spcBef>
+                <a:spcPts val="500"/>
+              </a:spcBef>
+              <a:buFont typeface="Arial" panose="020B0604020202020204" pitchFamily="34" charset="0"/>
+              <a:buChar char="•"/>
+              <a:defRPr sz="2000" kern="1200">
+                <a:solidFill>
+                  <a:schemeClr val="tx1"/>
+                </a:solidFill>
+                <a:latin typeface="+mn-lt"/>
+                <a:ea typeface="+mn-ea"/>
+                <a:cs typeface="+mn-cs"/>
+              </a:defRPr>
+            </a:lvl2pPr>
+            <a:lvl3pPr marL="1257300" indent="-342900" algn="l" defTabSz="914400" rtl="0" eaLnBrk="1" latinLnBrk="0" hangingPunct="1">
+              <a:lnSpc>
+                <a:spcPct val="90000"/>
+              </a:lnSpc>
+              <a:spcBef>
+                <a:spcPts val="500"/>
+              </a:spcBef>
+              <a:buFont typeface="Arial" panose="020B0604020202020204" pitchFamily="34" charset="0"/>
+              <a:buChar char="•"/>
+              <a:defRPr sz="1800" kern="1200">
+                <a:solidFill>
+                  <a:schemeClr val="tx1"/>
+                </a:solidFill>
+                <a:latin typeface="+mn-lt"/>
+                <a:ea typeface="+mn-ea"/>
+                <a:cs typeface="+mn-cs"/>
+              </a:defRPr>
+            </a:lvl3pPr>
+            <a:lvl4pPr marL="1657350" indent="-285750" algn="l" defTabSz="914400" rtl="0" eaLnBrk="1" latinLnBrk="0" hangingPunct="1">
+              <a:lnSpc>
+                <a:spcPct val="90000"/>
+              </a:lnSpc>
+              <a:spcBef>
+                <a:spcPts val="500"/>
+              </a:spcBef>
+              <a:buFont typeface="Arial" panose="020B0604020202020204" pitchFamily="34" charset="0"/>
+              <a:buChar char="•"/>
+              <a:defRPr sz="1800" kern="1200">
+                <a:solidFill>
+                  <a:schemeClr val="tx1"/>
+                </a:solidFill>
+                <a:latin typeface="+mn-lt"/>
+                <a:ea typeface="+mn-ea"/>
+                <a:cs typeface="+mn-cs"/>
+              </a:defRPr>
+            </a:lvl4pPr>
+            <a:lvl5pPr marL="2114550" indent="-285750" algn="l" defTabSz="914400" rtl="0" eaLnBrk="1" latinLnBrk="0" hangingPunct="1">
+              <a:lnSpc>
+                <a:spcPct val="90000"/>
+              </a:lnSpc>
+              <a:spcBef>
+                <a:spcPts val="500"/>
+              </a:spcBef>
+              <a:buFont typeface="Arial" panose="020B0604020202020204" pitchFamily="34" charset="0"/>
+              <a:buChar char="•"/>
+              <a:defRPr sz="1800" kern="1200">
+                <a:solidFill>
+                  <a:schemeClr val="tx1"/>
+                </a:solidFill>
+                <a:latin typeface="+mn-lt"/>
+                <a:ea typeface="+mn-ea"/>
+                <a:cs typeface="+mn-cs"/>
+              </a:defRPr>
+            </a:lvl5pPr>
+            <a:lvl6pPr marL="2514600" indent="-228600" algn="l" defTabSz="914400" rtl="0" eaLnBrk="1" latinLnBrk="0" hangingPunct="1">
+              <a:lnSpc>
+                <a:spcPct val="90000"/>
+              </a:lnSpc>
+              <a:spcBef>
+                <a:spcPts val="500"/>
+              </a:spcBef>
+              <a:buFont typeface="Arial" panose="020B0604020202020204" pitchFamily="34" charset="0"/>
+              <a:buChar char="•"/>
+              <a:defRPr sz="1800" kern="1200">
+                <a:solidFill>
+                  <a:schemeClr val="tx1"/>
+                </a:solidFill>
+                <a:latin typeface="+mn-lt"/>
+                <a:ea typeface="+mn-ea"/>
+                <a:cs typeface="+mn-cs"/>
+              </a:defRPr>
+            </a:lvl6pPr>
+            <a:lvl7pPr marL="2971800" indent="-228600" algn="l" defTabSz="914400" rtl="0" eaLnBrk="1" latinLnBrk="0" hangingPunct="1">
+              <a:lnSpc>
+                <a:spcPct val="90000"/>
+              </a:lnSpc>
+              <a:spcBef>
+                <a:spcPts val="500"/>
+              </a:spcBef>
+              <a:buFont typeface="Arial" panose="020B0604020202020204" pitchFamily="34" charset="0"/>
+              <a:buChar char="•"/>
+              <a:defRPr sz="1800" kern="1200">
+                <a:solidFill>
+                  <a:schemeClr val="tx1"/>
+                </a:solidFill>
+                <a:latin typeface="+mn-lt"/>
+                <a:ea typeface="+mn-ea"/>
+                <a:cs typeface="+mn-cs"/>
+              </a:defRPr>
+            </a:lvl7pPr>
+            <a:lvl8pPr marL="3429000" indent="-228600" algn="l" defTabSz="914400" rtl="0" eaLnBrk="1" latinLnBrk="0" hangingPunct="1">
+              <a:lnSpc>
+                <a:spcPct val="90000"/>
+              </a:lnSpc>
+              <a:spcBef>
+                <a:spcPts val="500"/>
+              </a:spcBef>
+              <a:buFont typeface="Arial" panose="020B0604020202020204" pitchFamily="34" charset="0"/>
+              <a:buChar char="•"/>
+              <a:defRPr sz="1800" kern="1200">
+                <a:solidFill>
+                  <a:schemeClr val="tx1"/>
+                </a:solidFill>
+                <a:latin typeface="+mn-lt"/>
+                <a:ea typeface="+mn-ea"/>
+                <a:cs typeface="+mn-cs"/>
+              </a:defRPr>
+            </a:lvl8pPr>
+            <a:lvl9pPr marL="3886200" indent="-228600" algn="l" defTabSz="914400" rtl="0" eaLnBrk="1" latinLnBrk="0" hangingPunct="1">
+              <a:lnSpc>
+                <a:spcPct val="90000"/>
+              </a:lnSpc>
+              <a:spcBef>
+                <a:spcPts val="500"/>
+              </a:spcBef>
+              <a:buFont typeface="Arial" panose="020B0604020202020204" pitchFamily="34" charset="0"/>
+              <a:buChar char="•"/>
+              <a:defRPr sz="1800" kern="1200">
+                <a:solidFill>
+                  <a:schemeClr val="tx1"/>
+                </a:solidFill>
+                <a:latin typeface="+mn-lt"/>
+                <a:ea typeface="+mn-ea"/>
+                <a:cs typeface="+mn-cs"/>
+              </a:defRPr>
+            </a:lvl9pPr>
+          </a:lstStyle>
+          <a:p>
+            <a:pPr lvl="1"/>
+            <a:r>
+              <a:rPr lang="en-US" altLang="zh-CN" sz="1800"/>
+              <a:t>Above the fold, below the fold</a:t>
+            </a:r>
+            <a:endParaRPr lang="en-US" altLang="zh-CN" sz="1800"/>
+          </a:p>
+          <a:p>
+            <a:pPr lvl="1"/>
+            <a:r>
+              <a:rPr lang="en-US" altLang="zh-CN" sz="1800"/>
+              <a:t>Compelling, readable content</a:t>
+            </a:r>
+            <a:endParaRPr lang="en-US" altLang="zh-CN" sz="1800"/>
+          </a:p>
+          <a:p>
+            <a:pPr lvl="1"/>
+            <a:r>
+              <a:rPr lang="en-US" altLang="zh-CN" sz="1800"/>
+              <a:t>Clear navigation</a:t>
+            </a:r>
+            <a:endParaRPr lang="en-US" altLang="zh-CN" sz="1800"/>
+          </a:p>
+          <a:p>
+            <a:pPr lvl="1"/>
+            <a:r>
+              <a:rPr lang="en-US" altLang="zh-CN" sz="1800"/>
+              <a:t>Search function</a:t>
+            </a:r>
+            <a:endParaRPr lang="en-US" altLang="zh-CN" sz="1800"/>
+          </a:p>
+          <a:p>
+            <a:pPr lvl="1"/>
+            <a:r>
+              <a:rPr lang="en-US" altLang="zh-CN" sz="1800"/>
+              <a:t>Analytics</a:t>
+            </a:r>
+            <a:endParaRPr lang="en-US" altLang="zh-CN" sz="1800"/>
+          </a:p>
+          <a:p>
+            <a:pPr lvl="1"/>
+            <a:r>
+              <a:rPr lang="en-US" altLang="zh-CN" sz="1800"/>
+              <a:t>Broken links</a:t>
+            </a:r>
+            <a:endParaRPr lang="en-US" altLang="zh-CN" sz="1800"/>
+          </a:p>
+          <a:p>
+            <a:pPr lvl="2"/>
+            <a:r>
+              <a:rPr lang="en-US" altLang="zh-CN" sz="1600"/>
+              <a:t>www.deadlinkchecker.com</a:t>
+            </a:r>
+            <a:endParaRPr lang="en-US" altLang="zh-CN" sz="1600"/>
+          </a:p>
+          <a:p>
+            <a:pPr lvl="1"/>
+            <a:r>
+              <a:rPr lang="en-US" altLang="zh-CN" sz="1800"/>
+              <a:t>Security</a:t>
+            </a:r>
+            <a:endParaRPr lang="en-US" altLang="zh-CN" sz="1800"/>
+          </a:p>
+          <a:p>
+            <a:pPr lvl="2"/>
+            <a:r>
+              <a:rPr lang="en-US" altLang="zh-CN" sz="1600"/>
+              <a:t>siteguarding</a:t>
+            </a:r>
+            <a:endParaRPr lang="en-US" altLang="zh-CN" sz="1600"/>
+          </a:p>
+          <a:p>
+            <a:pPr lvl="2"/>
+            <a:r>
+              <a:rPr lang="en-US" altLang="zh-CN" sz="1600"/>
+              <a:t>Acunetix</a:t>
+            </a:r>
+            <a:endParaRPr lang="en-US" altLang="zh-CN" sz="1600"/>
+          </a:p>
+          <a:p>
+            <a:pPr lvl="1"/>
+            <a:r>
+              <a:rPr lang="en-US" altLang="zh-CN" sz="1600"/>
+              <a:t>Contact info</a:t>
+            </a:r>
+            <a:endParaRPr lang="en-US" altLang="zh-CN" sz="1600"/>
           </a:p>
         </p:txBody>
       </p:sp>
@@ -3865,7 +4248,7 @@
           <a:p>
             <a:r>
               <a:rPr lang="en-US" altLang="zh-CN"/>
-              <a:t>Resolution Adaptation Test</a:t>
+              <a:t>Remove Unused CSS</a:t>
             </a:r>
             <a:endParaRPr lang="en-US" altLang="zh-CN"/>
           </a:p>
@@ -3885,47 +4268,7 @@
         <p:txBody>
           <a:bodyPr/>
           <a:p>
-            <a:r>
-              <a:rPr lang="en-US" altLang="zh-CN"/>
-              <a:t>Website</a:t>
-            </a:r>
-            <a:endParaRPr lang="en-US" altLang="zh-CN"/>
-          </a:p>
-          <a:p>
-            <a:pPr lvl="1"/>
-            <a:r>
-              <a:rPr lang="en-US" altLang="zh-CN"/>
-              <a:t>http://whatismyscreenresolution.net/</a:t>
-            </a:r>
-            <a:endParaRPr lang="en-US" altLang="zh-CN"/>
-          </a:p>
-          <a:p>
-            <a:pPr lvl="1"/>
-            <a:r>
-              <a:rPr lang="en-US" altLang="zh-CN"/>
-              <a:t>http://www.responsinator.com/</a:t>
-            </a:r>
-            <a:endParaRPr lang="en-US" altLang="zh-CN"/>
-          </a:p>
-          <a:p>
-            <a:pPr lvl="1"/>
-            <a:r>
-              <a:rPr lang="en-US" altLang="zh-CN"/>
-              <a:t>http://testsize.com/</a:t>
-            </a:r>
-            <a:endParaRPr lang="en-US" altLang="zh-CN"/>
-          </a:p>
-          <a:p>
-            <a:pPr lvl="0"/>
-            <a:r>
-              <a:rPr lang="en-US" altLang="zh-CN"/>
-              <a:t>Tools</a:t>
-            </a:r>
-            <a:endParaRPr lang="en-US" altLang="zh-CN"/>
-          </a:p>
-          <a:p>
-            <a:pPr lvl="1"/>
-            <a:endParaRPr lang="en-US" altLang="zh-CN"/>
+            <a:endParaRPr lang="zh-CN" altLang="en-US"/>
           </a:p>
         </p:txBody>
       </p:sp>
@@ -3966,6 +4309,107 @@
           <a:p>
             <a:r>
               <a:rPr lang="en-US" altLang="zh-CN"/>
+              <a:t>Resolution Adaptation Test</a:t>
+            </a:r>
+            <a:endParaRPr lang="en-US" altLang="zh-CN"/>
+          </a:p>
+        </p:txBody>
+      </p:sp>
+      <p:sp>
+        <p:nvSpPr>
+          <p:cNvPr id="3" name="内容占位符 2"/>
+          <p:cNvSpPr>
+            <a:spLocks noGrp="1"/>
+          </p:cNvSpPr>
+          <p:nvPr>
+            <p:ph idx="1"/>
+          </p:nvPr>
+        </p:nvSpPr>
+        <p:spPr/>
+        <p:txBody>
+          <a:bodyPr/>
+          <a:p>
+            <a:r>
+              <a:rPr lang="en-US" altLang="zh-CN"/>
+              <a:t>Website</a:t>
+            </a:r>
+            <a:endParaRPr lang="en-US" altLang="zh-CN"/>
+          </a:p>
+          <a:p>
+            <a:pPr lvl="1"/>
+            <a:r>
+              <a:rPr lang="en-US" altLang="zh-CN"/>
+              <a:t>http://whatismyscreenresolution.net/</a:t>
+            </a:r>
+            <a:endParaRPr lang="en-US" altLang="zh-CN"/>
+          </a:p>
+          <a:p>
+            <a:pPr lvl="1"/>
+            <a:r>
+              <a:rPr lang="en-US" altLang="zh-CN"/>
+              <a:t>http://www.responsinator.com/</a:t>
+            </a:r>
+            <a:endParaRPr lang="en-US" altLang="zh-CN"/>
+          </a:p>
+          <a:p>
+            <a:pPr lvl="1"/>
+            <a:r>
+              <a:rPr lang="en-US" altLang="zh-CN"/>
+              <a:t>http://testsize.com/</a:t>
+            </a:r>
+            <a:endParaRPr lang="en-US" altLang="zh-CN"/>
+          </a:p>
+          <a:p>
+            <a:pPr lvl="0"/>
+            <a:r>
+              <a:rPr lang="en-US" altLang="zh-CN"/>
+              <a:t>Tools</a:t>
+            </a:r>
+            <a:endParaRPr lang="en-US" altLang="zh-CN"/>
+          </a:p>
+          <a:p>
+            <a:pPr lvl="1"/>
+            <a:endParaRPr lang="en-US" altLang="zh-CN"/>
+          </a:p>
+        </p:txBody>
+      </p:sp>
+    </p:spTree>
+    <p:custDataLst>
+      <p:tags r:id="rId1"/>
+    </p:custDataLst>
+  </p:cSld>
+  <p:clrMapOvr>
+    <a:masterClrMapping/>
+  </p:clrMapOvr>
+</p:sld>
+</file>
+
+<file path=ppt/slides/slide5.xml><?xml version="1.0" encoding="utf-8"?>
+<p:sld xmlns:a="http://schemas.openxmlformats.org/drawingml/2006/main" xmlns:r="http://schemas.openxmlformats.org/officeDocument/2006/relationships" xmlns:p="http://schemas.openxmlformats.org/presentationml/2006/main">
+  <p:cSld>
+    <p:spTree>
+      <p:nvGrpSpPr>
+        <p:cNvPr id="1" name=""/>
+        <p:cNvGrpSpPr/>
+        <p:nvPr/>
+      </p:nvGrpSpPr>
+      <p:grpSpPr/>
+      <p:sp>
+        <p:nvSpPr>
+          <p:cNvPr id="2" name="标题 1"/>
+          <p:cNvSpPr>
+            <a:spLocks noGrp="1"/>
+          </p:cNvSpPr>
+          <p:nvPr>
+            <p:ph type="title"/>
+          </p:nvPr>
+        </p:nvSpPr>
+        <p:spPr/>
+        <p:txBody>
+          <a:bodyPr/>
+          <a:p>
+            <a:r>
+              <a:rPr lang="en-US" altLang="zh-CN"/>
               <a:t>Browser Compatibility Test</a:t>
             </a:r>
             <a:endParaRPr lang="en-US" altLang="zh-CN"/>
@@ -4024,6 +4468,14 @@
 <file path=ppt/tags/tag1.xml><?xml version="1.0" encoding="utf-8"?>
 <p:tagLst xmlns:p="http://schemas.openxmlformats.org/presentationml/2006/main">
   <p:tag name="KSO_WM_TAG_VERSION" val="1.0"/>
+  <p:tag name="KSO_WM_TEMPLATE_CATEGORY" val="custom"/>
+  <p:tag name="KSO_WM_TEMPLATE_INDEX" val="160402"/>
+</p:tagLst>
+</file>
+
+<file path=ppt/tags/tag10.xml><?xml version="1.0" encoding="utf-8"?>
+<p:tagLst xmlns:p="http://schemas.openxmlformats.org/presentationml/2006/main">
+  <p:tag name="KSO_WM_BEAUTIFY_FLAG" val="#wm#"/>
   <p:tag name="KSO_WM_TEMPLATE_CATEGORY" val="custom"/>
   <p:tag name="KSO_WM_TEMPLATE_INDEX" val="160402"/>
 </p:tagLst>

--- a/Web/WebGeneral-Notes.pptx
+++ b/Web/WebGeneral-Notes.pptx
@@ -8,14 +8,17 @@
     <p:notesMasterId r:id="rId4"/>
   </p:notesMasterIdLst>
   <p:handoutMasterIdLst>
-    <p:handoutMasterId r:id="rId9"/>
+    <p:handoutMasterId r:id="rId12"/>
   </p:handoutMasterIdLst>
   <p:sldIdLst>
     <p:sldId id="256" r:id="rId3"/>
-    <p:sldId id="264" r:id="rId5"/>
-    <p:sldId id="261" r:id="rId6"/>
-    <p:sldId id="259" r:id="rId7"/>
-    <p:sldId id="260" r:id="rId8"/>
+    <p:sldId id="269" r:id="rId5"/>
+    <p:sldId id="264" r:id="rId6"/>
+    <p:sldId id="275" r:id="rId7"/>
+    <p:sldId id="276" r:id="rId8"/>
+    <p:sldId id="261" r:id="rId9"/>
+    <p:sldId id="259" r:id="rId10"/>
+    <p:sldId id="260" r:id="rId11"/>
   </p:sldIdLst>
   <p:sldSz cx="12192000" cy="6858000"/>
   <p:notesSz cx="6858000" cy="9144000"/>
@@ -3829,6 +3832,692 @@
           <a:p>
             <a:r>
               <a:rPr lang="en-US" altLang="zh-CN"/>
+              <a:t>HTTP Status Code</a:t>
+            </a:r>
+            <a:endParaRPr lang="en-US" altLang="zh-CN"/>
+          </a:p>
+        </p:txBody>
+      </p:sp>
+      <p:sp>
+        <p:nvSpPr>
+          <p:cNvPr id="4" name="文本框 3"/>
+          <p:cNvSpPr txBox="1"/>
+          <p:nvPr/>
+        </p:nvSpPr>
+        <p:spPr>
+          <a:xfrm>
+            <a:off x="723900" y="1078230"/>
+            <a:ext cx="3288665" cy="5692775"/>
+          </a:xfrm>
+          <a:prstGeom prst="rect">
+            <a:avLst/>
+          </a:prstGeom>
+          <a:noFill/>
+        </p:spPr>
+        <p:txBody>
+          <a:bodyPr wrap="square" rtlCol="0">
+            <a:spAutoFit/>
+          </a:bodyPr>
+          <a:p>
+            <a:r>
+              <a:rPr lang="zh-CN" altLang="en-US" sz="1400"/>
+              <a:t>    1×× Informational</a:t>
+            </a:r>
+            <a:endParaRPr lang="zh-CN" altLang="en-US" sz="1400"/>
+          </a:p>
+          <a:p>
+            <a:r>
+              <a:rPr lang="zh-CN" altLang="en-US" sz="1400"/>
+              <a:t>    100 Continue</a:t>
+            </a:r>
+            <a:endParaRPr lang="zh-CN" altLang="en-US" sz="1400"/>
+          </a:p>
+          <a:p>
+            <a:r>
+              <a:rPr lang="zh-CN" altLang="en-US" sz="1400"/>
+              <a:t>    101 Switching Protocols</a:t>
+            </a:r>
+            <a:endParaRPr lang="zh-CN" altLang="en-US" sz="1400"/>
+          </a:p>
+          <a:p>
+            <a:r>
+              <a:rPr lang="zh-CN" altLang="en-US" sz="1400"/>
+              <a:t>    102 Processing</a:t>
+            </a:r>
+            <a:endParaRPr lang="zh-CN" altLang="en-US" sz="1400"/>
+          </a:p>
+          <a:p>
+            <a:endParaRPr lang="zh-CN" altLang="en-US" sz="1400"/>
+          </a:p>
+          <a:p>
+            <a:r>
+              <a:rPr lang="zh-CN" altLang="en-US" sz="1400"/>
+              <a:t>    2×× Success</a:t>
+            </a:r>
+            <a:endParaRPr lang="zh-CN" altLang="en-US" sz="1400"/>
+          </a:p>
+          <a:p>
+            <a:r>
+              <a:rPr lang="zh-CN" altLang="en-US" sz="1400"/>
+              <a:t>    200 OK</a:t>
+            </a:r>
+            <a:endParaRPr lang="zh-CN" altLang="en-US" sz="1400"/>
+          </a:p>
+          <a:p>
+            <a:r>
+              <a:rPr lang="zh-CN" altLang="en-US" sz="1400"/>
+              <a:t>    201 Created</a:t>
+            </a:r>
+            <a:endParaRPr lang="zh-CN" altLang="en-US" sz="1400"/>
+          </a:p>
+          <a:p>
+            <a:r>
+              <a:rPr lang="zh-CN" altLang="en-US" sz="1400"/>
+              <a:t>    202 Accepted</a:t>
+            </a:r>
+            <a:endParaRPr lang="zh-CN" altLang="en-US" sz="1400"/>
+          </a:p>
+          <a:p>
+            <a:r>
+              <a:rPr lang="zh-CN" altLang="en-US" sz="1400"/>
+              <a:t>    203 Non-authoritative Information</a:t>
+            </a:r>
+            <a:endParaRPr lang="zh-CN" altLang="en-US" sz="1400"/>
+          </a:p>
+          <a:p>
+            <a:r>
+              <a:rPr lang="zh-CN" altLang="en-US" sz="1400"/>
+              <a:t>    204 No Content</a:t>
+            </a:r>
+            <a:endParaRPr lang="zh-CN" altLang="en-US" sz="1400"/>
+          </a:p>
+          <a:p>
+            <a:r>
+              <a:rPr lang="zh-CN" altLang="en-US" sz="1400"/>
+              <a:t>    205 Reset Content</a:t>
+            </a:r>
+            <a:endParaRPr lang="zh-CN" altLang="en-US" sz="1400"/>
+          </a:p>
+          <a:p>
+            <a:r>
+              <a:rPr lang="zh-CN" altLang="en-US" sz="1400"/>
+              <a:t>    206 Partial Content</a:t>
+            </a:r>
+            <a:endParaRPr lang="zh-CN" altLang="en-US" sz="1400"/>
+          </a:p>
+          <a:p>
+            <a:r>
+              <a:rPr lang="zh-CN" altLang="en-US" sz="1400"/>
+              <a:t>    207 Multi-Status</a:t>
+            </a:r>
+            <a:endParaRPr lang="zh-CN" altLang="en-US" sz="1400"/>
+          </a:p>
+          <a:p>
+            <a:r>
+              <a:rPr lang="zh-CN" altLang="en-US" sz="1400"/>
+              <a:t>    208 Already Reported</a:t>
+            </a:r>
+            <a:endParaRPr lang="zh-CN" altLang="en-US" sz="1400"/>
+          </a:p>
+          <a:p>
+            <a:r>
+              <a:rPr lang="zh-CN" altLang="en-US" sz="1400"/>
+              <a:t>    226 IM Used</a:t>
+            </a:r>
+            <a:endParaRPr lang="zh-CN" altLang="en-US" sz="1400"/>
+          </a:p>
+          <a:p>
+            <a:endParaRPr lang="zh-CN" altLang="en-US" sz="1400"/>
+          </a:p>
+          <a:p>
+            <a:r>
+              <a:rPr lang="zh-CN" altLang="en-US" sz="1400"/>
+              <a:t>    3×× Redirection</a:t>
+            </a:r>
+            <a:endParaRPr lang="zh-CN" altLang="en-US" sz="1400"/>
+          </a:p>
+          <a:p>
+            <a:r>
+              <a:rPr lang="zh-CN" altLang="en-US" sz="1400"/>
+              <a:t>    300 Multiple Choices</a:t>
+            </a:r>
+            <a:endParaRPr lang="zh-CN" altLang="en-US" sz="1400"/>
+          </a:p>
+          <a:p>
+            <a:r>
+              <a:rPr lang="zh-CN" altLang="en-US" sz="1400"/>
+              <a:t>    301 Moved Permanently</a:t>
+            </a:r>
+            <a:endParaRPr lang="zh-CN" altLang="en-US" sz="1400"/>
+          </a:p>
+          <a:p>
+            <a:r>
+              <a:rPr lang="zh-CN" altLang="en-US" sz="1400"/>
+              <a:t>    302 Found</a:t>
+            </a:r>
+            <a:endParaRPr lang="zh-CN" altLang="en-US" sz="1400"/>
+          </a:p>
+          <a:p>
+            <a:r>
+              <a:rPr lang="zh-CN" altLang="en-US" sz="1400"/>
+              <a:t>    303 See Other</a:t>
+            </a:r>
+            <a:endParaRPr lang="zh-CN" altLang="en-US" sz="1400"/>
+          </a:p>
+          <a:p>
+            <a:r>
+              <a:rPr lang="zh-CN" altLang="en-US" sz="1400"/>
+              <a:t>    304 Not Modified</a:t>
+            </a:r>
+            <a:endParaRPr lang="zh-CN" altLang="en-US" sz="1400"/>
+          </a:p>
+          <a:p>
+            <a:r>
+              <a:rPr lang="zh-CN" altLang="en-US" sz="1400"/>
+              <a:t>    305 Use Proxy</a:t>
+            </a:r>
+            <a:endParaRPr lang="zh-CN" altLang="en-US" sz="1400"/>
+          </a:p>
+          <a:p>
+            <a:r>
+              <a:rPr lang="zh-CN" altLang="en-US" sz="1400"/>
+              <a:t>    307 Temporary Redirect</a:t>
+            </a:r>
+            <a:endParaRPr lang="zh-CN" altLang="en-US" sz="1400"/>
+          </a:p>
+          <a:p>
+            <a:r>
+              <a:rPr lang="zh-CN" altLang="en-US" sz="1400"/>
+              <a:t>    308 Permanent Redirect</a:t>
+            </a:r>
+            <a:endParaRPr lang="zh-CN" altLang="en-US" sz="1400"/>
+          </a:p>
+        </p:txBody>
+      </p:sp>
+      <p:sp>
+        <p:nvSpPr>
+          <p:cNvPr id="5" name="文本框 4"/>
+          <p:cNvSpPr txBox="1"/>
+          <p:nvPr/>
+        </p:nvSpPr>
+        <p:spPr>
+          <a:xfrm>
+            <a:off x="4012565" y="1078230"/>
+            <a:ext cx="3818890" cy="5815965"/>
+          </a:xfrm>
+          <a:prstGeom prst="rect">
+            <a:avLst/>
+          </a:prstGeom>
+          <a:noFill/>
+        </p:spPr>
+        <p:txBody>
+          <a:bodyPr wrap="square" rtlCol="0">
+            <a:spAutoFit/>
+          </a:bodyPr>
+          <a:p>
+            <a:r>
+              <a:rPr lang="zh-CN" altLang="en-US" sz="1200">
+                <a:sym typeface="+mn-ea"/>
+              </a:rPr>
+              <a:t>    4×× Client Error</a:t>
+            </a:r>
+            <a:endParaRPr lang="zh-CN" altLang="en-US" sz="1200"/>
+          </a:p>
+          <a:p>
+            <a:r>
+              <a:rPr lang="zh-CN" altLang="en-US" sz="1200">
+                <a:sym typeface="+mn-ea"/>
+              </a:rPr>
+              <a:t>    400 Bad Request</a:t>
+            </a:r>
+            <a:endParaRPr lang="zh-CN" altLang="en-US" sz="1200"/>
+          </a:p>
+          <a:p>
+            <a:r>
+              <a:rPr lang="zh-CN" altLang="en-US" sz="1200">
+                <a:sym typeface="+mn-ea"/>
+              </a:rPr>
+              <a:t>    401 Unauthorized</a:t>
+            </a:r>
+            <a:endParaRPr lang="zh-CN" altLang="en-US" sz="1200"/>
+          </a:p>
+          <a:p>
+            <a:r>
+              <a:rPr lang="zh-CN" altLang="en-US" sz="1200">
+                <a:sym typeface="+mn-ea"/>
+              </a:rPr>
+              <a:t>    402 Payment Required</a:t>
+            </a:r>
+            <a:endParaRPr lang="zh-CN" altLang="en-US" sz="1200"/>
+          </a:p>
+          <a:p>
+            <a:r>
+              <a:rPr lang="zh-CN" altLang="en-US" sz="1200">
+                <a:sym typeface="+mn-ea"/>
+              </a:rPr>
+              <a:t>    403 Forbidden</a:t>
+            </a:r>
+            <a:endParaRPr lang="zh-CN" altLang="en-US" sz="1200"/>
+          </a:p>
+          <a:p>
+            <a:r>
+              <a:rPr lang="zh-CN" altLang="en-US" sz="1200">
+                <a:sym typeface="+mn-ea"/>
+              </a:rPr>
+              <a:t>    404 Not Found</a:t>
+            </a:r>
+            <a:endParaRPr lang="zh-CN" altLang="en-US" sz="1200"/>
+          </a:p>
+          <a:p>
+            <a:r>
+              <a:rPr lang="zh-CN" altLang="en-US" sz="1200">
+                <a:sym typeface="+mn-ea"/>
+              </a:rPr>
+              <a:t>    405 Method Not Allowed</a:t>
+            </a:r>
+            <a:endParaRPr lang="zh-CN" altLang="en-US" sz="1200"/>
+          </a:p>
+          <a:p>
+            <a:r>
+              <a:rPr lang="zh-CN" altLang="en-US" sz="1200">
+                <a:sym typeface="+mn-ea"/>
+              </a:rPr>
+              <a:t>    406 Not Acceptable</a:t>
+            </a:r>
+            <a:endParaRPr lang="zh-CN" altLang="en-US" sz="1200"/>
+          </a:p>
+          <a:p>
+            <a:r>
+              <a:rPr lang="zh-CN" altLang="en-US" sz="1200">
+                <a:sym typeface="+mn-ea"/>
+              </a:rPr>
+              <a:t>    407 Proxy Authentication Required</a:t>
+            </a:r>
+            <a:endParaRPr lang="zh-CN" altLang="en-US" sz="1200"/>
+          </a:p>
+          <a:p>
+            <a:r>
+              <a:rPr lang="zh-CN" altLang="en-US" sz="1200">
+                <a:sym typeface="+mn-ea"/>
+              </a:rPr>
+              <a:t>    408 Request Timeout</a:t>
+            </a:r>
+            <a:endParaRPr lang="zh-CN" altLang="en-US" sz="1200"/>
+          </a:p>
+          <a:p>
+            <a:r>
+              <a:rPr lang="zh-CN" altLang="en-US" sz="1200">
+                <a:sym typeface="+mn-ea"/>
+              </a:rPr>
+              <a:t>    409 Conflict</a:t>
+            </a:r>
+            <a:endParaRPr lang="zh-CN" altLang="en-US" sz="1200"/>
+          </a:p>
+          <a:p>
+            <a:r>
+              <a:rPr lang="zh-CN" altLang="en-US" sz="1200">
+                <a:sym typeface="+mn-ea"/>
+              </a:rPr>
+              <a:t>    410 Gone</a:t>
+            </a:r>
+            <a:endParaRPr lang="zh-CN" altLang="en-US" sz="1200"/>
+          </a:p>
+          <a:p>
+            <a:r>
+              <a:rPr lang="zh-CN" altLang="en-US" sz="1200">
+                <a:sym typeface="+mn-ea"/>
+              </a:rPr>
+              <a:t>    411 Length Required</a:t>
+            </a:r>
+            <a:endParaRPr lang="zh-CN" altLang="en-US" sz="1200"/>
+          </a:p>
+          <a:p>
+            <a:r>
+              <a:rPr lang="zh-CN" altLang="en-US" sz="1200">
+                <a:sym typeface="+mn-ea"/>
+              </a:rPr>
+              <a:t>    412 Precondition Failed</a:t>
+            </a:r>
+            <a:endParaRPr lang="zh-CN" altLang="en-US" sz="1200"/>
+          </a:p>
+          <a:p>
+            <a:r>
+              <a:rPr lang="zh-CN" altLang="en-US" sz="1200">
+                <a:sym typeface="+mn-ea"/>
+              </a:rPr>
+              <a:t>    413 Payload Too Large</a:t>
+            </a:r>
+            <a:endParaRPr lang="zh-CN" altLang="en-US" sz="1200"/>
+          </a:p>
+          <a:p>
+            <a:r>
+              <a:rPr lang="zh-CN" altLang="en-US" sz="1200">
+                <a:sym typeface="+mn-ea"/>
+              </a:rPr>
+              <a:t>    414 Request-URI Too Long</a:t>
+            </a:r>
+            <a:endParaRPr lang="zh-CN" altLang="en-US" sz="1200"/>
+          </a:p>
+          <a:p>
+            <a:r>
+              <a:rPr lang="zh-CN" altLang="en-US" sz="1200">
+                <a:sym typeface="+mn-ea"/>
+              </a:rPr>
+              <a:t>    415 Unsupported Media Type</a:t>
+            </a:r>
+            <a:endParaRPr lang="zh-CN" altLang="en-US" sz="1200"/>
+          </a:p>
+          <a:p>
+            <a:r>
+              <a:rPr lang="zh-CN" altLang="en-US" sz="1200">
+                <a:sym typeface="+mn-ea"/>
+              </a:rPr>
+              <a:t>    416 Requested Range Not Satisfiable</a:t>
+            </a:r>
+            <a:endParaRPr lang="zh-CN" altLang="en-US" sz="1200"/>
+          </a:p>
+          <a:p>
+            <a:r>
+              <a:rPr lang="zh-CN" altLang="en-US" sz="1200">
+                <a:sym typeface="+mn-ea"/>
+              </a:rPr>
+              <a:t>    417 Expectation Failed</a:t>
+            </a:r>
+            <a:endParaRPr lang="zh-CN" altLang="en-US" sz="1200"/>
+          </a:p>
+          <a:p>
+            <a:r>
+              <a:rPr lang="zh-CN" altLang="en-US" sz="1200">
+                <a:sym typeface="+mn-ea"/>
+              </a:rPr>
+              <a:t>    418 I'm a teapot</a:t>
+            </a:r>
+            <a:endParaRPr lang="zh-CN" altLang="en-US" sz="1200"/>
+          </a:p>
+          <a:p>
+            <a:r>
+              <a:rPr lang="zh-CN" altLang="en-US" sz="1200">
+                <a:sym typeface="+mn-ea"/>
+              </a:rPr>
+              <a:t>    421 Misdirected Request</a:t>
+            </a:r>
+            <a:endParaRPr lang="zh-CN" altLang="en-US" sz="1200"/>
+          </a:p>
+          <a:p>
+            <a:r>
+              <a:rPr lang="zh-CN" altLang="en-US" sz="1200">
+                <a:sym typeface="+mn-ea"/>
+              </a:rPr>
+              <a:t>    422 Unprocessable Entity</a:t>
+            </a:r>
+            <a:endParaRPr lang="zh-CN" altLang="en-US" sz="1200"/>
+          </a:p>
+          <a:p>
+            <a:r>
+              <a:rPr lang="zh-CN" altLang="en-US" sz="1200">
+                <a:sym typeface="+mn-ea"/>
+              </a:rPr>
+              <a:t>    423 Locked</a:t>
+            </a:r>
+            <a:endParaRPr lang="zh-CN" altLang="en-US" sz="1200"/>
+          </a:p>
+          <a:p>
+            <a:r>
+              <a:rPr lang="zh-CN" altLang="en-US" sz="1200">
+                <a:sym typeface="+mn-ea"/>
+              </a:rPr>
+              <a:t>    424 Failed Dependency</a:t>
+            </a:r>
+            <a:endParaRPr lang="zh-CN" altLang="en-US" sz="1200"/>
+          </a:p>
+          <a:p>
+            <a:r>
+              <a:rPr lang="zh-CN" altLang="en-US" sz="1200">
+                <a:sym typeface="+mn-ea"/>
+              </a:rPr>
+              <a:t>    426 Upgrade Required</a:t>
+            </a:r>
+            <a:endParaRPr lang="zh-CN" altLang="en-US" sz="1200"/>
+          </a:p>
+          <a:p>
+            <a:r>
+              <a:rPr lang="zh-CN" altLang="en-US" sz="1200">
+                <a:sym typeface="+mn-ea"/>
+              </a:rPr>
+              <a:t>    428 Precondition Required</a:t>
+            </a:r>
+            <a:endParaRPr lang="zh-CN" altLang="en-US" sz="1200"/>
+          </a:p>
+          <a:p>
+            <a:r>
+              <a:rPr lang="zh-CN" altLang="en-US" sz="1200">
+                <a:sym typeface="+mn-ea"/>
+              </a:rPr>
+              <a:t>    429 Too Many Requests</a:t>
+            </a:r>
+            <a:endParaRPr lang="zh-CN" altLang="en-US" sz="1200"/>
+          </a:p>
+          <a:p>
+            <a:r>
+              <a:rPr lang="zh-CN" altLang="en-US" sz="1200">
+                <a:sym typeface="+mn-ea"/>
+              </a:rPr>
+              <a:t>    431 Request Header Fields Too Large</a:t>
+            </a:r>
+            <a:endParaRPr lang="zh-CN" altLang="en-US" sz="1200"/>
+          </a:p>
+          <a:p>
+            <a:r>
+              <a:rPr lang="zh-CN" altLang="en-US" sz="1200">
+                <a:sym typeface="+mn-ea"/>
+              </a:rPr>
+              <a:t>    444 Connection Closed Without Response</a:t>
+            </a:r>
+            <a:endParaRPr lang="zh-CN" altLang="en-US" sz="1200"/>
+          </a:p>
+          <a:p>
+            <a:r>
+              <a:rPr lang="zh-CN" altLang="en-US" sz="1200">
+                <a:sym typeface="+mn-ea"/>
+              </a:rPr>
+              <a:t>    451 Unavailable For Legal Reasons</a:t>
+            </a:r>
+            <a:endParaRPr lang="zh-CN" altLang="en-US" sz="1200"/>
+          </a:p>
+          <a:p>
+            <a:r>
+              <a:rPr lang="zh-CN" altLang="en-US" sz="1200">
+                <a:sym typeface="+mn-ea"/>
+              </a:rPr>
+              <a:t>    499 Client Closed Request</a:t>
+            </a:r>
+            <a:endParaRPr lang="zh-CN" altLang="en-US" sz="1200">
+              <a:sym typeface="+mn-ea"/>
+            </a:endParaRPr>
+          </a:p>
+        </p:txBody>
+      </p:sp>
+      <p:sp>
+        <p:nvSpPr>
+          <p:cNvPr id="6" name="文本框 5"/>
+          <p:cNvSpPr txBox="1"/>
+          <p:nvPr/>
+        </p:nvSpPr>
+        <p:spPr>
+          <a:xfrm>
+            <a:off x="7995920" y="1042035"/>
+            <a:ext cx="3818890" cy="2676525"/>
+          </a:xfrm>
+          <a:prstGeom prst="rect">
+            <a:avLst/>
+          </a:prstGeom>
+          <a:noFill/>
+        </p:spPr>
+        <p:txBody>
+          <a:bodyPr wrap="square" rtlCol="0">
+            <a:spAutoFit/>
+          </a:bodyPr>
+          <a:p>
+            <a:endParaRPr lang="zh-CN" altLang="en-US" sz="1200"/>
+          </a:p>
+          <a:p>
+            <a:r>
+              <a:rPr lang="zh-CN" altLang="en-US" sz="1200">
+                <a:sym typeface="+mn-ea"/>
+              </a:rPr>
+              <a:t>    5×× Server Error</a:t>
+            </a:r>
+            <a:endParaRPr lang="zh-CN" altLang="en-US" sz="1200"/>
+          </a:p>
+          <a:p>
+            <a:r>
+              <a:rPr lang="zh-CN" altLang="en-US" sz="1200">
+                <a:sym typeface="+mn-ea"/>
+              </a:rPr>
+              <a:t>    500 Internal Server Error</a:t>
+            </a:r>
+            <a:endParaRPr lang="zh-CN" altLang="en-US" sz="1200"/>
+          </a:p>
+          <a:p>
+            <a:r>
+              <a:rPr lang="zh-CN" altLang="en-US" sz="1200">
+                <a:sym typeface="+mn-ea"/>
+              </a:rPr>
+              <a:t>    501 Not Implemented</a:t>
+            </a:r>
+            <a:endParaRPr lang="zh-CN" altLang="en-US" sz="1200"/>
+          </a:p>
+          <a:p>
+            <a:r>
+              <a:rPr lang="zh-CN" altLang="en-US" sz="1200">
+                <a:sym typeface="+mn-ea"/>
+              </a:rPr>
+              <a:t>    502 Bad Gateway</a:t>
+            </a:r>
+            <a:endParaRPr lang="zh-CN" altLang="en-US" sz="1200"/>
+          </a:p>
+          <a:p>
+            <a:r>
+              <a:rPr lang="zh-CN" altLang="en-US" sz="1200">
+                <a:sym typeface="+mn-ea"/>
+              </a:rPr>
+              <a:t>    503 Service Unavailable</a:t>
+            </a:r>
+            <a:endParaRPr lang="zh-CN" altLang="en-US" sz="1200"/>
+          </a:p>
+          <a:p>
+            <a:r>
+              <a:rPr lang="zh-CN" altLang="en-US" sz="1200">
+                <a:sym typeface="+mn-ea"/>
+              </a:rPr>
+              <a:t>    504 Gateway Timeout</a:t>
+            </a:r>
+            <a:endParaRPr lang="zh-CN" altLang="en-US" sz="1200"/>
+          </a:p>
+          <a:p>
+            <a:r>
+              <a:rPr lang="zh-CN" altLang="en-US" sz="1200">
+                <a:sym typeface="+mn-ea"/>
+              </a:rPr>
+              <a:t>    505 HTTP Version Not Supported</a:t>
+            </a:r>
+            <a:endParaRPr lang="zh-CN" altLang="en-US" sz="1200"/>
+          </a:p>
+          <a:p>
+            <a:r>
+              <a:rPr lang="zh-CN" altLang="en-US" sz="1200">
+                <a:sym typeface="+mn-ea"/>
+              </a:rPr>
+              <a:t>    506 Variant Also Negotiates</a:t>
+            </a:r>
+            <a:endParaRPr lang="zh-CN" altLang="en-US" sz="1200"/>
+          </a:p>
+          <a:p>
+            <a:r>
+              <a:rPr lang="zh-CN" altLang="en-US" sz="1200">
+                <a:sym typeface="+mn-ea"/>
+              </a:rPr>
+              <a:t>    507 Insufficient Storage</a:t>
+            </a:r>
+            <a:endParaRPr lang="zh-CN" altLang="en-US" sz="1200"/>
+          </a:p>
+          <a:p>
+            <a:r>
+              <a:rPr lang="zh-CN" altLang="en-US" sz="1200">
+                <a:sym typeface="+mn-ea"/>
+              </a:rPr>
+              <a:t>    508 Loop Detected</a:t>
+            </a:r>
+            <a:endParaRPr lang="zh-CN" altLang="en-US" sz="1200"/>
+          </a:p>
+          <a:p>
+            <a:r>
+              <a:rPr lang="zh-CN" altLang="en-US" sz="1200">
+                <a:sym typeface="+mn-ea"/>
+              </a:rPr>
+              <a:t>    510 Not Extended</a:t>
+            </a:r>
+            <a:endParaRPr lang="zh-CN" altLang="en-US" sz="1200"/>
+          </a:p>
+          <a:p>
+            <a:r>
+              <a:rPr lang="zh-CN" altLang="en-US" sz="1200">
+                <a:sym typeface="+mn-ea"/>
+              </a:rPr>
+              <a:t>    511 Network Authentication Required</a:t>
+            </a:r>
+            <a:endParaRPr lang="zh-CN" altLang="en-US" sz="1200"/>
+          </a:p>
+          <a:p>
+            <a:r>
+              <a:rPr lang="zh-CN" altLang="en-US" sz="1200">
+                <a:sym typeface="+mn-ea"/>
+              </a:rPr>
+              <a:t>    599 Network Connect Timeout Error</a:t>
+            </a:r>
+            <a:endParaRPr lang="zh-CN" altLang="en-US" sz="1200">
+              <a:sym typeface="+mn-ea"/>
+            </a:endParaRPr>
+          </a:p>
+        </p:txBody>
+      </p:sp>
+    </p:spTree>
+    <p:custDataLst>
+      <p:tags r:id="rId1"/>
+    </p:custDataLst>
+  </p:cSld>
+  <p:clrMapOvr>
+    <a:masterClrMapping/>
+  </p:clrMapOvr>
+</p:sld>
+</file>
+
+<file path=ppt/slides/slide3.xml><?xml version="1.0" encoding="utf-8"?>
+<p:sld xmlns:a="http://schemas.openxmlformats.org/drawingml/2006/main" xmlns:r="http://schemas.openxmlformats.org/officeDocument/2006/relationships" xmlns:p="http://schemas.openxmlformats.org/presentationml/2006/main">
+  <p:cSld>
+    <p:spTree>
+      <p:nvGrpSpPr>
+        <p:cNvPr id="1" name=""/>
+        <p:cNvGrpSpPr/>
+        <p:nvPr/>
+      </p:nvGrpSpPr>
+      <p:grpSpPr/>
+      <p:sp>
+        <p:nvSpPr>
+          <p:cNvPr id="2" name="标题 1"/>
+          <p:cNvSpPr>
+            <a:spLocks noGrp="1"/>
+          </p:cNvSpPr>
+          <p:nvPr>
+            <p:ph type="title"/>
+          </p:nvPr>
+        </p:nvSpPr>
+        <p:spPr/>
+        <p:txBody>
+          <a:bodyPr/>
+          <a:p>
+            <a:r>
+              <a:rPr lang="en-US" altLang="zh-CN"/>
               <a:t>Website Check List</a:t>
             </a:r>
             <a:endParaRPr lang="en-US" altLang="zh-CN"/>
@@ -4222,7 +4911,7 @@
 </p:sld>
 </file>
 
-<file path=ppt/slides/slide3.xml><?xml version="1.0" encoding="utf-8"?>
+<file path=ppt/slides/slide4.xml><?xml version="1.0" encoding="utf-8"?>
 <p:sld xmlns:a="http://schemas.openxmlformats.org/drawingml/2006/main" xmlns:r="http://schemas.openxmlformats.org/officeDocument/2006/relationships" xmlns:p="http://schemas.openxmlformats.org/presentationml/2006/main">
   <p:cSld>
     <p:spTree>
@@ -4248,12 +4937,414 @@
           <a:p>
             <a:r>
               <a:rPr lang="en-US" altLang="zh-CN"/>
-              <a:t>Remove Unused CSS</a:t>
+              <a:t>Backend API Testing Using Curl</a:t>
             </a:r>
             <a:endParaRPr lang="en-US" altLang="zh-CN"/>
           </a:p>
         </p:txBody>
       </p:sp>
+      <p:graphicFrame>
+        <p:nvGraphicFramePr>
+          <p:cNvPr id="4" name="表格 3"/>
+          <p:cNvGraphicFramePr/>
+          <p:nvPr>
+            <p:custDataLst>
+              <p:tags r:id="rId1"/>
+            </p:custDataLst>
+          </p:nvPr>
+        </p:nvGraphicFramePr>
+        <p:xfrm>
+          <a:off x="847725" y="1468755"/>
+          <a:ext cx="10765155" cy="4765040"/>
+        </p:xfrm>
+        <a:graphic>
+          <a:graphicData uri="http://schemas.openxmlformats.org/drawingml/2006/table">
+            <a:tbl>
+              <a:tblPr firstRow="1" bandRow="1">
+                <a:tableStyleId>{5C22544A-7EE6-4342-B048-85BDC9FD1C3A}</a:tableStyleId>
+              </a:tblPr>
+              <a:tblGrid>
+                <a:gridCol w="2150110"/>
+                <a:gridCol w="4413250"/>
+                <a:gridCol w="4201795"/>
+              </a:tblGrid>
+              <a:tr h="680720">
+                <a:tc>
+                  <a:txBody>
+                    <a:bodyPr/>
+                    <a:p>
+                      <a:pPr algn="ctr">
+                        <a:buNone/>
+                      </a:pPr>
+                      <a:r>
+                        <a:rPr lang="en-US" altLang="zh-CN"/>
+                        <a:t>Option</a:t>
+                      </a:r>
+                      <a:endParaRPr lang="en-US" altLang="zh-CN"/>
+                    </a:p>
+                  </a:txBody>
+                  <a:tcPr anchor="ctr" anchorCtr="0"/>
+                </a:tc>
+                <a:tc>
+                  <a:txBody>
+                    <a:bodyPr/>
+                    <a:p>
+                      <a:pPr algn="ctr">
+                        <a:buNone/>
+                      </a:pPr>
+                      <a:r>
+                        <a:rPr lang="en-US" altLang="zh-CN"/>
+                        <a:t>Meaning</a:t>
+                      </a:r>
+                      <a:endParaRPr lang="en-US" altLang="zh-CN"/>
+                    </a:p>
+                  </a:txBody>
+                  <a:tcPr anchor="ctr" anchorCtr="0"/>
+                </a:tc>
+                <a:tc>
+                  <a:txBody>
+                    <a:bodyPr/>
+                    <a:p>
+                      <a:pPr algn="ctr">
+                        <a:buNone/>
+                      </a:pPr>
+                      <a:r>
+                        <a:rPr lang="en-US" altLang="zh-CN"/>
+                        <a:t>Notes</a:t>
+                      </a:r>
+                      <a:endParaRPr lang="en-US" altLang="zh-CN"/>
+                    </a:p>
+                  </a:txBody>
+                  <a:tcPr anchor="ctr" anchorCtr="0"/>
+                </a:tc>
+              </a:tr>
+              <a:tr h="680720">
+                <a:tc>
+                  <a:txBody>
+                    <a:bodyPr/>
+                    <a:p>
+                      <a:pPr>
+                        <a:buNone/>
+                      </a:pPr>
+                      <a:r>
+                        <a:rPr lang="en-US" altLang="zh-CN"/>
+                        <a:t>-v</a:t>
+                      </a:r>
+                      <a:endParaRPr lang="en-US" altLang="zh-CN"/>
+                    </a:p>
+                  </a:txBody>
+                  <a:tcPr/>
+                </a:tc>
+                <a:tc>
+                  <a:txBody>
+                    <a:bodyPr/>
+                    <a:p>
+                      <a:pPr>
+                        <a:buNone/>
+                      </a:pPr>
+                      <a:r>
+                        <a:rPr lang="en-US" altLang="zh-CN"/>
+                        <a:t>verbose output</a:t>
+                      </a:r>
+                      <a:endParaRPr lang="en-US" altLang="zh-CN"/>
+                    </a:p>
+                  </a:txBody>
+                  <a:tcPr/>
+                </a:tc>
+                <a:tc>
+                  <a:txBody>
+                    <a:bodyPr/>
+                    <a:p>
+                      <a:pPr>
+                        <a:buNone/>
+                      </a:pPr>
+                      <a:endParaRPr lang="zh-CN" altLang="en-US"/>
+                    </a:p>
+                  </a:txBody>
+                  <a:tcPr/>
+                </a:tc>
+              </a:tr>
+              <a:tr h="680720">
+                <a:tc>
+                  <a:txBody>
+                    <a:bodyPr/>
+                    <a:p>
+                      <a:pPr>
+                        <a:buNone/>
+                      </a:pPr>
+                      <a:r>
+                        <a:rPr lang="en-US" altLang="zh-CN"/>
+                        <a:t>-i</a:t>
+                      </a:r>
+                      <a:endParaRPr lang="en-US" altLang="zh-CN"/>
+                    </a:p>
+                  </a:txBody>
+                  <a:tcPr/>
+                </a:tc>
+                <a:tc>
+                  <a:txBody>
+                    <a:bodyPr/>
+                    <a:p>
+                      <a:pPr>
+                        <a:buNone/>
+                      </a:pPr>
+                      <a:r>
+                        <a:rPr lang="en-US" altLang="zh-CN"/>
+                        <a:t>Output response headers</a:t>
+                      </a:r>
+                      <a:endParaRPr lang="en-US" altLang="zh-CN"/>
+                    </a:p>
+                  </a:txBody>
+                  <a:tcPr/>
+                </a:tc>
+                <a:tc>
+                  <a:txBody>
+                    <a:bodyPr/>
+                    <a:p>
+                      <a:pPr>
+                        <a:buNone/>
+                      </a:pPr>
+                      <a:endParaRPr lang="zh-CN" altLang="en-US"/>
+                    </a:p>
+                  </a:txBody>
+                  <a:tcPr/>
+                </a:tc>
+              </a:tr>
+              <a:tr h="680720">
+                <a:tc>
+                  <a:txBody>
+                    <a:bodyPr/>
+                    <a:p>
+                      <a:pPr>
+                        <a:buNone/>
+                      </a:pPr>
+                      <a:r>
+                        <a:rPr lang="en-US" altLang="zh-CN"/>
+                        <a:t>-I</a:t>
+                      </a:r>
+                      <a:endParaRPr lang="en-US" altLang="zh-CN"/>
+                    </a:p>
+                  </a:txBody>
+                  <a:tcPr/>
+                </a:tc>
+                <a:tc>
+                  <a:txBody>
+                    <a:bodyPr/>
+                    <a:p>
+                      <a:pPr>
+                        <a:buNone/>
+                      </a:pPr>
+                      <a:r>
+                        <a:rPr lang="en-US" altLang="zh-CN"/>
+                        <a:t>Fetch the HTTP header only</a:t>
+                      </a:r>
+                      <a:endParaRPr lang="en-US" altLang="zh-CN"/>
+                    </a:p>
+                  </a:txBody>
+                  <a:tcPr/>
+                </a:tc>
+                <a:tc>
+                  <a:txBody>
+                    <a:bodyPr/>
+                    <a:p>
+                      <a:pPr>
+                        <a:buNone/>
+                      </a:pPr>
+                      <a:endParaRPr lang="zh-CN" altLang="en-US"/>
+                    </a:p>
+                  </a:txBody>
+                  <a:tcPr/>
+                </a:tc>
+              </a:tr>
+              <a:tr h="680720">
+                <a:tc>
+                  <a:txBody>
+                    <a:bodyPr/>
+                    <a:p>
+                      <a:pPr>
+                        <a:buNone/>
+                      </a:pPr>
+                      <a:r>
+                        <a:rPr lang="en-US" altLang="zh-CN"/>
+                        <a:t>-H '...'</a:t>
+                      </a:r>
+                      <a:endParaRPr lang="en-US" altLang="zh-CN"/>
+                    </a:p>
+                  </a:txBody>
+                  <a:tcPr/>
+                </a:tc>
+                <a:tc>
+                  <a:txBody>
+                    <a:bodyPr/>
+                    <a:p>
+                      <a:pPr>
+                        <a:buNone/>
+                      </a:pPr>
+                      <a:r>
+                        <a:rPr lang="en-US" altLang="zh-CN"/>
+                        <a:t>GET with provided header</a:t>
+                      </a:r>
+                      <a:endParaRPr lang="en-US" altLang="zh-CN"/>
+                    </a:p>
+                  </a:txBody>
+                  <a:tcPr/>
+                </a:tc>
+                <a:tc>
+                  <a:txBody>
+                    <a:bodyPr/>
+                    <a:p>
+                      <a:pPr>
+                        <a:buNone/>
+                      </a:pPr>
+                      <a:r>
+                        <a:rPr lang="en-US" altLang="zh-CN"/>
+                        <a:t>-H “Content-Type: application/json”</a:t>
+                      </a:r>
+                      <a:endParaRPr lang="en-US" altLang="zh-CN"/>
+                    </a:p>
+                  </a:txBody>
+                  <a:tcPr/>
+                </a:tc>
+              </a:tr>
+              <a:tr h="680720">
+                <a:tc>
+                  <a:txBody>
+                    <a:bodyPr/>
+                    <a:p>
+                      <a:pPr>
+                        <a:buNone/>
+                      </a:pPr>
+                      <a:r>
+                        <a:rPr lang="en-US" altLang="zh-CN"/>
+                        <a:t>-X POST</a:t>
+                      </a:r>
+                      <a:endParaRPr lang="en-US" altLang="zh-CN"/>
+                    </a:p>
+                  </a:txBody>
+                  <a:tcPr/>
+                </a:tc>
+                <a:tc>
+                  <a:txBody>
+                    <a:bodyPr/>
+                    <a:p>
+                      <a:pPr>
+                        <a:buNone/>
+                      </a:pPr>
+                      <a:r>
+                        <a:rPr lang="en-US" altLang="zh-CN"/>
+                        <a:t>POST</a:t>
+                      </a:r>
+                      <a:endParaRPr lang="en-US" altLang="zh-CN"/>
+                    </a:p>
+                  </a:txBody>
+                  <a:tcPr/>
+                </a:tc>
+                <a:tc>
+                  <a:txBody>
+                    <a:bodyPr/>
+                    <a:p>
+                      <a:pPr>
+                        <a:buNone/>
+                      </a:pPr>
+                      <a:endParaRPr lang="zh-CN" altLang="en-US"/>
+                    </a:p>
+                  </a:txBody>
+                  <a:tcPr/>
+                </a:tc>
+              </a:tr>
+              <a:tr h="680720">
+                <a:tc>
+                  <a:txBody>
+                    <a:bodyPr/>
+                    <a:p>
+                      <a:pPr>
+                        <a:buNone/>
+                      </a:pPr>
+                      <a:r>
+                        <a:rPr lang="en-US" altLang="zh-CN"/>
+                        <a:t>-d '{'a': 'val', ...}</a:t>
+                      </a:r>
+                      <a:endParaRPr lang="en-US" altLang="zh-CN"/>
+                    </a:p>
+                  </a:txBody>
+                  <a:tcPr/>
+                </a:tc>
+                <a:tc>
+                  <a:txBody>
+                    <a:bodyPr/>
+                    <a:p>
+                      <a:pPr>
+                        <a:buNone/>
+                      </a:pPr>
+                      <a:r>
+                        <a:rPr lang="en-US" altLang="zh-CN"/>
+                        <a:t>POST additional data</a:t>
+                      </a:r>
+                      <a:endParaRPr lang="en-US" altLang="zh-CN"/>
+                    </a:p>
+                  </a:txBody>
+                  <a:tcPr/>
+                </a:tc>
+                <a:tc>
+                  <a:txBody>
+                    <a:bodyPr/>
+                    <a:p>
+                      <a:pPr>
+                        <a:buNone/>
+                      </a:pPr>
+                      <a:endParaRPr lang="zh-CN" altLang="en-US"/>
+                    </a:p>
+                  </a:txBody>
+                  <a:tcPr/>
+                </a:tc>
+              </a:tr>
+            </a:tbl>
+          </a:graphicData>
+        </a:graphic>
+      </p:graphicFrame>
+    </p:spTree>
+    <p:custDataLst>
+      <p:tags r:id="rId2"/>
+    </p:custDataLst>
+  </p:cSld>
+  <p:clrMapOvr>
+    <a:masterClrMapping/>
+  </p:clrMapOvr>
+</p:sld>
+</file>
+
+<file path=ppt/slides/slide5.xml><?xml version="1.0" encoding="utf-8"?>
+<p:sld xmlns:a="http://schemas.openxmlformats.org/drawingml/2006/main" xmlns:r="http://schemas.openxmlformats.org/officeDocument/2006/relationships" xmlns:p="http://schemas.openxmlformats.org/presentationml/2006/main">
+  <p:cSld>
+    <p:spTree>
+      <p:nvGrpSpPr>
+        <p:cNvPr id="1" name=""/>
+        <p:cNvGrpSpPr/>
+        <p:nvPr/>
+      </p:nvGrpSpPr>
+      <p:grpSpPr/>
+      <p:sp>
+        <p:nvSpPr>
+          <p:cNvPr id="2" name="标题 1"/>
+          <p:cNvSpPr>
+            <a:spLocks noGrp="1"/>
+          </p:cNvSpPr>
+          <p:nvPr>
+            <p:ph type="title"/>
+          </p:nvPr>
+        </p:nvSpPr>
+        <p:spPr/>
+        <p:txBody>
+          <a:bodyPr/>
+          <a:p>
+            <a:r>
+              <a:rPr lang="en-US" altLang="zh-CN"/>
+              <a:t>Web Server for Development</a:t>
+            </a:r>
+            <a:endParaRPr lang="en-US" altLang="zh-CN"/>
+          </a:p>
+        </p:txBody>
+      </p:sp>
       <p:sp>
         <p:nvSpPr>
           <p:cNvPr id="3" name="内容占位符 2"/>
@@ -4268,7 +5359,59 @@
         <p:txBody>
           <a:bodyPr/>
           <a:p>
-            <a:endParaRPr lang="zh-CN" altLang="en-US"/>
+            <a:r>
+              <a:rPr lang="en-US" altLang="zh-CN"/>
+              <a:t>http-server</a:t>
+            </a:r>
+            <a:endParaRPr lang="en-US" altLang="zh-CN"/>
+          </a:p>
+          <a:p>
+            <a:pPr lvl="1"/>
+            <a:r>
+              <a:rPr lang="en-US" altLang="zh-CN"/>
+              <a:t>npm install http-server -g</a:t>
+            </a:r>
+            <a:endParaRPr lang="en-US" altLang="zh-CN"/>
+          </a:p>
+          <a:p>
+            <a:pPr lvl="1"/>
+            <a:r>
+              <a:rPr lang="en-US" altLang="zh-CN"/>
+              <a:t>http-server {path} {options}</a:t>
+            </a:r>
+            <a:endParaRPr lang="en-US" altLang="zh-CN"/>
+          </a:p>
+          <a:p>
+            <a:pPr lvl="2"/>
+            <a:r>
+              <a:rPr lang="en-US" altLang="zh-CN"/>
+              <a:t>-p: port to use</a:t>
+            </a:r>
+            <a:endParaRPr lang="en-US" altLang="zh-CN"/>
+          </a:p>
+          <a:p>
+            <a:pPr lvl="2"/>
+            <a:r>
+              <a:rPr lang="en-US" altLang="zh-CN"/>
+              <a:t>-a: address to use</a:t>
+            </a:r>
+            <a:endParaRPr lang="en-US" altLang="zh-CN"/>
+          </a:p>
+          <a:p>
+            <a:pPr lvl="2"/>
+            <a:r>
+              <a:rPr lang="en-US" altLang="zh-CN"/>
+              <a:t>-d: show directory listings</a:t>
+            </a:r>
+            <a:endParaRPr lang="en-US" altLang="zh-CN"/>
+          </a:p>
+          <a:p>
+            <a:pPr lvl="2"/>
+            <a:r>
+              <a:rPr lang="en-US" altLang="zh-CN"/>
+              <a:t>-i: display autoIndex</a:t>
+            </a:r>
+            <a:endParaRPr lang="en-US" altLang="zh-CN"/>
           </a:p>
         </p:txBody>
       </p:sp>
@@ -4283,7 +5426,7 @@
 </p:sld>
 </file>
 
-<file path=ppt/slides/slide4.xml><?xml version="1.0" encoding="utf-8"?>
+<file path=ppt/slides/slide6.xml><?xml version="1.0" encoding="utf-8"?>
 <p:sld xmlns:a="http://schemas.openxmlformats.org/drawingml/2006/main" xmlns:r="http://schemas.openxmlformats.org/officeDocument/2006/relationships" xmlns:p="http://schemas.openxmlformats.org/presentationml/2006/main">
   <p:cSld>
     <p:spTree>
@@ -4309,7 +5452,7 @@
           <a:p>
             <a:r>
               <a:rPr lang="en-US" altLang="zh-CN"/>
-              <a:t>Resolution Adaptation Test</a:t>
+              <a:t>Remove Unused CSS</a:t>
             </a:r>
             <a:endParaRPr lang="en-US" altLang="zh-CN"/>
           </a:p>
@@ -4329,47 +5472,7 @@
         <p:txBody>
           <a:bodyPr/>
           <a:p>
-            <a:r>
-              <a:rPr lang="en-US" altLang="zh-CN"/>
-              <a:t>Website</a:t>
-            </a:r>
-            <a:endParaRPr lang="en-US" altLang="zh-CN"/>
-          </a:p>
-          <a:p>
-            <a:pPr lvl="1"/>
-            <a:r>
-              <a:rPr lang="en-US" altLang="zh-CN"/>
-              <a:t>http://whatismyscreenresolution.net/</a:t>
-            </a:r>
-            <a:endParaRPr lang="en-US" altLang="zh-CN"/>
-          </a:p>
-          <a:p>
-            <a:pPr lvl="1"/>
-            <a:r>
-              <a:rPr lang="en-US" altLang="zh-CN"/>
-              <a:t>http://www.responsinator.com/</a:t>
-            </a:r>
-            <a:endParaRPr lang="en-US" altLang="zh-CN"/>
-          </a:p>
-          <a:p>
-            <a:pPr lvl="1"/>
-            <a:r>
-              <a:rPr lang="en-US" altLang="zh-CN"/>
-              <a:t>http://testsize.com/</a:t>
-            </a:r>
-            <a:endParaRPr lang="en-US" altLang="zh-CN"/>
-          </a:p>
-          <a:p>
-            <a:pPr lvl="0"/>
-            <a:r>
-              <a:rPr lang="en-US" altLang="zh-CN"/>
-              <a:t>Tools</a:t>
-            </a:r>
-            <a:endParaRPr lang="en-US" altLang="zh-CN"/>
-          </a:p>
-          <a:p>
-            <a:pPr lvl="1"/>
-            <a:endParaRPr lang="en-US" altLang="zh-CN"/>
+            <a:endParaRPr lang="zh-CN" altLang="en-US"/>
           </a:p>
         </p:txBody>
       </p:sp>
@@ -4384,7 +5487,108 @@
 </p:sld>
 </file>
 
-<file path=ppt/slides/slide5.xml><?xml version="1.0" encoding="utf-8"?>
+<file path=ppt/slides/slide7.xml><?xml version="1.0" encoding="utf-8"?>
+<p:sld xmlns:a="http://schemas.openxmlformats.org/drawingml/2006/main" xmlns:r="http://schemas.openxmlformats.org/officeDocument/2006/relationships" xmlns:p="http://schemas.openxmlformats.org/presentationml/2006/main">
+  <p:cSld>
+    <p:spTree>
+      <p:nvGrpSpPr>
+        <p:cNvPr id="1" name=""/>
+        <p:cNvGrpSpPr/>
+        <p:nvPr/>
+      </p:nvGrpSpPr>
+      <p:grpSpPr/>
+      <p:sp>
+        <p:nvSpPr>
+          <p:cNvPr id="2" name="标题 1"/>
+          <p:cNvSpPr>
+            <a:spLocks noGrp="1"/>
+          </p:cNvSpPr>
+          <p:nvPr>
+            <p:ph type="title"/>
+          </p:nvPr>
+        </p:nvSpPr>
+        <p:spPr/>
+        <p:txBody>
+          <a:bodyPr/>
+          <a:p>
+            <a:r>
+              <a:rPr lang="en-US" altLang="zh-CN"/>
+              <a:t>Resolution Adaptation Test</a:t>
+            </a:r>
+            <a:endParaRPr lang="en-US" altLang="zh-CN"/>
+          </a:p>
+        </p:txBody>
+      </p:sp>
+      <p:sp>
+        <p:nvSpPr>
+          <p:cNvPr id="3" name="内容占位符 2"/>
+          <p:cNvSpPr>
+            <a:spLocks noGrp="1"/>
+          </p:cNvSpPr>
+          <p:nvPr>
+            <p:ph idx="1"/>
+          </p:nvPr>
+        </p:nvSpPr>
+        <p:spPr/>
+        <p:txBody>
+          <a:bodyPr/>
+          <a:p>
+            <a:r>
+              <a:rPr lang="en-US" altLang="zh-CN"/>
+              <a:t>Website</a:t>
+            </a:r>
+            <a:endParaRPr lang="en-US" altLang="zh-CN"/>
+          </a:p>
+          <a:p>
+            <a:pPr lvl="1"/>
+            <a:r>
+              <a:rPr lang="en-US" altLang="zh-CN"/>
+              <a:t>http://whatismyscreenresolution.net/</a:t>
+            </a:r>
+            <a:endParaRPr lang="en-US" altLang="zh-CN"/>
+          </a:p>
+          <a:p>
+            <a:pPr lvl="1"/>
+            <a:r>
+              <a:rPr lang="en-US" altLang="zh-CN"/>
+              <a:t>http://www.responsinator.com/</a:t>
+            </a:r>
+            <a:endParaRPr lang="en-US" altLang="zh-CN"/>
+          </a:p>
+          <a:p>
+            <a:pPr lvl="1"/>
+            <a:r>
+              <a:rPr lang="en-US" altLang="zh-CN"/>
+              <a:t>http://testsize.com/</a:t>
+            </a:r>
+            <a:endParaRPr lang="en-US" altLang="zh-CN"/>
+          </a:p>
+          <a:p>
+            <a:pPr lvl="0"/>
+            <a:r>
+              <a:rPr lang="en-US" altLang="zh-CN"/>
+              <a:t>Tools</a:t>
+            </a:r>
+            <a:endParaRPr lang="en-US" altLang="zh-CN"/>
+          </a:p>
+          <a:p>
+            <a:pPr lvl="1"/>
+            <a:endParaRPr lang="en-US" altLang="zh-CN"/>
+          </a:p>
+        </p:txBody>
+      </p:sp>
+    </p:spTree>
+    <p:custDataLst>
+      <p:tags r:id="rId1"/>
+    </p:custDataLst>
+  </p:cSld>
+  <p:clrMapOvr>
+    <a:masterClrMapping/>
+  </p:clrMapOvr>
+</p:sld>
+</file>
+
+<file path=ppt/slides/slide8.xml><?xml version="1.0" encoding="utf-8"?>
 <p:sld xmlns:a="http://schemas.openxmlformats.org/drawingml/2006/main" xmlns:r="http://schemas.openxmlformats.org/officeDocument/2006/relationships" xmlns:p="http://schemas.openxmlformats.org/presentationml/2006/main">
   <p:cSld>
     <p:spTree>
@@ -4474,6 +5678,38 @@
 </file>
 
 <file path=ppt/tags/tag10.xml><?xml version="1.0" encoding="utf-8"?>
+<p:tagLst xmlns:p="http://schemas.openxmlformats.org/presentationml/2006/main">
+  <p:tag name="KSO_WM_BEAUTIFY_FLAG" val="#wm#"/>
+  <p:tag name="KSO_WM_TEMPLATE_CATEGORY" val="custom"/>
+  <p:tag name="KSO_WM_TEMPLATE_INDEX" val="160402"/>
+</p:tagLst>
+</file>
+
+<file path=ppt/tags/tag11.xml><?xml version="1.0" encoding="utf-8"?>
+<p:tagLst xmlns:p="http://schemas.openxmlformats.org/presentationml/2006/main">
+  <p:tag name="KSO_WM_BEAUTIFY_FLAG" val="#wm#"/>
+  <p:tag name="KSO_WM_TEMPLATE_CATEGORY" val="custom"/>
+  <p:tag name="KSO_WM_TEMPLATE_INDEX" val="160402"/>
+</p:tagLst>
+</file>
+
+<file path=ppt/tags/tag12.xml><?xml version="1.0" encoding="utf-8"?>
+<p:tagLst xmlns:p="http://schemas.openxmlformats.org/presentationml/2006/main">
+  <p:tag name="KSO_WM_BEAUTIFY_FLAG" val="#wm#"/>
+  <p:tag name="KSO_WM_TEMPLATE_CATEGORY" val="custom"/>
+  <p:tag name="KSO_WM_TEMPLATE_INDEX" val="160402"/>
+</p:tagLst>
+</file>
+
+<file path=ppt/tags/tag13.xml><?xml version="1.0" encoding="utf-8"?>
+<p:tagLst xmlns:p="http://schemas.openxmlformats.org/presentationml/2006/main">
+  <p:tag name="KSO_WM_BEAUTIFY_FLAG" val="#wm#"/>
+  <p:tag name="KSO_WM_TEMPLATE_CATEGORY" val="custom"/>
+  <p:tag name="KSO_WM_TEMPLATE_INDEX" val="160402"/>
+</p:tagLst>
+</file>
+
+<file path=ppt/tags/tag14.xml><?xml version="1.0" encoding="utf-8"?>
 <p:tagLst xmlns:p="http://schemas.openxmlformats.org/presentationml/2006/main">
   <p:tag name="KSO_WM_BEAUTIFY_FLAG" val="#wm#"/>
   <p:tag name="KSO_WM_TEMPLATE_CATEGORY" val="custom"/>
@@ -4575,9 +5811,7 @@
 
 <file path=ppt/tags/tag9.xml><?xml version="1.0" encoding="utf-8"?>
 <p:tagLst xmlns:p="http://schemas.openxmlformats.org/presentationml/2006/main">
-  <p:tag name="KSO_WM_BEAUTIFY_FLAG" val="#wm#"/>
-  <p:tag name="KSO_WM_TEMPLATE_CATEGORY" val="custom"/>
-  <p:tag name="KSO_WM_TEMPLATE_INDEX" val="160402"/>
+  <p:tag name="KSO_WM_UNIT_TABLE_BEAUTIFY" val="smartTable{1e735b3f-35b7-4e21-9007-a310f3ead156}"/>
 </p:tagLst>
 </file>
 

--- a/Web/WebGeneral-Notes.pptx
+++ b/Web/WebGeneral-Notes.pptx
@@ -4955,7 +4955,7 @@
         </p:nvGraphicFramePr>
         <p:xfrm>
           <a:off x="847725" y="1468755"/>
-          <a:ext cx="10765155" cy="4765040"/>
+          <a:ext cx="10765155" cy="4328160"/>
         </p:xfrm>
         <a:graphic>
           <a:graphicData uri="http://schemas.openxmlformats.org/drawingml/2006/table">
@@ -4968,7 +4968,7 @@
                 <a:gridCol w="4413250"/>
                 <a:gridCol w="4201795"/>
               </a:tblGrid>
-              <a:tr h="680720">
+              <a:tr h="541020">
                 <a:tc>
                   <a:txBody>
                     <a:bodyPr/>
@@ -5018,7 +5018,7 @@
                   <a:tcPr anchor="ctr" anchorCtr="0"/>
                 </a:tc>
               </a:tr>
-              <a:tr h="680720">
+              <a:tr h="541020">
                 <a:tc>
                   <a:txBody>
                     <a:bodyPr/>
@@ -5064,7 +5064,7 @@
                   <a:tcPr/>
                 </a:tc>
               </a:tr>
-              <a:tr h="680720">
+              <a:tr h="541020">
                 <a:tc>
                   <a:txBody>
                     <a:bodyPr/>
@@ -5110,7 +5110,7 @@
                   <a:tcPr/>
                 </a:tc>
               </a:tr>
-              <a:tr h="680720">
+              <a:tr h="541020">
                 <a:tc>
                   <a:txBody>
                     <a:bodyPr/>
@@ -5156,7 +5156,7 @@
                   <a:tcPr/>
                 </a:tc>
               </a:tr>
-              <a:tr h="680720">
+              <a:tr h="541020">
                 <a:tc>
                   <a:txBody>
                     <a:bodyPr/>
@@ -5206,7 +5206,7 @@
                   <a:tcPr/>
                 </a:tc>
               </a:tr>
-              <a:tr h="680720">
+              <a:tr h="541020">
                 <a:tc>
                   <a:txBody>
                     <a:bodyPr/>
@@ -5252,7 +5252,7 @@
                   <a:tcPr/>
                 </a:tc>
               </a:tr>
-              <a:tr h="680720">
+              <a:tr h="541020">
                 <a:tc>
                   <a:txBody>
                     <a:bodyPr/>
@@ -5279,6 +5279,62 @@
                       <a:r>
                         <a:rPr lang="en-US" altLang="zh-CN"/>
                         <a:t>POST additional data</a:t>
+                      </a:r>
+                      <a:endParaRPr lang="en-US" altLang="zh-CN"/>
+                    </a:p>
+                  </a:txBody>
+                  <a:tcPr/>
+                </a:tc>
+                <a:tc>
+                  <a:txBody>
+                    <a:bodyPr/>
+                    <a:p>
+                      <a:pPr>
+                        <a:buNone/>
+                      </a:pPr>
+                      <a:endParaRPr lang="zh-CN" altLang="en-US"/>
+                    </a:p>
+                  </a:txBody>
+                  <a:tcPr/>
+                </a:tc>
+              </a:tr>
+              <a:tr h="541020">
+                <a:tc>
+                  <a:txBody>
+                    <a:bodyPr/>
+                    <a:p>
+                      <a:pPr>
+                        <a:buNone/>
+                      </a:pPr>
+                      <a:r>
+                        <a:rPr lang="en-US" altLang="zh-CN"/>
+                        <a:t>-F name=content</a:t>
+                      </a:r>
+                      <a:endParaRPr lang="en-US" altLang="zh-CN"/>
+                    </a:p>
+                  </a:txBody>
+                  <a:tcPr/>
+                </a:tc>
+                <a:tc>
+                  <a:txBody>
+                    <a:bodyPr/>
+                    <a:p>
+                      <a:pPr>
+                        <a:buNone/>
+                      </a:pPr>
+                      <a:r>
+                        <a:rPr lang="en-US" altLang="zh-CN"/>
+                        <a:t>Post form data</a:t>
+                      </a:r>
+                      <a:endParaRPr lang="en-US" altLang="zh-CN"/>
+                    </a:p>
+                    <a:p>
+                      <a:pPr>
+                        <a:buNone/>
+                      </a:pPr>
+                      <a:r>
+                        <a:rPr lang="en-US" altLang="zh-CN"/>
+                        <a:t>content: @filename to post file content</a:t>
                       </a:r>
                       <a:endParaRPr lang="en-US" altLang="zh-CN"/>
                     </a:p>

--- a/Web/WebGeneral-Notes.pptx
+++ b/Web/WebGeneral-Notes.pptx
@@ -8,7 +8,7 @@
     <p:notesMasterId r:id="rId4"/>
   </p:notesMasterIdLst>
   <p:handoutMasterIdLst>
-    <p:handoutMasterId r:id="rId12"/>
+    <p:handoutMasterId r:id="rId13"/>
   </p:handoutMasterIdLst>
   <p:sldIdLst>
     <p:sldId id="256" r:id="rId3"/>
@@ -19,6 +19,7 @@
     <p:sldId id="261" r:id="rId9"/>
     <p:sldId id="259" r:id="rId10"/>
     <p:sldId id="260" r:id="rId11"/>
+    <p:sldId id="280" r:id="rId12"/>
   </p:sldIdLst>
   <p:sldSz cx="12192000" cy="6858000"/>
   <p:notesSz cx="6858000" cy="9144000"/>
@@ -4955,7 +4956,7 @@
         </p:nvGraphicFramePr>
         <p:xfrm>
           <a:off x="847725" y="1468755"/>
-          <a:ext cx="10765155" cy="4328160"/>
+          <a:ext cx="10777855" cy="4491355"/>
         </p:xfrm>
         <a:graphic>
           <a:graphicData uri="http://schemas.openxmlformats.org/drawingml/2006/table">
@@ -4964,11 +4965,11 @@
                 <a:tableStyleId>{5C22544A-7EE6-4342-B048-85BDC9FD1C3A}</a:tableStyleId>
               </a:tblPr>
               <a:tblGrid>
-                <a:gridCol w="2150110"/>
-                <a:gridCol w="4413250"/>
-                <a:gridCol w="4201795"/>
+                <a:gridCol w="2152650"/>
+                <a:gridCol w="4418330"/>
+                <a:gridCol w="4206875"/>
               </a:tblGrid>
-              <a:tr h="541020">
+              <a:tr h="458470">
                 <a:tc>
                   <a:txBody>
                     <a:bodyPr/>
@@ -5018,7 +5019,7 @@
                   <a:tcPr anchor="ctr" anchorCtr="0"/>
                 </a:tc>
               </a:tr>
-              <a:tr h="541020">
+              <a:tr h="459105">
                 <a:tc>
                   <a:txBody>
                     <a:bodyPr/>
@@ -5064,7 +5065,7 @@
                   <a:tcPr/>
                 </a:tc>
               </a:tr>
-              <a:tr h="541020">
+              <a:tr h="458470">
                 <a:tc>
                   <a:txBody>
                     <a:bodyPr/>
@@ -5110,7 +5111,7 @@
                   <a:tcPr/>
                 </a:tc>
               </a:tr>
-              <a:tr h="541020">
+              <a:tr h="459105">
                 <a:tc>
                   <a:txBody>
                     <a:bodyPr/>
@@ -5156,7 +5157,7 @@
                   <a:tcPr/>
                 </a:tc>
               </a:tr>
-              <a:tr h="541020">
+              <a:tr h="458470">
                 <a:tc>
                   <a:txBody>
                     <a:bodyPr/>
@@ -5206,7 +5207,7 @@
                   <a:tcPr/>
                 </a:tc>
               </a:tr>
-              <a:tr h="541020">
+              <a:tr h="459105">
                 <a:tc>
                   <a:txBody>
                     <a:bodyPr/>
@@ -5252,7 +5253,7 @@
                   <a:tcPr/>
                 </a:tc>
               </a:tr>
-              <a:tr h="541020">
+              <a:tr h="458470">
                 <a:tc>
                   <a:txBody>
                     <a:bodyPr/>
@@ -5298,7 +5299,7 @@
                   <a:tcPr/>
                 </a:tc>
               </a:tr>
-              <a:tr h="541020">
+              <a:tr h="640080">
                 <a:tc>
                   <a:txBody>
                     <a:bodyPr/>
@@ -5354,6 +5355,58 @@
                   <a:tcPr/>
                 </a:tc>
               </a:tr>
+              <a:tr h="640080">
+                <a:tc>
+                  <a:txBody>
+                    <a:bodyPr/>
+                    <a:p>
+                      <a:pPr>
+                        <a:buNone/>
+                      </a:pPr>
+                      <a:r>
+                        <a:rPr lang="en-US" altLang="zh-CN"/>
+                        <a:t>-r (--range) {start}-{end}</a:t>
+                      </a:r>
+                      <a:endParaRPr lang="en-US" altLang="zh-CN"/>
+                    </a:p>
+                  </a:txBody>
+                  <a:tcPr/>
+                </a:tc>
+                <a:tc>
+                  <a:txBody>
+                    <a:bodyPr/>
+                    <a:p>
+                      <a:pPr>
+                        <a:buNone/>
+                      </a:pPr>
+                      <a:r>
+                        <a:rPr lang="en-US" altLang="zh-CN"/>
+                        <a:t>Download byte range</a:t>
+                      </a:r>
+                      <a:endParaRPr lang="en-US" altLang="zh-CN"/>
+                    </a:p>
+                  </a:txBody>
+                  <a:tcPr/>
+                </a:tc>
+                <a:tc>
+                  <a:txBody>
+                    <a:bodyPr/>
+                    <a:p>
+                      <a:pPr>
+                        <a:buNone/>
+                      </a:pPr>
+                      <a:r>
+                        <a:rPr lang="en-US" altLang="zh-CN" sz="1800">
+                          <a:sym typeface="+mn-ea"/>
+                        </a:rPr>
+                        <a:t>--range 0-99</a:t>
+                      </a:r>
+                      <a:endParaRPr lang="zh-CN" altLang="en-US"/>
+                    </a:p>
+                  </a:txBody>
+                  <a:tcPr/>
+                </a:tc>
+              </a:tr>
             </a:tbl>
           </a:graphicData>
         </a:graphic>
@@ -5709,6 +5762,127 @@
             <a:r>
               <a:rPr lang="en-US" altLang="zh-CN"/>
               <a:t>https://www.browserstack.com/ (paid)</a:t>
+            </a:r>
+            <a:endParaRPr lang="en-US" altLang="zh-CN"/>
+          </a:p>
+        </p:txBody>
+      </p:sp>
+    </p:spTree>
+    <p:custDataLst>
+      <p:tags r:id="rId1"/>
+    </p:custDataLst>
+  </p:cSld>
+  <p:clrMapOvr>
+    <a:masterClrMapping/>
+  </p:clrMapOvr>
+</p:sld>
+</file>
+
+<file path=ppt/slides/slide9.xml><?xml version="1.0" encoding="utf-8"?>
+<p:sld xmlns:a="http://schemas.openxmlformats.org/drawingml/2006/main" xmlns:r="http://schemas.openxmlformats.org/officeDocument/2006/relationships" xmlns:p="http://schemas.openxmlformats.org/presentationml/2006/main">
+  <p:cSld>
+    <p:spTree>
+      <p:nvGrpSpPr>
+        <p:cNvPr id="1" name=""/>
+        <p:cNvGrpSpPr/>
+        <p:nvPr/>
+      </p:nvGrpSpPr>
+      <p:grpSpPr/>
+      <p:sp>
+        <p:nvSpPr>
+          <p:cNvPr id="2" name="标题 1"/>
+          <p:cNvSpPr>
+            <a:spLocks noGrp="1"/>
+          </p:cNvSpPr>
+          <p:nvPr>
+            <p:ph type="title"/>
+          </p:nvPr>
+        </p:nvSpPr>
+        <p:spPr/>
+        <p:txBody>
+          <a:bodyPr/>
+          <a:p>
+            <a:r>
+              <a:rPr lang="en-US" altLang="zh-CN"/>
+              <a:t>Favicon</a:t>
+            </a:r>
+            <a:endParaRPr lang="en-US" altLang="zh-CN"/>
+          </a:p>
+        </p:txBody>
+      </p:sp>
+      <p:sp>
+        <p:nvSpPr>
+          <p:cNvPr id="3" name="内容占位符 2"/>
+          <p:cNvSpPr>
+            <a:spLocks noGrp="1"/>
+          </p:cNvSpPr>
+          <p:nvPr>
+            <p:ph idx="1"/>
+          </p:nvPr>
+        </p:nvSpPr>
+        <p:spPr/>
+        <p:txBody>
+          <a:bodyPr/>
+          <a:p>
+            <a:r>
+              <a:rPr lang="en-US" altLang="zh-CN"/>
+              <a:t>Generation</a:t>
+            </a:r>
+            <a:endParaRPr lang="en-US" altLang="zh-CN"/>
+          </a:p>
+          <a:p>
+            <a:pPr lvl="1"/>
+            <a:r>
+              <a:rPr lang="en-US" altLang="zh-CN"/>
+              <a:t>https://favicon.io/</a:t>
+            </a:r>
+            <a:endParaRPr lang="en-US" altLang="zh-CN"/>
+          </a:p>
+          <a:p>
+            <a:pPr lvl="0"/>
+            <a:r>
+              <a:rPr lang="en-US" altLang="zh-CN"/>
+              <a:t>How to use</a:t>
+            </a:r>
+            <a:endParaRPr lang="en-US" altLang="zh-CN"/>
+          </a:p>
+          <a:p>
+            <a:pPr lvl="1"/>
+            <a:r>
+              <a:rPr lang="en-US" altLang="zh-CN"/>
+              <a:t>Add to html</a:t>
+            </a:r>
+            <a:endParaRPr lang="en-US" altLang="zh-CN"/>
+          </a:p>
+          <a:p>
+            <a:pPr lvl="2"/>
+            <a:r>
+              <a:rPr lang="en-US" altLang="zh-CN"/>
+              <a:t>&lt;link rel="apple-touch-icon" sizes="180x180" href="/apple-touch-icon.png"&gt;</a:t>
+            </a:r>
+            <a:endParaRPr lang="en-US" altLang="zh-CN"/>
+          </a:p>
+          <a:p>
+            <a:pPr lvl="2"/>
+            <a:r>
+              <a:rPr lang="en-US" altLang="zh-CN"/>
+              <a:t>&lt;link rel="icon" type="image/png" sizes="32x32" href="/favicon-32x32.png"&gt;</a:t>
+            </a:r>
+            <a:endParaRPr lang="en-US" altLang="zh-CN"/>
+          </a:p>
+          <a:p>
+            <a:pPr lvl="2"/>
+            <a:r>
+              <a:rPr lang="en-US" altLang="zh-CN"/>
+              <a:t>&lt;link rel="icon" type="image/png" sizes="16x16" href="/favicon-16x16.png"&gt;</a:t>
+            </a:r>
+            <a:endParaRPr lang="en-US" altLang="zh-CN"/>
+          </a:p>
+          <a:p>
+            <a:pPr lvl="2"/>
+            <a:r>
+              <a:rPr lang="en-US" altLang="zh-CN"/>
+              <a:t>&lt;link rel="manifest" href="/site.webmanifest"&gt;</a:t>
             </a:r>
             <a:endParaRPr lang="en-US" altLang="zh-CN"/>
           </a:p>
@@ -5766,6 +5940,14 @@
 </file>
 
 <file path=ppt/tags/tag14.xml><?xml version="1.0" encoding="utf-8"?>
+<p:tagLst xmlns:p="http://schemas.openxmlformats.org/presentationml/2006/main">
+  <p:tag name="KSO_WM_BEAUTIFY_FLAG" val="#wm#"/>
+  <p:tag name="KSO_WM_TEMPLATE_CATEGORY" val="custom"/>
+  <p:tag name="KSO_WM_TEMPLATE_INDEX" val="160402"/>
+</p:tagLst>
+</file>
+
+<file path=ppt/tags/tag15.xml><?xml version="1.0" encoding="utf-8"?>
 <p:tagLst xmlns:p="http://schemas.openxmlformats.org/presentationml/2006/main">
   <p:tag name="KSO_WM_BEAUTIFY_FLAG" val="#wm#"/>
   <p:tag name="KSO_WM_TEMPLATE_CATEGORY" val="custom"/>

--- a/Web/WebGeneral-Notes.pptx
+++ b/Web/WebGeneral-Notes.pptx
@@ -8,18 +8,19 @@
     <p:notesMasterId r:id="rId4"/>
   </p:notesMasterIdLst>
   <p:handoutMasterIdLst>
-    <p:handoutMasterId r:id="rId13"/>
+    <p:handoutMasterId r:id="rId14"/>
   </p:handoutMasterIdLst>
   <p:sldIdLst>
     <p:sldId id="256" r:id="rId3"/>
     <p:sldId id="269" r:id="rId5"/>
-    <p:sldId id="264" r:id="rId6"/>
-    <p:sldId id="275" r:id="rId7"/>
-    <p:sldId id="276" r:id="rId8"/>
-    <p:sldId id="261" r:id="rId9"/>
-    <p:sldId id="259" r:id="rId10"/>
-    <p:sldId id="260" r:id="rId11"/>
-    <p:sldId id="280" r:id="rId12"/>
+    <p:sldId id="281" r:id="rId6"/>
+    <p:sldId id="264" r:id="rId7"/>
+    <p:sldId id="275" r:id="rId8"/>
+    <p:sldId id="276" r:id="rId9"/>
+    <p:sldId id="261" r:id="rId10"/>
+    <p:sldId id="259" r:id="rId11"/>
+    <p:sldId id="260" r:id="rId12"/>
+    <p:sldId id="280" r:id="rId13"/>
   </p:sldIdLst>
   <p:sldSz cx="12192000" cy="6858000"/>
   <p:notesSz cx="6858000" cy="9144000"/>
@@ -3807,6 +3808,127 @@
 </p:sld>
 </file>
 
+<file path=ppt/slides/slide10.xml><?xml version="1.0" encoding="utf-8"?>
+<p:sld xmlns:a="http://schemas.openxmlformats.org/drawingml/2006/main" xmlns:r="http://schemas.openxmlformats.org/officeDocument/2006/relationships" xmlns:p="http://schemas.openxmlformats.org/presentationml/2006/main">
+  <p:cSld>
+    <p:spTree>
+      <p:nvGrpSpPr>
+        <p:cNvPr id="1" name=""/>
+        <p:cNvGrpSpPr/>
+        <p:nvPr/>
+      </p:nvGrpSpPr>
+      <p:grpSpPr/>
+      <p:sp>
+        <p:nvSpPr>
+          <p:cNvPr id="2" name="标题 1"/>
+          <p:cNvSpPr>
+            <a:spLocks noGrp="1"/>
+          </p:cNvSpPr>
+          <p:nvPr>
+            <p:ph type="title"/>
+          </p:nvPr>
+        </p:nvSpPr>
+        <p:spPr/>
+        <p:txBody>
+          <a:bodyPr/>
+          <a:p>
+            <a:r>
+              <a:rPr lang="en-US" altLang="zh-CN"/>
+              <a:t>Favicon</a:t>
+            </a:r>
+            <a:endParaRPr lang="en-US" altLang="zh-CN"/>
+          </a:p>
+        </p:txBody>
+      </p:sp>
+      <p:sp>
+        <p:nvSpPr>
+          <p:cNvPr id="3" name="内容占位符 2"/>
+          <p:cNvSpPr>
+            <a:spLocks noGrp="1"/>
+          </p:cNvSpPr>
+          <p:nvPr>
+            <p:ph idx="1"/>
+          </p:nvPr>
+        </p:nvSpPr>
+        <p:spPr/>
+        <p:txBody>
+          <a:bodyPr/>
+          <a:p>
+            <a:r>
+              <a:rPr lang="en-US" altLang="zh-CN"/>
+              <a:t>Generation</a:t>
+            </a:r>
+            <a:endParaRPr lang="en-US" altLang="zh-CN"/>
+          </a:p>
+          <a:p>
+            <a:pPr lvl="1"/>
+            <a:r>
+              <a:rPr lang="en-US" altLang="zh-CN"/>
+              <a:t>https://favicon.io/</a:t>
+            </a:r>
+            <a:endParaRPr lang="en-US" altLang="zh-CN"/>
+          </a:p>
+          <a:p>
+            <a:pPr lvl="0"/>
+            <a:r>
+              <a:rPr lang="en-US" altLang="zh-CN"/>
+              <a:t>How to use</a:t>
+            </a:r>
+            <a:endParaRPr lang="en-US" altLang="zh-CN"/>
+          </a:p>
+          <a:p>
+            <a:pPr lvl="1"/>
+            <a:r>
+              <a:rPr lang="en-US" altLang="zh-CN"/>
+              <a:t>Add to html</a:t>
+            </a:r>
+            <a:endParaRPr lang="en-US" altLang="zh-CN"/>
+          </a:p>
+          <a:p>
+            <a:pPr lvl="2"/>
+            <a:r>
+              <a:rPr lang="en-US" altLang="zh-CN"/>
+              <a:t>&lt;link rel="apple-touch-icon" sizes="180x180" href="/apple-touch-icon.png"&gt;</a:t>
+            </a:r>
+            <a:endParaRPr lang="en-US" altLang="zh-CN"/>
+          </a:p>
+          <a:p>
+            <a:pPr lvl="2"/>
+            <a:r>
+              <a:rPr lang="en-US" altLang="zh-CN"/>
+              <a:t>&lt;link rel="icon" type="image/png" sizes="32x32" href="/favicon-32x32.png"&gt;</a:t>
+            </a:r>
+            <a:endParaRPr lang="en-US" altLang="zh-CN"/>
+          </a:p>
+          <a:p>
+            <a:pPr lvl="2"/>
+            <a:r>
+              <a:rPr lang="en-US" altLang="zh-CN"/>
+              <a:t>&lt;link rel="icon" type="image/png" sizes="16x16" href="/favicon-16x16.png"&gt;</a:t>
+            </a:r>
+            <a:endParaRPr lang="en-US" altLang="zh-CN"/>
+          </a:p>
+          <a:p>
+            <a:pPr lvl="2"/>
+            <a:r>
+              <a:rPr lang="en-US" altLang="zh-CN"/>
+              <a:t>&lt;link rel="manifest" href="/site.webmanifest"&gt;</a:t>
+            </a:r>
+            <a:endParaRPr lang="en-US" altLang="zh-CN"/>
+          </a:p>
+        </p:txBody>
+      </p:sp>
+    </p:spTree>
+    <p:custDataLst>
+      <p:tags r:id="rId1"/>
+    </p:custDataLst>
+  </p:cSld>
+  <p:clrMapOvr>
+    <a:masterClrMapping/>
+  </p:clrMapOvr>
+</p:sld>
+</file>
+
 <file path=ppt/slides/slide2.xml><?xml version="1.0" encoding="utf-8"?>
 <p:sld xmlns:a="http://schemas.openxmlformats.org/drawingml/2006/main" xmlns:r="http://schemas.openxmlformats.org/officeDocument/2006/relationships" xmlns:p="http://schemas.openxmlformats.org/presentationml/2006/main">
   <p:cSld>
@@ -4494,6 +4616,87 @@
 </file>
 
 <file path=ppt/slides/slide3.xml><?xml version="1.0" encoding="utf-8"?>
+<p:sld xmlns:a="http://schemas.openxmlformats.org/drawingml/2006/main" xmlns:r="http://schemas.openxmlformats.org/officeDocument/2006/relationships" xmlns:p="http://schemas.openxmlformats.org/presentationml/2006/main">
+  <p:cSld>
+    <p:spTree>
+      <p:nvGrpSpPr>
+        <p:cNvPr id="1" name=""/>
+        <p:cNvGrpSpPr/>
+        <p:nvPr/>
+      </p:nvGrpSpPr>
+      <p:grpSpPr/>
+      <p:sp>
+        <p:nvSpPr>
+          <p:cNvPr id="2" name="标题 1"/>
+          <p:cNvSpPr>
+            <a:spLocks noGrp="1"/>
+          </p:cNvSpPr>
+          <p:nvPr>
+            <p:ph type="title"/>
+          </p:nvPr>
+        </p:nvSpPr>
+        <p:spPr/>
+        <p:txBody>
+          <a:bodyPr/>
+          <a:p>
+            <a:r>
+              <a:rPr lang="en-US" altLang="zh-CN"/>
+              <a:t>Common Errors</a:t>
+            </a:r>
+            <a:endParaRPr lang="en-US" altLang="zh-CN"/>
+          </a:p>
+        </p:txBody>
+      </p:sp>
+      <p:sp>
+        <p:nvSpPr>
+          <p:cNvPr id="3" name="内容占位符 2"/>
+          <p:cNvSpPr>
+            <a:spLocks noGrp="1"/>
+          </p:cNvSpPr>
+          <p:nvPr>
+            <p:ph idx="1"/>
+          </p:nvPr>
+        </p:nvSpPr>
+        <p:spPr/>
+        <p:txBody>
+          <a:bodyPr/>
+          <a:p>
+            <a:r>
+              <a:rPr lang="zh-CN" altLang="en-US"/>
+              <a:t>net::ERR_CONNECTION_RESET</a:t>
+            </a:r>
+            <a:endParaRPr lang="zh-CN" altLang="en-US"/>
+          </a:p>
+          <a:p>
+            <a:pPr lvl="1"/>
+            <a:r>
+              <a:rPr lang="en-US" altLang="zh-CN"/>
+              <a:t>Maybe setting of max upload file size</a:t>
+            </a:r>
+            <a:endParaRPr lang="en-US" altLang="zh-CN"/>
+          </a:p>
+          <a:p>
+            <a:pPr lvl="2"/>
+            <a:r>
+              <a:rPr lang="en-US" altLang="zh-CN"/>
+              <a:t>e.g. nginx/sites-enabled/flask-project</a:t>
+            </a:r>
+            <a:endParaRPr lang="en-US" altLang="zh-CN"/>
+          </a:p>
+        </p:txBody>
+      </p:sp>
+    </p:spTree>
+    <p:custDataLst>
+      <p:tags r:id="rId1"/>
+    </p:custDataLst>
+  </p:cSld>
+  <p:clrMapOvr>
+    <a:masterClrMapping/>
+  </p:clrMapOvr>
+</p:sld>
+</file>
+
+<file path=ppt/slides/slide4.xml><?xml version="1.0" encoding="utf-8"?>
 <p:sld xmlns:a="http://schemas.openxmlformats.org/drawingml/2006/main" xmlns:r="http://schemas.openxmlformats.org/officeDocument/2006/relationships" xmlns:p="http://schemas.openxmlformats.org/presentationml/2006/main">
   <p:cSld>
     <p:spTree>
@@ -4912,7 +5115,7 @@
 </p:sld>
 </file>
 
-<file path=ppt/slides/slide4.xml><?xml version="1.0" encoding="utf-8"?>
+<file path=ppt/slides/slide5.xml><?xml version="1.0" encoding="utf-8"?>
 <p:sld xmlns:a="http://schemas.openxmlformats.org/drawingml/2006/main" xmlns:r="http://schemas.openxmlformats.org/officeDocument/2006/relationships" xmlns:p="http://schemas.openxmlformats.org/presentationml/2006/main">
   <p:cSld>
     <p:spTree>
@@ -5422,119 +5625,6 @@
 </p:sld>
 </file>
 
-<file path=ppt/slides/slide5.xml><?xml version="1.0" encoding="utf-8"?>
-<p:sld xmlns:a="http://schemas.openxmlformats.org/drawingml/2006/main" xmlns:r="http://schemas.openxmlformats.org/officeDocument/2006/relationships" xmlns:p="http://schemas.openxmlformats.org/presentationml/2006/main">
-  <p:cSld>
-    <p:spTree>
-      <p:nvGrpSpPr>
-        <p:cNvPr id="1" name=""/>
-        <p:cNvGrpSpPr/>
-        <p:nvPr/>
-      </p:nvGrpSpPr>
-      <p:grpSpPr/>
-      <p:sp>
-        <p:nvSpPr>
-          <p:cNvPr id="2" name="标题 1"/>
-          <p:cNvSpPr>
-            <a:spLocks noGrp="1"/>
-          </p:cNvSpPr>
-          <p:nvPr>
-            <p:ph type="title"/>
-          </p:nvPr>
-        </p:nvSpPr>
-        <p:spPr/>
-        <p:txBody>
-          <a:bodyPr/>
-          <a:p>
-            <a:r>
-              <a:rPr lang="en-US" altLang="zh-CN"/>
-              <a:t>Web Server for Development</a:t>
-            </a:r>
-            <a:endParaRPr lang="en-US" altLang="zh-CN"/>
-          </a:p>
-        </p:txBody>
-      </p:sp>
-      <p:sp>
-        <p:nvSpPr>
-          <p:cNvPr id="3" name="内容占位符 2"/>
-          <p:cNvSpPr>
-            <a:spLocks noGrp="1"/>
-          </p:cNvSpPr>
-          <p:nvPr>
-            <p:ph idx="1"/>
-          </p:nvPr>
-        </p:nvSpPr>
-        <p:spPr/>
-        <p:txBody>
-          <a:bodyPr/>
-          <a:p>
-            <a:r>
-              <a:rPr lang="en-US" altLang="zh-CN"/>
-              <a:t>http-server</a:t>
-            </a:r>
-            <a:endParaRPr lang="en-US" altLang="zh-CN"/>
-          </a:p>
-          <a:p>
-            <a:pPr lvl="1"/>
-            <a:r>
-              <a:rPr lang="en-US" altLang="zh-CN"/>
-              <a:t>npm install http-server -g</a:t>
-            </a:r>
-            <a:endParaRPr lang="en-US" altLang="zh-CN"/>
-          </a:p>
-          <a:p>
-            <a:pPr lvl="1"/>
-            <a:r>
-              <a:rPr lang="en-US" altLang="zh-CN"/>
-              <a:t>http-server {path} {options}</a:t>
-            </a:r>
-            <a:endParaRPr lang="en-US" altLang="zh-CN"/>
-          </a:p>
-          <a:p>
-            <a:pPr lvl="2"/>
-            <a:r>
-              <a:rPr lang="en-US" altLang="zh-CN"/>
-              <a:t>-p: port to use</a:t>
-            </a:r>
-            <a:endParaRPr lang="en-US" altLang="zh-CN"/>
-          </a:p>
-          <a:p>
-            <a:pPr lvl="2"/>
-            <a:r>
-              <a:rPr lang="en-US" altLang="zh-CN"/>
-              <a:t>-a: address to use</a:t>
-            </a:r>
-            <a:endParaRPr lang="en-US" altLang="zh-CN"/>
-          </a:p>
-          <a:p>
-            <a:pPr lvl="2"/>
-            <a:r>
-              <a:rPr lang="en-US" altLang="zh-CN"/>
-              <a:t>-d: show directory listings</a:t>
-            </a:r>
-            <a:endParaRPr lang="en-US" altLang="zh-CN"/>
-          </a:p>
-          <a:p>
-            <a:pPr lvl="2"/>
-            <a:r>
-              <a:rPr lang="en-US" altLang="zh-CN"/>
-              <a:t>-i: display autoIndex</a:t>
-            </a:r>
-            <a:endParaRPr lang="en-US" altLang="zh-CN"/>
-          </a:p>
-        </p:txBody>
-      </p:sp>
-    </p:spTree>
-    <p:custDataLst>
-      <p:tags r:id="rId1"/>
-    </p:custDataLst>
-  </p:cSld>
-  <p:clrMapOvr>
-    <a:masterClrMapping/>
-  </p:clrMapOvr>
-</p:sld>
-</file>
-
 <file path=ppt/slides/slide6.xml><?xml version="1.0" encoding="utf-8"?>
 <p:sld xmlns:a="http://schemas.openxmlformats.org/drawingml/2006/main" xmlns:r="http://schemas.openxmlformats.org/officeDocument/2006/relationships" xmlns:p="http://schemas.openxmlformats.org/presentationml/2006/main">
   <p:cSld>
@@ -5561,7 +5651,7 @@
           <a:p>
             <a:r>
               <a:rPr lang="en-US" altLang="zh-CN"/>
-              <a:t>Remove Unused CSS</a:t>
+              <a:t>Web Server for Development</a:t>
             </a:r>
             <a:endParaRPr lang="en-US" altLang="zh-CN"/>
           </a:p>
@@ -5581,7 +5671,59 @@
         <p:txBody>
           <a:bodyPr/>
           <a:p>
-            <a:endParaRPr lang="zh-CN" altLang="en-US"/>
+            <a:r>
+              <a:rPr lang="en-US" altLang="zh-CN"/>
+              <a:t>http-server</a:t>
+            </a:r>
+            <a:endParaRPr lang="en-US" altLang="zh-CN"/>
+          </a:p>
+          <a:p>
+            <a:pPr lvl="1"/>
+            <a:r>
+              <a:rPr lang="en-US" altLang="zh-CN"/>
+              <a:t>npm install http-server -g</a:t>
+            </a:r>
+            <a:endParaRPr lang="en-US" altLang="zh-CN"/>
+          </a:p>
+          <a:p>
+            <a:pPr lvl="1"/>
+            <a:r>
+              <a:rPr lang="en-US" altLang="zh-CN"/>
+              <a:t>http-server {path} {options}</a:t>
+            </a:r>
+            <a:endParaRPr lang="en-US" altLang="zh-CN"/>
+          </a:p>
+          <a:p>
+            <a:pPr lvl="2"/>
+            <a:r>
+              <a:rPr lang="en-US" altLang="zh-CN"/>
+              <a:t>-p: port to use</a:t>
+            </a:r>
+            <a:endParaRPr lang="en-US" altLang="zh-CN"/>
+          </a:p>
+          <a:p>
+            <a:pPr lvl="2"/>
+            <a:r>
+              <a:rPr lang="en-US" altLang="zh-CN"/>
+              <a:t>-a: address to use</a:t>
+            </a:r>
+            <a:endParaRPr lang="en-US" altLang="zh-CN"/>
+          </a:p>
+          <a:p>
+            <a:pPr lvl="2"/>
+            <a:r>
+              <a:rPr lang="en-US" altLang="zh-CN"/>
+              <a:t>-d: show directory listings</a:t>
+            </a:r>
+            <a:endParaRPr lang="en-US" altLang="zh-CN"/>
+          </a:p>
+          <a:p>
+            <a:pPr lvl="2"/>
+            <a:r>
+              <a:rPr lang="en-US" altLang="zh-CN"/>
+              <a:t>-i: display autoIndex</a:t>
+            </a:r>
+            <a:endParaRPr lang="en-US" altLang="zh-CN"/>
           </a:p>
         </p:txBody>
       </p:sp>
@@ -5622,7 +5764,7 @@
           <a:p>
             <a:r>
               <a:rPr lang="en-US" altLang="zh-CN"/>
-              <a:t>Resolution Adaptation Test</a:t>
+              <a:t>Remove Unused CSS</a:t>
             </a:r>
             <a:endParaRPr lang="en-US" altLang="zh-CN"/>
           </a:p>
@@ -5642,47 +5784,7 @@
         <p:txBody>
           <a:bodyPr/>
           <a:p>
-            <a:r>
-              <a:rPr lang="en-US" altLang="zh-CN"/>
-              <a:t>Website</a:t>
-            </a:r>
-            <a:endParaRPr lang="en-US" altLang="zh-CN"/>
-          </a:p>
-          <a:p>
-            <a:pPr lvl="1"/>
-            <a:r>
-              <a:rPr lang="en-US" altLang="zh-CN"/>
-              <a:t>http://whatismyscreenresolution.net/</a:t>
-            </a:r>
-            <a:endParaRPr lang="en-US" altLang="zh-CN"/>
-          </a:p>
-          <a:p>
-            <a:pPr lvl="1"/>
-            <a:r>
-              <a:rPr lang="en-US" altLang="zh-CN"/>
-              <a:t>http://www.responsinator.com/</a:t>
-            </a:r>
-            <a:endParaRPr lang="en-US" altLang="zh-CN"/>
-          </a:p>
-          <a:p>
-            <a:pPr lvl="1"/>
-            <a:r>
-              <a:rPr lang="en-US" altLang="zh-CN"/>
-              <a:t>http://testsize.com/</a:t>
-            </a:r>
-            <a:endParaRPr lang="en-US" altLang="zh-CN"/>
-          </a:p>
-          <a:p>
-            <a:pPr lvl="0"/>
-            <a:r>
-              <a:rPr lang="en-US" altLang="zh-CN"/>
-              <a:t>Tools</a:t>
-            </a:r>
-            <a:endParaRPr lang="en-US" altLang="zh-CN"/>
-          </a:p>
-          <a:p>
-            <a:pPr lvl="1"/>
-            <a:endParaRPr lang="en-US" altLang="zh-CN"/>
+            <a:endParaRPr lang="zh-CN" altLang="en-US"/>
           </a:p>
         </p:txBody>
       </p:sp>
@@ -5723,7 +5825,7 @@
           <a:p>
             <a:r>
               <a:rPr lang="en-US" altLang="zh-CN"/>
-              <a:t>Browser Compatibility Test</a:t>
+              <a:t>Resolution Adaptation Test</a:t>
             </a:r>
             <a:endParaRPr lang="en-US" altLang="zh-CN"/>
           </a:p>
@@ -5753,7 +5855,7 @@
             <a:pPr lvl="1"/>
             <a:r>
               <a:rPr lang="en-US" altLang="zh-CN"/>
-              <a:t>http://browsershots.org/</a:t>
+              <a:t>http://whatismyscreenresolution.net/</a:t>
             </a:r>
             <a:endParaRPr lang="en-US" altLang="zh-CN"/>
           </a:p>
@@ -5761,8 +5863,28 @@
             <a:pPr lvl="1"/>
             <a:r>
               <a:rPr lang="en-US" altLang="zh-CN"/>
-              <a:t>https://www.browserstack.com/ (paid)</a:t>
-            </a:r>
+              <a:t>http://www.responsinator.com/</a:t>
+            </a:r>
+            <a:endParaRPr lang="en-US" altLang="zh-CN"/>
+          </a:p>
+          <a:p>
+            <a:pPr lvl="1"/>
+            <a:r>
+              <a:rPr lang="en-US" altLang="zh-CN"/>
+              <a:t>http://testsize.com/</a:t>
+            </a:r>
+            <a:endParaRPr lang="en-US" altLang="zh-CN"/>
+          </a:p>
+          <a:p>
+            <a:pPr lvl="0"/>
+            <a:r>
+              <a:rPr lang="en-US" altLang="zh-CN"/>
+              <a:t>Tools</a:t>
+            </a:r>
+            <a:endParaRPr lang="en-US" altLang="zh-CN"/>
+          </a:p>
+          <a:p>
+            <a:pPr lvl="1"/>
             <a:endParaRPr lang="en-US" altLang="zh-CN"/>
           </a:p>
         </p:txBody>
@@ -5804,7 +5926,7 @@
           <a:p>
             <a:r>
               <a:rPr lang="en-US" altLang="zh-CN"/>
-              <a:t>Favicon</a:t>
+              <a:t>Browser Compatibility Test</a:t>
             </a:r>
             <a:endParaRPr lang="en-US" altLang="zh-CN"/>
           </a:p>
@@ -5826,7 +5948,7 @@
           <a:p>
             <a:r>
               <a:rPr lang="en-US" altLang="zh-CN"/>
-              <a:t>Generation</a:t>
+              <a:t>Website</a:t>
             </a:r>
             <a:endParaRPr lang="en-US" altLang="zh-CN"/>
           </a:p>
@@ -5834,55 +5956,15 @@
             <a:pPr lvl="1"/>
             <a:r>
               <a:rPr lang="en-US" altLang="zh-CN"/>
-              <a:t>https://favicon.io/</a:t>
+              <a:t>http://browsershots.org/</a:t>
             </a:r>
             <a:endParaRPr lang="en-US" altLang="zh-CN"/>
           </a:p>
           <a:p>
-            <a:pPr lvl="0"/>
+            <a:pPr lvl="1"/>
             <a:r>
               <a:rPr lang="en-US" altLang="zh-CN"/>
-              <a:t>How to use</a:t>
-            </a:r>
-            <a:endParaRPr lang="en-US" altLang="zh-CN"/>
-          </a:p>
-          <a:p>
-            <a:pPr lvl="1"/>
-            <a:r>
-              <a:rPr lang="en-US" altLang="zh-CN"/>
-              <a:t>Add to html</a:t>
-            </a:r>
-            <a:endParaRPr lang="en-US" altLang="zh-CN"/>
-          </a:p>
-          <a:p>
-            <a:pPr lvl="2"/>
-            <a:r>
-              <a:rPr lang="en-US" altLang="zh-CN"/>
-              <a:t>&lt;link rel="apple-touch-icon" sizes="180x180" href="/apple-touch-icon.png"&gt;</a:t>
-            </a:r>
-            <a:endParaRPr lang="en-US" altLang="zh-CN"/>
-          </a:p>
-          <a:p>
-            <a:pPr lvl="2"/>
-            <a:r>
-              <a:rPr lang="en-US" altLang="zh-CN"/>
-              <a:t>&lt;link rel="icon" type="image/png" sizes="32x32" href="/favicon-32x32.png"&gt;</a:t>
-            </a:r>
-            <a:endParaRPr lang="en-US" altLang="zh-CN"/>
-          </a:p>
-          <a:p>
-            <a:pPr lvl="2"/>
-            <a:r>
-              <a:rPr lang="en-US" altLang="zh-CN"/>
-              <a:t>&lt;link rel="icon" type="image/png" sizes="16x16" href="/favicon-16x16.png"&gt;</a:t>
-            </a:r>
-            <a:endParaRPr lang="en-US" altLang="zh-CN"/>
-          </a:p>
-          <a:p>
-            <a:pPr lvl="2"/>
-            <a:r>
-              <a:rPr lang="en-US" altLang="zh-CN"/>
-              <a:t>&lt;link rel="manifest" href="/site.webmanifest"&gt;</a:t>
+              <a:t>https://www.browserstack.com/ (paid)</a:t>
             </a:r>
             <a:endParaRPr lang="en-US" altLang="zh-CN"/>
           </a:p>
@@ -5909,9 +5991,7 @@
 
 <file path=ppt/tags/tag10.xml><?xml version="1.0" encoding="utf-8"?>
 <p:tagLst xmlns:p="http://schemas.openxmlformats.org/presentationml/2006/main">
-  <p:tag name="KSO_WM_BEAUTIFY_FLAG" val="#wm#"/>
-  <p:tag name="KSO_WM_TEMPLATE_CATEGORY" val="custom"/>
-  <p:tag name="KSO_WM_TEMPLATE_INDEX" val="160402"/>
+  <p:tag name="KSO_WM_UNIT_TABLE_BEAUTIFY" val="smartTable{1e735b3f-35b7-4e21-9007-a310f3ead156}"/>
 </p:tagLst>
 </file>
 
@@ -5948,6 +6028,14 @@
 </file>
 
 <file path=ppt/tags/tag15.xml><?xml version="1.0" encoding="utf-8"?>
+<p:tagLst xmlns:p="http://schemas.openxmlformats.org/presentationml/2006/main">
+  <p:tag name="KSO_WM_BEAUTIFY_FLAG" val="#wm#"/>
+  <p:tag name="KSO_WM_TEMPLATE_CATEGORY" val="custom"/>
+  <p:tag name="KSO_WM_TEMPLATE_INDEX" val="160402"/>
+</p:tagLst>
+</file>
+
+<file path=ppt/tags/tag16.xml><?xml version="1.0" encoding="utf-8"?>
 <p:tagLst xmlns:p="http://schemas.openxmlformats.org/presentationml/2006/main">
   <p:tag name="KSO_WM_BEAUTIFY_FLAG" val="#wm#"/>
   <p:tag name="KSO_WM_TEMPLATE_CATEGORY" val="custom"/>
@@ -6049,7 +6137,9 @@
 
 <file path=ppt/tags/tag9.xml><?xml version="1.0" encoding="utf-8"?>
 <p:tagLst xmlns:p="http://schemas.openxmlformats.org/presentationml/2006/main">
-  <p:tag name="KSO_WM_UNIT_TABLE_BEAUTIFY" val="smartTable{1e735b3f-35b7-4e21-9007-a310f3ead156}"/>
+  <p:tag name="KSO_WM_BEAUTIFY_FLAG" val="#wm#"/>
+  <p:tag name="KSO_WM_TEMPLATE_CATEGORY" val="custom"/>
+  <p:tag name="KSO_WM_TEMPLATE_INDEX" val="160402"/>
 </p:tagLst>
 </file>
 

--- a/Web/WebGeneral-Notes.pptx
+++ b/Web/WebGeneral-Notes.pptx
@@ -8,7 +8,7 @@
     <p:notesMasterId r:id="rId4"/>
   </p:notesMasterIdLst>
   <p:handoutMasterIdLst>
-    <p:handoutMasterId r:id="rId14"/>
+    <p:handoutMasterId r:id="rId15"/>
   </p:handoutMasterIdLst>
   <p:sldIdLst>
     <p:sldId id="256" r:id="rId3"/>
@@ -21,6 +21,7 @@
     <p:sldId id="259" r:id="rId11"/>
     <p:sldId id="260" r:id="rId12"/>
     <p:sldId id="280" r:id="rId13"/>
+    <p:sldId id="289" r:id="rId14"/>
   </p:sldIdLst>
   <p:sldSz cx="12192000" cy="6858000"/>
   <p:notesSz cx="6858000" cy="9144000"/>
@@ -3913,6 +3914,135 @@
             <a:r>
               <a:rPr lang="en-US" altLang="zh-CN"/>
               <a:t>&lt;link rel="manifest" href="/site.webmanifest"&gt;</a:t>
+            </a:r>
+            <a:endParaRPr lang="en-US" altLang="zh-CN"/>
+          </a:p>
+        </p:txBody>
+      </p:sp>
+    </p:spTree>
+    <p:custDataLst>
+      <p:tags r:id="rId1"/>
+    </p:custDataLst>
+  </p:cSld>
+  <p:clrMapOvr>
+    <a:masterClrMapping/>
+  </p:clrMapOvr>
+</p:sld>
+</file>
+
+<file path=ppt/slides/slide11.xml><?xml version="1.0" encoding="utf-8"?>
+<p:sld xmlns:a="http://schemas.openxmlformats.org/drawingml/2006/main" xmlns:r="http://schemas.openxmlformats.org/officeDocument/2006/relationships" xmlns:p="http://schemas.openxmlformats.org/presentationml/2006/main">
+  <p:cSld>
+    <p:spTree>
+      <p:nvGrpSpPr>
+        <p:cNvPr id="1" name=""/>
+        <p:cNvGrpSpPr/>
+        <p:nvPr/>
+      </p:nvGrpSpPr>
+      <p:grpSpPr/>
+      <p:sp>
+        <p:nvSpPr>
+          <p:cNvPr id="2" name="标题 1"/>
+          <p:cNvSpPr>
+            <a:spLocks noGrp="1"/>
+          </p:cNvSpPr>
+          <p:nvPr>
+            <p:ph type="title"/>
+          </p:nvPr>
+        </p:nvSpPr>
+        <p:spPr/>
+        <p:txBody>
+          <a:bodyPr/>
+          <a:p>
+            <a:r>
+              <a:rPr lang="en-US" altLang="zh-CN"/>
+              <a:t>SSH</a:t>
+            </a:r>
+            <a:endParaRPr lang="en-US" altLang="zh-CN"/>
+          </a:p>
+        </p:txBody>
+      </p:sp>
+      <p:sp>
+        <p:nvSpPr>
+          <p:cNvPr id="3" name="内容占位符 2"/>
+          <p:cNvSpPr>
+            <a:spLocks noGrp="1"/>
+          </p:cNvSpPr>
+          <p:nvPr>
+            <p:ph idx="1"/>
+          </p:nvPr>
+        </p:nvSpPr>
+        <p:spPr/>
+        <p:txBody>
+          <a:bodyPr/>
+          <a:p>
+            <a:r>
+              <a:rPr lang="en-US" altLang="zh-CN"/>
+              <a:t>Avoid freeze</a:t>
+            </a:r>
+            <a:endParaRPr lang="en-US" altLang="zh-CN"/>
+          </a:p>
+          <a:p>
+            <a:pPr lvl="1"/>
+            <a:r>
+              <a:rPr lang="en-US" altLang="zh-CN"/>
+              <a:t>Modify /etc/ssh/ssh_config on client</a:t>
+            </a:r>
+            <a:endParaRPr lang="en-US" altLang="zh-CN"/>
+          </a:p>
+          <a:p>
+            <a:pPr lvl="2"/>
+            <a:r>
+              <a:rPr lang="en-US" altLang="zh-CN"/>
+              <a:t>Host *</a:t>
+            </a:r>
+            <a:endParaRPr lang="en-US" altLang="zh-CN"/>
+          </a:p>
+          <a:p>
+            <a:pPr lvl="2"/>
+            <a:r>
+              <a:rPr lang="en-US" altLang="zh-CN"/>
+              <a:t>ServerAliveInterval 100</a:t>
+            </a:r>
+            <a:endParaRPr lang="en-US" altLang="zh-CN"/>
+          </a:p>
+          <a:p>
+            <a:pPr lvl="1"/>
+            <a:r>
+              <a:rPr lang="en-US" altLang="zh-CN"/>
+              <a:t>Modify /etc/ssh/sshd_config on server</a:t>
+            </a:r>
+            <a:endParaRPr lang="en-US" altLang="zh-CN"/>
+          </a:p>
+          <a:p>
+            <a:pPr lvl="2"/>
+            <a:r>
+              <a:rPr lang="en-US" altLang="zh-CN"/>
+              <a:t>ClientAliveInterval 60</a:t>
+            </a:r>
+            <a:endParaRPr lang="en-US" altLang="zh-CN"/>
+          </a:p>
+          <a:p>
+            <a:pPr lvl="2"/>
+            <a:r>
+              <a:rPr lang="en-US" altLang="zh-CN"/>
+              <a:t>TCPKeepAlive yes</a:t>
+            </a:r>
+            <a:endParaRPr lang="en-US" altLang="zh-CN"/>
+          </a:p>
+          <a:p>
+            <a:pPr lvl="2"/>
+            <a:r>
+              <a:rPr lang="en-US" altLang="zh-CN"/>
+              <a:t>ClientAliveCountMax 10000</a:t>
+            </a:r>
+            <a:endParaRPr lang="en-US" altLang="zh-CN"/>
+          </a:p>
+          <a:p>
+            <a:pPr lvl="1"/>
+            <a:r>
+              <a:rPr lang="en-US" altLang="zh-CN"/>
+              <a:t>Run 'service sshd restart' on server</a:t>
             </a:r>
             <a:endParaRPr lang="en-US" altLang="zh-CN"/>
           </a:p>
@@ -5764,7 +5894,7 @@
           <a:p>
             <a:r>
               <a:rPr lang="en-US" altLang="zh-CN"/>
-              <a:t>Remove Unused CSS</a:t>
+              <a:t>CSS</a:t>
             </a:r>
             <a:endParaRPr lang="en-US" altLang="zh-CN"/>
           </a:p>
@@ -5784,7 +5914,157 @@
         <p:txBody>
           <a:bodyPr/>
           <a:p>
+            <a:r>
+              <a:rPr lang="zh-CN" altLang="en-US"/>
+              <a:t>限制宽高且等比缩放</a:t>
+            </a:r>
             <a:endParaRPr lang="zh-CN" altLang="en-US"/>
+          </a:p>
+        </p:txBody>
+      </p:sp>
+      <p:sp>
+        <p:nvSpPr>
+          <p:cNvPr id="4" name="矩形 3"/>
+          <p:cNvSpPr/>
+          <p:nvPr/>
+        </p:nvSpPr>
+        <p:spPr>
+          <a:xfrm>
+            <a:off x="7562215" y="1211580"/>
+            <a:ext cx="2803525" cy="2138680"/>
+          </a:xfrm>
+          <a:prstGeom prst="rect">
+            <a:avLst/>
+          </a:prstGeom>
+          <a:noFill/>
+          <a:ln>
+            <a:solidFill>
+              <a:srgbClr val="FFC000"/>
+            </a:solidFill>
+          </a:ln>
+          <a:extLst>
+            <a:ext uri="{909E8E84-426E-40DD-AFC4-6F175D3DCCD1}">
+              <a14:hiddenFill xmlns:a14="http://schemas.microsoft.com/office/drawing/2010/main">
+                <a:solidFill>
+                  <a:schemeClr val="accent1"/>
+                </a:solidFill>
+              </a14:hiddenFill>
+            </a:ext>
+          </a:extLst>
+        </p:spPr>
+        <p:style>
+          <a:lnRef idx="2">
+            <a:schemeClr val="accent1">
+              <a:shade val="50000"/>
+            </a:schemeClr>
+          </a:lnRef>
+          <a:fillRef idx="1">
+            <a:schemeClr val="accent1"/>
+          </a:fillRef>
+          <a:effectRef idx="0">
+            <a:schemeClr val="accent1"/>
+          </a:effectRef>
+          <a:fontRef idx="minor">
+            <a:schemeClr val="lt1"/>
+          </a:fontRef>
+        </p:style>
+        <p:txBody>
+          <a:bodyPr rtlCol="0" anchor="ctr"/>
+          <a:p>
+            <a:pPr algn="l"/>
+            <a:r>
+              <a:rPr lang="zh-CN" altLang="en-US">
+                <a:solidFill>
+                  <a:schemeClr val="tx1"/>
+                </a:solidFill>
+              </a:rPr>
+              <a:t>img {</a:t>
+            </a:r>
+            <a:endParaRPr lang="zh-CN" altLang="en-US">
+              <a:solidFill>
+                <a:schemeClr val="tx1"/>
+              </a:solidFill>
+            </a:endParaRPr>
+          </a:p>
+          <a:p>
+            <a:pPr algn="l"/>
+            <a:r>
+              <a:rPr lang="zh-CN" altLang="en-US">
+                <a:solidFill>
+                  <a:schemeClr val="tx1"/>
+                </a:solidFill>
+              </a:rPr>
+              <a:t>    max-width:64px;</a:t>
+            </a:r>
+            <a:endParaRPr lang="zh-CN" altLang="en-US">
+              <a:solidFill>
+                <a:schemeClr val="tx1"/>
+              </a:solidFill>
+            </a:endParaRPr>
+          </a:p>
+          <a:p>
+            <a:pPr algn="l"/>
+            <a:r>
+              <a:rPr lang="zh-CN" altLang="en-US">
+                <a:solidFill>
+                  <a:schemeClr val="tx1"/>
+                </a:solidFill>
+              </a:rPr>
+              <a:t>    max-height:64px;</a:t>
+            </a:r>
+            <a:endParaRPr lang="zh-CN" altLang="en-US">
+              <a:solidFill>
+                <a:schemeClr val="tx1"/>
+              </a:solidFill>
+            </a:endParaRPr>
+          </a:p>
+          <a:p>
+            <a:pPr algn="l"/>
+            <a:r>
+              <a:rPr lang="zh-CN" altLang="en-US">
+                <a:solidFill>
+                  <a:schemeClr val="tx1"/>
+                </a:solidFill>
+              </a:rPr>
+              <a:t>    width:auto;</a:t>
+            </a:r>
+            <a:endParaRPr lang="zh-CN" altLang="en-US">
+              <a:solidFill>
+                <a:schemeClr val="tx1"/>
+              </a:solidFill>
+            </a:endParaRPr>
+          </a:p>
+          <a:p>
+            <a:pPr algn="l"/>
+            <a:r>
+              <a:rPr lang="zh-CN" altLang="en-US">
+                <a:solidFill>
+                  <a:schemeClr val="tx1"/>
+                </a:solidFill>
+              </a:rPr>
+              <a:t>    height:auto;</a:t>
+            </a:r>
+            <a:endParaRPr lang="zh-CN" altLang="en-US">
+              <a:solidFill>
+                <a:schemeClr val="tx1"/>
+              </a:solidFill>
+            </a:endParaRPr>
+          </a:p>
+          <a:p>
+            <a:pPr algn="l"/>
+            <a:r>
+              <a:rPr lang="zh-CN" altLang="en-US">
+                <a:solidFill>
+                  <a:schemeClr val="tx1"/>
+                </a:solidFill>
+              </a:rPr>
+              <a:t>}</a:t>
+            </a:r>
+            <a:endParaRPr lang="zh-CN" altLang="en-US">
+              <a:solidFill>
+                <a:schemeClr val="tx1"/>
+              </a:solidFill>
+            </a:endParaRPr>
           </a:p>
         </p:txBody>
       </p:sp>
@@ -6036,6 +6316,14 @@
 </file>
 
 <file path=ppt/tags/tag16.xml><?xml version="1.0" encoding="utf-8"?>
+<p:tagLst xmlns:p="http://schemas.openxmlformats.org/presentationml/2006/main">
+  <p:tag name="KSO_WM_BEAUTIFY_FLAG" val="#wm#"/>
+  <p:tag name="KSO_WM_TEMPLATE_CATEGORY" val="custom"/>
+  <p:tag name="KSO_WM_TEMPLATE_INDEX" val="160402"/>
+</p:tagLst>
+</file>
+
+<file path=ppt/tags/tag17.xml><?xml version="1.0" encoding="utf-8"?>
 <p:tagLst xmlns:p="http://schemas.openxmlformats.org/presentationml/2006/main">
   <p:tag name="KSO_WM_BEAUTIFY_FLAG" val="#wm#"/>
   <p:tag name="KSO_WM_TEMPLATE_CATEGORY" val="custom"/>

--- a/Web/WebGeneral-Notes.pptx
+++ b/Web/WebGeneral-Notes.pptx
@@ -5930,7 +5930,7 @@
         </p:nvSpPr>
         <p:spPr>
           <a:xfrm>
-            <a:off x="7562215" y="1211580"/>
+            <a:off x="744855" y="3702685"/>
             <a:ext cx="2803525" cy="2138680"/>
           </a:xfrm>
           <a:prstGeom prst="rect">
@@ -6068,9 +6068,38 @@
           </a:p>
         </p:txBody>
       </p:sp>
+      <p:pic>
+        <p:nvPicPr>
+          <p:cNvPr id="100" name="图片 99"/>
+          <p:cNvPicPr/>
+          <p:nvPr/>
+        </p:nvPicPr>
+        <p:blipFill>
+          <a:blip r:embed="rId1">
+            <a:extLst>
+              <a:ext uri="{96DAC541-7B7A-43D3-8B79-37D633B846F1}">
+                <asvg:svgBlip xmlns:asvg="http://schemas.microsoft.com/office/drawing/2016/SVG/main" r:embed="rId2" r:link="rId3"/>
+              </a:ext>
+            </a:extLst>
+          </a:blip>
+          <a:stretch>
+            <a:fillRect/>
+          </a:stretch>
+        </p:blipFill>
+        <p:spPr>
+          <a:xfrm>
+            <a:off x="7160260" y="914400"/>
+            <a:ext cx="4634230" cy="5502910"/>
+          </a:xfrm>
+          <a:prstGeom prst="rect">
+            <a:avLst/>
+          </a:prstGeom>
+          <a:noFill/>
+        </p:spPr>
+      </p:pic>
     </p:spTree>
     <p:custDataLst>
-      <p:tags r:id="rId1"/>
+      <p:tags r:id="rId4"/>
     </p:custDataLst>
   </p:cSld>
   <p:clrMapOvr>

--- a/Web/WebGeneral-Notes.pptx
+++ b/Web/WebGeneral-Notes.pptx
@@ -8,7 +8,7 @@
     <p:notesMasterId r:id="rId4"/>
   </p:notesMasterIdLst>
   <p:handoutMasterIdLst>
-    <p:handoutMasterId r:id="rId15"/>
+    <p:handoutMasterId r:id="rId16"/>
   </p:handoutMasterIdLst>
   <p:sldIdLst>
     <p:sldId id="256" r:id="rId3"/>
@@ -18,10 +18,11 @@
     <p:sldId id="275" r:id="rId8"/>
     <p:sldId id="276" r:id="rId9"/>
     <p:sldId id="261" r:id="rId10"/>
-    <p:sldId id="259" r:id="rId11"/>
-    <p:sldId id="260" r:id="rId12"/>
-    <p:sldId id="280" r:id="rId13"/>
-    <p:sldId id="289" r:id="rId14"/>
+    <p:sldId id="290" r:id="rId11"/>
+    <p:sldId id="259" r:id="rId12"/>
+    <p:sldId id="260" r:id="rId13"/>
+    <p:sldId id="280" r:id="rId14"/>
+    <p:sldId id="289" r:id="rId15"/>
   </p:sldIdLst>
   <p:sldSz cx="12192000" cy="6858000"/>
   <p:notesSz cx="6858000" cy="9144000"/>
@@ -3835,7 +3836,7 @@
           <a:p>
             <a:r>
               <a:rPr lang="en-US" altLang="zh-CN"/>
-              <a:t>Favicon</a:t>
+              <a:t>Browser Compatibility Test</a:t>
             </a:r>
             <a:endParaRPr lang="en-US" altLang="zh-CN"/>
           </a:p>
@@ -3857,7 +3858,7 @@
           <a:p>
             <a:r>
               <a:rPr lang="en-US" altLang="zh-CN"/>
-              <a:t>Generation</a:t>
+              <a:t>Website</a:t>
             </a:r>
             <a:endParaRPr lang="en-US" altLang="zh-CN"/>
           </a:p>
@@ -3865,55 +3866,15 @@
             <a:pPr lvl="1"/>
             <a:r>
               <a:rPr lang="en-US" altLang="zh-CN"/>
-              <a:t>https://favicon.io/</a:t>
+              <a:t>http://browsershots.org/</a:t>
             </a:r>
             <a:endParaRPr lang="en-US" altLang="zh-CN"/>
           </a:p>
           <a:p>
-            <a:pPr lvl="0"/>
+            <a:pPr lvl="1"/>
             <a:r>
               <a:rPr lang="en-US" altLang="zh-CN"/>
-              <a:t>How to use</a:t>
-            </a:r>
-            <a:endParaRPr lang="en-US" altLang="zh-CN"/>
-          </a:p>
-          <a:p>
-            <a:pPr lvl="1"/>
-            <a:r>
-              <a:rPr lang="en-US" altLang="zh-CN"/>
-              <a:t>Add to html</a:t>
-            </a:r>
-            <a:endParaRPr lang="en-US" altLang="zh-CN"/>
-          </a:p>
-          <a:p>
-            <a:pPr lvl="2"/>
-            <a:r>
-              <a:rPr lang="en-US" altLang="zh-CN"/>
-              <a:t>&lt;link rel="apple-touch-icon" sizes="180x180" href="/apple-touch-icon.png"&gt;</a:t>
-            </a:r>
-            <a:endParaRPr lang="en-US" altLang="zh-CN"/>
-          </a:p>
-          <a:p>
-            <a:pPr lvl="2"/>
-            <a:r>
-              <a:rPr lang="en-US" altLang="zh-CN"/>
-              <a:t>&lt;link rel="icon" type="image/png" sizes="32x32" href="/favicon-32x32.png"&gt;</a:t>
-            </a:r>
-            <a:endParaRPr lang="en-US" altLang="zh-CN"/>
-          </a:p>
-          <a:p>
-            <a:pPr lvl="2"/>
-            <a:r>
-              <a:rPr lang="en-US" altLang="zh-CN"/>
-              <a:t>&lt;link rel="icon" type="image/png" sizes="16x16" href="/favicon-16x16.png"&gt;</a:t>
-            </a:r>
-            <a:endParaRPr lang="en-US" altLang="zh-CN"/>
-          </a:p>
-          <a:p>
-            <a:pPr lvl="2"/>
-            <a:r>
-              <a:rPr lang="en-US" altLang="zh-CN"/>
-              <a:t>&lt;link rel="manifest" href="/site.webmanifest"&gt;</a:t>
+              <a:t>https://www.browserstack.com/ (paid)</a:t>
             </a:r>
             <a:endParaRPr lang="en-US" altLang="zh-CN"/>
           </a:p>
@@ -3931,6 +3892,127 @@
 </file>
 
 <file path=ppt/slides/slide11.xml><?xml version="1.0" encoding="utf-8"?>
+<p:sld xmlns:a="http://schemas.openxmlformats.org/drawingml/2006/main" xmlns:r="http://schemas.openxmlformats.org/officeDocument/2006/relationships" xmlns:p="http://schemas.openxmlformats.org/presentationml/2006/main">
+  <p:cSld>
+    <p:spTree>
+      <p:nvGrpSpPr>
+        <p:cNvPr id="1" name=""/>
+        <p:cNvGrpSpPr/>
+        <p:nvPr/>
+      </p:nvGrpSpPr>
+      <p:grpSpPr/>
+      <p:sp>
+        <p:nvSpPr>
+          <p:cNvPr id="2" name="标题 1"/>
+          <p:cNvSpPr>
+            <a:spLocks noGrp="1"/>
+          </p:cNvSpPr>
+          <p:nvPr>
+            <p:ph type="title"/>
+          </p:nvPr>
+        </p:nvSpPr>
+        <p:spPr/>
+        <p:txBody>
+          <a:bodyPr/>
+          <a:p>
+            <a:r>
+              <a:rPr lang="en-US" altLang="zh-CN"/>
+              <a:t>Favicon</a:t>
+            </a:r>
+            <a:endParaRPr lang="en-US" altLang="zh-CN"/>
+          </a:p>
+        </p:txBody>
+      </p:sp>
+      <p:sp>
+        <p:nvSpPr>
+          <p:cNvPr id="3" name="内容占位符 2"/>
+          <p:cNvSpPr>
+            <a:spLocks noGrp="1"/>
+          </p:cNvSpPr>
+          <p:nvPr>
+            <p:ph idx="1"/>
+          </p:nvPr>
+        </p:nvSpPr>
+        <p:spPr/>
+        <p:txBody>
+          <a:bodyPr/>
+          <a:p>
+            <a:r>
+              <a:rPr lang="en-US" altLang="zh-CN"/>
+              <a:t>Generation</a:t>
+            </a:r>
+            <a:endParaRPr lang="en-US" altLang="zh-CN"/>
+          </a:p>
+          <a:p>
+            <a:pPr lvl="1"/>
+            <a:r>
+              <a:rPr lang="en-US" altLang="zh-CN"/>
+              <a:t>https://favicon.io/</a:t>
+            </a:r>
+            <a:endParaRPr lang="en-US" altLang="zh-CN"/>
+          </a:p>
+          <a:p>
+            <a:pPr lvl="0"/>
+            <a:r>
+              <a:rPr lang="en-US" altLang="zh-CN"/>
+              <a:t>How to use</a:t>
+            </a:r>
+            <a:endParaRPr lang="en-US" altLang="zh-CN"/>
+          </a:p>
+          <a:p>
+            <a:pPr lvl="1"/>
+            <a:r>
+              <a:rPr lang="en-US" altLang="zh-CN"/>
+              <a:t>Add to html</a:t>
+            </a:r>
+            <a:endParaRPr lang="en-US" altLang="zh-CN"/>
+          </a:p>
+          <a:p>
+            <a:pPr lvl="2"/>
+            <a:r>
+              <a:rPr lang="en-US" altLang="zh-CN"/>
+              <a:t>&lt;link rel="apple-touch-icon" sizes="180x180" href="/apple-touch-icon.png"&gt;</a:t>
+            </a:r>
+            <a:endParaRPr lang="en-US" altLang="zh-CN"/>
+          </a:p>
+          <a:p>
+            <a:pPr lvl="2"/>
+            <a:r>
+              <a:rPr lang="en-US" altLang="zh-CN"/>
+              <a:t>&lt;link rel="icon" type="image/png" sizes="32x32" href="/favicon-32x32.png"&gt;</a:t>
+            </a:r>
+            <a:endParaRPr lang="en-US" altLang="zh-CN"/>
+          </a:p>
+          <a:p>
+            <a:pPr lvl="2"/>
+            <a:r>
+              <a:rPr lang="en-US" altLang="zh-CN"/>
+              <a:t>&lt;link rel="icon" type="image/png" sizes="16x16" href="/favicon-16x16.png"&gt;</a:t>
+            </a:r>
+            <a:endParaRPr lang="en-US" altLang="zh-CN"/>
+          </a:p>
+          <a:p>
+            <a:pPr lvl="2"/>
+            <a:r>
+              <a:rPr lang="en-US" altLang="zh-CN"/>
+              <a:t>&lt;link rel="manifest" href="/site.webmanifest"&gt;</a:t>
+            </a:r>
+            <a:endParaRPr lang="en-US" altLang="zh-CN"/>
+          </a:p>
+        </p:txBody>
+      </p:sp>
+    </p:spTree>
+    <p:custDataLst>
+      <p:tags r:id="rId1"/>
+    </p:custDataLst>
+  </p:cSld>
+  <p:clrMapOvr>
+    <a:masterClrMapping/>
+  </p:clrMapOvr>
+</p:sld>
+</file>
+
+<file path=ppt/slides/slide12.xml><?xml version="1.0" encoding="utf-8"?>
 <p:sld xmlns:a="http://schemas.openxmlformats.org/drawingml/2006/main" xmlns:r="http://schemas.openxmlformats.org/officeDocument/2006/relationships" xmlns:p="http://schemas.openxmlformats.org/presentationml/2006/main">
   <p:cSld>
     <p:spTree>
@@ -5894,7 +5976,7 @@
           <a:p>
             <a:r>
               <a:rPr lang="en-US" altLang="zh-CN"/>
-              <a:t>CSS</a:t>
+              <a:t>CSS - 1</a:t>
             </a:r>
             <a:endParaRPr lang="en-US" altLang="zh-CN"/>
           </a:p>
@@ -6134,7 +6216,7 @@
           <a:p>
             <a:r>
               <a:rPr lang="en-US" altLang="zh-CN"/>
-              <a:t>Resolution Adaptation Test</a:t>
+              <a:t>CSS - 2</a:t>
             </a:r>
             <a:endParaRPr lang="en-US" altLang="zh-CN"/>
           </a:p>
@@ -6156,7 +6238,7 @@
           <a:p>
             <a:r>
               <a:rPr lang="en-US" altLang="zh-CN"/>
-              <a:t>Website</a:t>
+              <a:t>Units</a:t>
             </a:r>
             <a:endParaRPr lang="en-US" altLang="zh-CN"/>
           </a:p>
@@ -6164,7 +6246,7 @@
             <a:pPr lvl="1"/>
             <a:r>
               <a:rPr lang="en-US" altLang="zh-CN"/>
-              <a:t>http://whatismyscreenresolution.net/</a:t>
+              <a:t>rem	font size of root element (&lt;html&gt;)</a:t>
             </a:r>
             <a:endParaRPr lang="en-US" altLang="zh-CN"/>
           </a:p>
@@ -6172,7 +6254,7 @@
             <a:pPr lvl="1"/>
             <a:r>
               <a:rPr lang="en-US" altLang="zh-CN"/>
-              <a:t>http://www.responsinator.com/</a:t>
+              <a:t>vh	1/100 of the height of the viewport</a:t>
             </a:r>
             <a:endParaRPr lang="en-US" altLang="zh-CN"/>
           </a:p>
@@ -6180,20 +6262,32 @@
             <a:pPr lvl="1"/>
             <a:r>
               <a:rPr lang="en-US" altLang="zh-CN"/>
-              <a:t>http://testsize.com/</a:t>
+              <a:t>vw	1/100 of the width of the viewport</a:t>
             </a:r>
             <a:endParaRPr lang="en-US" altLang="zh-CN"/>
           </a:p>
           <a:p>
-            <a:pPr lvl="0"/>
+            <a:pPr lvl="1"/>
             <a:r>
               <a:rPr lang="en-US" altLang="zh-CN"/>
-              <a:t>Tools</a:t>
+              <a:t>vmin	min(vh, vw)</a:t>
             </a:r>
             <a:endParaRPr lang="en-US" altLang="zh-CN"/>
           </a:p>
           <a:p>
             <a:pPr lvl="1"/>
+            <a:r>
+              <a:rPr lang="en-US" altLang="zh-CN"/>
+              <a:t>vmax	max(vh, vw)</a:t>
+            </a:r>
+            <a:endParaRPr lang="en-US" altLang="zh-CN"/>
+          </a:p>
+          <a:p>
+            <a:pPr lvl="1"/>
+            <a:r>
+              <a:rPr lang="en-US" altLang="zh-CN"/>
+              <a:t>em	width of ‘M’ of the font size of current element</a:t>
+            </a:r>
             <a:endParaRPr lang="en-US" altLang="zh-CN"/>
           </a:p>
         </p:txBody>
@@ -6235,7 +6329,7 @@
           <a:p>
             <a:r>
               <a:rPr lang="en-US" altLang="zh-CN"/>
-              <a:t>Browser Compatibility Test</a:t>
+              <a:t>Resolution Adaptation Test</a:t>
             </a:r>
             <a:endParaRPr lang="en-US" altLang="zh-CN"/>
           </a:p>
@@ -6265,7 +6359,7 @@
             <a:pPr lvl="1"/>
             <a:r>
               <a:rPr lang="en-US" altLang="zh-CN"/>
-              <a:t>http://browsershots.org/</a:t>
+              <a:t>http://whatismyscreenresolution.net/</a:t>
             </a:r>
             <a:endParaRPr lang="en-US" altLang="zh-CN"/>
           </a:p>
@@ -6273,8 +6367,28 @@
             <a:pPr lvl="1"/>
             <a:r>
               <a:rPr lang="en-US" altLang="zh-CN"/>
-              <a:t>https://www.browserstack.com/ (paid)</a:t>
-            </a:r>
+              <a:t>http://www.responsinator.com/</a:t>
+            </a:r>
+            <a:endParaRPr lang="en-US" altLang="zh-CN"/>
+          </a:p>
+          <a:p>
+            <a:pPr lvl="1"/>
+            <a:r>
+              <a:rPr lang="en-US" altLang="zh-CN"/>
+              <a:t>http://testsize.com/</a:t>
+            </a:r>
+            <a:endParaRPr lang="en-US" altLang="zh-CN"/>
+          </a:p>
+          <a:p>
+            <a:pPr lvl="0"/>
+            <a:r>
+              <a:rPr lang="en-US" altLang="zh-CN"/>
+              <a:t>Tools</a:t>
+            </a:r>
+            <a:endParaRPr lang="en-US" altLang="zh-CN"/>
+          </a:p>
+          <a:p>
+            <a:pPr lvl="1"/>
             <a:endParaRPr lang="en-US" altLang="zh-CN"/>
           </a:p>
         </p:txBody>
@@ -6353,6 +6467,14 @@
 </file>
 
 <file path=ppt/tags/tag17.xml><?xml version="1.0" encoding="utf-8"?>
+<p:tagLst xmlns:p="http://schemas.openxmlformats.org/presentationml/2006/main">
+  <p:tag name="KSO_WM_BEAUTIFY_FLAG" val="#wm#"/>
+  <p:tag name="KSO_WM_TEMPLATE_CATEGORY" val="custom"/>
+  <p:tag name="KSO_WM_TEMPLATE_INDEX" val="160402"/>
+</p:tagLst>
+</file>
+
+<file path=ppt/tags/tag18.xml><?xml version="1.0" encoding="utf-8"?>
 <p:tagLst xmlns:p="http://schemas.openxmlformats.org/presentationml/2006/main">
   <p:tag name="KSO_WM_BEAUTIFY_FLAG" val="#wm#"/>
   <p:tag name="KSO_WM_TEMPLATE_CATEGORY" val="custom"/>

--- a/Web/WebGeneral-Notes.pptx
+++ b/Web/WebGeneral-Notes.pptx
@@ -8,7 +8,7 @@
     <p:notesMasterId r:id="rId4"/>
   </p:notesMasterIdLst>
   <p:handoutMasterIdLst>
-    <p:handoutMasterId r:id="rId16"/>
+    <p:handoutMasterId r:id="rId17"/>
   </p:handoutMasterIdLst>
   <p:sldIdLst>
     <p:sldId id="256" r:id="rId3"/>
@@ -23,6 +23,7 @@
     <p:sldId id="260" r:id="rId13"/>
     <p:sldId id="280" r:id="rId14"/>
     <p:sldId id="289" r:id="rId15"/>
+    <p:sldId id="295" r:id="rId16"/>
   </p:sldIdLst>
   <p:sldSz cx="12192000" cy="6858000"/>
   <p:notesSz cx="6858000" cy="9144000"/>
@@ -4127,6 +4128,118 @@
               <a:t>Run 'service sshd restart' on server</a:t>
             </a:r>
             <a:endParaRPr lang="en-US" altLang="zh-CN"/>
+          </a:p>
+        </p:txBody>
+      </p:sp>
+    </p:spTree>
+    <p:custDataLst>
+      <p:tags r:id="rId1"/>
+    </p:custDataLst>
+  </p:cSld>
+  <p:clrMapOvr>
+    <a:masterClrMapping/>
+  </p:clrMapOvr>
+</p:sld>
+</file>
+
+<file path=ppt/slides/slide13.xml><?xml version="1.0" encoding="utf-8"?>
+<p:sld xmlns:a="http://schemas.openxmlformats.org/drawingml/2006/main" xmlns:r="http://schemas.openxmlformats.org/officeDocument/2006/relationships" xmlns:p="http://schemas.openxmlformats.org/presentationml/2006/main">
+  <p:cSld>
+    <p:spTree>
+      <p:nvGrpSpPr>
+        <p:cNvPr id="1" name=""/>
+        <p:cNvGrpSpPr/>
+        <p:nvPr/>
+      </p:nvGrpSpPr>
+      <p:grpSpPr/>
+      <p:sp>
+        <p:nvSpPr>
+          <p:cNvPr id="2" name="标题 1"/>
+          <p:cNvSpPr>
+            <a:spLocks noGrp="1"/>
+          </p:cNvSpPr>
+          <p:nvPr>
+            <p:ph type="title"/>
+          </p:nvPr>
+        </p:nvSpPr>
+        <p:spPr/>
+        <p:txBody>
+          <a:bodyPr/>
+          <a:p>
+            <a:r>
+              <a:rPr lang="en-US" altLang="zh-CN"/>
+              <a:t>SEO</a:t>
+            </a:r>
+            <a:endParaRPr lang="en-US" altLang="zh-CN"/>
+          </a:p>
+        </p:txBody>
+      </p:sp>
+      <p:sp>
+        <p:nvSpPr>
+          <p:cNvPr id="3" name="内容占位符 2"/>
+          <p:cNvSpPr>
+            <a:spLocks noGrp="1"/>
+          </p:cNvSpPr>
+          <p:nvPr>
+            <p:ph idx="1"/>
+          </p:nvPr>
+        </p:nvSpPr>
+        <p:spPr/>
+        <p:txBody>
+          <a:bodyPr/>
+          <a:p>
+            <a:r>
+              <a:rPr lang="en-US" altLang="zh-CN"/>
+              <a:t>References</a:t>
+            </a:r>
+            <a:endParaRPr lang="en-US" altLang="zh-CN"/>
+          </a:p>
+          <a:p>
+            <a:pPr lvl="1"/>
+            <a:r>
+              <a:rPr lang="en-US" altLang="zh-CN"/>
+              <a:t>https://zhuanlan.zhihu.com/p/335743455</a:t>
+            </a:r>
+            <a:endParaRPr lang="en-US" altLang="zh-CN"/>
+          </a:p>
+          <a:p>
+            <a:r>
+              <a:rPr lang="en-US" altLang="zh-CN"/>
+              <a:t>Title</a:t>
+            </a:r>
+            <a:endParaRPr lang="en-US" altLang="zh-CN"/>
+          </a:p>
+          <a:p>
+            <a:pPr lvl="1"/>
+            <a:r>
+              <a:rPr lang="en-US" altLang="zh-CN"/>
+              <a:t>在标题增加搜索量较高的词</a:t>
+            </a:r>
+            <a:endParaRPr lang="en-US" altLang="zh-CN" sz="2000"/>
+          </a:p>
+          <a:p>
+            <a:pPr lvl="1"/>
+            <a:r>
+              <a:rPr lang="en-US" altLang="zh-CN"/>
+              <a:t>在标题减少搜索量较低的词</a:t>
+            </a:r>
+            <a:endParaRPr lang="en-US" altLang="zh-CN"/>
+          </a:p>
+          <a:p>
+            <a:pPr lvl="0"/>
+            <a:r>
+              <a:rPr lang="zh-CN" altLang="en-US"/>
+              <a:t>丰富页面内容</a:t>
+            </a:r>
+            <a:endParaRPr lang="zh-CN" altLang="en-US"/>
+          </a:p>
+          <a:p>
+            <a:pPr lvl="0"/>
+            <a:r>
+              <a:rPr lang="zh-CN" altLang="en-US"/>
+              <a:t>添加相关链接</a:t>
+            </a:r>
+            <a:endParaRPr lang="zh-CN" altLang="en-US"/>
           </a:p>
         </p:txBody>
       </p:sp>
@@ -6475,6 +6588,14 @@
 </file>
 
 <file path=ppt/tags/tag18.xml><?xml version="1.0" encoding="utf-8"?>
+<p:tagLst xmlns:p="http://schemas.openxmlformats.org/presentationml/2006/main">
+  <p:tag name="KSO_WM_BEAUTIFY_FLAG" val="#wm#"/>
+  <p:tag name="KSO_WM_TEMPLATE_CATEGORY" val="custom"/>
+  <p:tag name="KSO_WM_TEMPLATE_INDEX" val="160402"/>
+</p:tagLst>
+</file>
+
+<file path=ppt/tags/tag19.xml><?xml version="1.0" encoding="utf-8"?>
 <p:tagLst xmlns:p="http://schemas.openxmlformats.org/presentationml/2006/main">
   <p:tag name="KSO_WM_BEAUTIFY_FLAG" val="#wm#"/>
   <p:tag name="KSO_WM_TEMPLATE_CATEGORY" val="custom"/>

--- a/Web/WebGeneral-Notes.pptx
+++ b/Web/WebGeneral-Notes.pptx
@@ -8,7 +8,7 @@
     <p:notesMasterId r:id="rId4"/>
   </p:notesMasterIdLst>
   <p:handoutMasterIdLst>
-    <p:handoutMasterId r:id="rId17"/>
+    <p:handoutMasterId r:id="rId23"/>
   </p:handoutMasterIdLst>
   <p:sldIdLst>
     <p:sldId id="256" r:id="rId3"/>
@@ -24,6 +24,12 @@
     <p:sldId id="280" r:id="rId14"/>
     <p:sldId id="289" r:id="rId15"/>
     <p:sldId id="295" r:id="rId16"/>
+    <p:sldId id="298" r:id="rId17"/>
+    <p:sldId id="297" r:id="rId18"/>
+    <p:sldId id="296" r:id="rId19"/>
+    <p:sldId id="301" r:id="rId20"/>
+    <p:sldId id="302" r:id="rId21"/>
+    <p:sldId id="303" r:id="rId22"/>
   </p:sldIdLst>
   <p:sldSz cx="12192000" cy="6858000"/>
   <p:notesSz cx="6858000" cy="9144000"/>
@@ -4168,7 +4174,7 @@
           <a:p>
             <a:r>
               <a:rPr lang="en-US" altLang="zh-CN"/>
-              <a:t>SEO</a:t>
+              <a:t>SEO - General</a:t>
             </a:r>
             <a:endParaRPr lang="en-US" altLang="zh-CN"/>
           </a:p>
@@ -4240,12 +4246,894 @@
               <a:t>添加相关链接</a:t>
             </a:r>
             <a:endParaRPr lang="zh-CN" altLang="en-US"/>
+          </a:p>
+          <a:p>
+            <a:pPr lvl="0"/>
+            <a:r>
+              <a:rPr lang="en-US" altLang="zh-CN"/>
+              <a:t>Register to search engine</a:t>
+            </a:r>
+            <a:endParaRPr lang="en-US" altLang="zh-CN"/>
+          </a:p>
+          <a:p>
+            <a:pPr lvl="1"/>
+            <a:r>
+              <a:rPr lang="en-US" altLang="zh-CN"/>
+              <a:t>https://www.bing.com/webmasters</a:t>
+            </a:r>
+            <a:endParaRPr lang="en-US" altLang="zh-CN"/>
           </a:p>
         </p:txBody>
       </p:sp>
     </p:spTree>
     <p:custDataLst>
       <p:tags r:id="rId1"/>
+    </p:custDataLst>
+  </p:cSld>
+  <p:clrMapOvr>
+    <a:masterClrMapping/>
+  </p:clrMapOvr>
+</p:sld>
+</file>
+
+<file path=ppt/slides/slide14.xml><?xml version="1.0" encoding="utf-8"?>
+<p:sld xmlns:a="http://schemas.openxmlformats.org/drawingml/2006/main" xmlns:r="http://schemas.openxmlformats.org/officeDocument/2006/relationships" xmlns:p="http://schemas.openxmlformats.org/presentationml/2006/main">
+  <p:cSld>
+    <p:spTree>
+      <p:nvGrpSpPr>
+        <p:cNvPr id="1" name=""/>
+        <p:cNvGrpSpPr/>
+        <p:nvPr/>
+      </p:nvGrpSpPr>
+      <p:grpSpPr/>
+      <p:sp>
+        <p:nvSpPr>
+          <p:cNvPr id="2" name="标题 1"/>
+          <p:cNvSpPr>
+            <a:spLocks noGrp="1"/>
+          </p:cNvSpPr>
+          <p:nvPr>
+            <p:ph type="title"/>
+          </p:nvPr>
+        </p:nvSpPr>
+        <p:spPr/>
+        <p:txBody>
+          <a:bodyPr/>
+          <a:p>
+            <a:r>
+              <a:rPr lang="en-US" altLang="zh-CN"/>
+              <a:t>SEO - Sitemaps</a:t>
+            </a:r>
+            <a:endParaRPr lang="en-US" altLang="zh-CN"/>
+          </a:p>
+        </p:txBody>
+      </p:sp>
+      <p:sp>
+        <p:nvSpPr>
+          <p:cNvPr id="3" name="内容占位符 2"/>
+          <p:cNvSpPr>
+            <a:spLocks noGrp="1"/>
+          </p:cNvSpPr>
+          <p:nvPr>
+            <p:ph idx="1"/>
+          </p:nvPr>
+        </p:nvSpPr>
+        <p:spPr/>
+        <p:txBody>
+          <a:bodyPr/>
+          <a:p>
+            <a:r>
+              <a:rPr lang="en-US" altLang="zh-CN"/>
+              <a:t>References</a:t>
+            </a:r>
+            <a:endParaRPr lang="en-US" altLang="zh-CN"/>
+          </a:p>
+          <a:p>
+            <a:pPr lvl="1"/>
+            <a:r>
+              <a:rPr lang="en-US" altLang="zh-CN"/>
+              <a:t>https://www.sitemaps.org/index.html</a:t>
+            </a:r>
+            <a:endParaRPr lang="en-US" altLang="zh-CN"/>
+          </a:p>
+        </p:txBody>
+      </p:sp>
+    </p:spTree>
+    <p:custDataLst>
+      <p:tags r:id="rId1"/>
+    </p:custDataLst>
+  </p:cSld>
+  <p:clrMapOvr>
+    <a:masterClrMapping/>
+  </p:clrMapOvr>
+</p:sld>
+</file>
+
+<file path=ppt/slides/slide15.xml><?xml version="1.0" encoding="utf-8"?>
+<p:sld xmlns:a="http://schemas.openxmlformats.org/drawingml/2006/main" xmlns:r="http://schemas.openxmlformats.org/officeDocument/2006/relationships" xmlns:p="http://schemas.openxmlformats.org/presentationml/2006/main">
+  <p:cSld>
+    <p:spTree>
+      <p:nvGrpSpPr>
+        <p:cNvPr id="1" name=""/>
+        <p:cNvGrpSpPr/>
+        <p:nvPr/>
+      </p:nvGrpSpPr>
+      <p:grpSpPr/>
+      <p:sp>
+        <p:nvSpPr>
+          <p:cNvPr id="2" name="标题 1"/>
+          <p:cNvSpPr>
+            <a:spLocks noGrp="1"/>
+          </p:cNvSpPr>
+          <p:nvPr>
+            <p:ph type="title"/>
+          </p:nvPr>
+        </p:nvSpPr>
+        <p:spPr/>
+        <p:txBody>
+          <a:bodyPr/>
+          <a:p>
+            <a:r>
+              <a:rPr lang="en-US" altLang="zh-CN"/>
+              <a:t>SEO - Robots.txt</a:t>
+            </a:r>
+            <a:endParaRPr lang="en-US" altLang="zh-CN"/>
+          </a:p>
+        </p:txBody>
+      </p:sp>
+      <p:sp>
+        <p:nvSpPr>
+          <p:cNvPr id="3" name="内容占位符 2"/>
+          <p:cNvSpPr>
+            <a:spLocks noGrp="1"/>
+          </p:cNvSpPr>
+          <p:nvPr>
+            <p:ph idx="1"/>
+          </p:nvPr>
+        </p:nvSpPr>
+        <p:spPr>
+          <a:xfrm>
+            <a:off x="838200" y="1211580"/>
+            <a:ext cx="7476490" cy="4549140"/>
+          </a:xfrm>
+        </p:spPr>
+        <p:txBody>
+          <a:bodyPr>
+            <a:normAutofit fontScale="60000"/>
+          </a:bodyPr>
+          <a:p>
+            <a:r>
+              <a:rPr lang="en-US" altLang="zh-CN"/>
+              <a:t>References</a:t>
+            </a:r>
+            <a:endParaRPr lang="en-US" altLang="zh-CN"/>
+          </a:p>
+          <a:p>
+            <a:pPr lvl="1"/>
+            <a:r>
+              <a:rPr lang="en-US" altLang="zh-CN"/>
+              <a:t>https://seosherpa.com/robots-txt/</a:t>
+            </a:r>
+            <a:endParaRPr lang="en-US" altLang="zh-CN"/>
+          </a:p>
+          <a:p>
+            <a:pPr lvl="0"/>
+            <a:r>
+              <a:rPr lang="en-US" altLang="zh-CN"/>
+              <a:t>User agents</a:t>
+            </a:r>
+            <a:endParaRPr lang="en-US" altLang="zh-CN"/>
+          </a:p>
+          <a:p>
+            <a:pPr lvl="1"/>
+            <a:r>
+              <a:rPr lang="en-US" altLang="zh-CN"/>
+              <a:t>Google: Googlebot</a:t>
+            </a:r>
+            <a:endParaRPr lang="en-US" altLang="zh-CN"/>
+          </a:p>
+          <a:p>
+            <a:pPr lvl="1"/>
+            <a:r>
+              <a:rPr lang="en-US" altLang="zh-CN"/>
+              <a:t>Google Images: Googlebot-Image</a:t>
+            </a:r>
+            <a:endParaRPr lang="en-US" altLang="zh-CN"/>
+          </a:p>
+          <a:p>
+            <a:pPr lvl="1"/>
+            <a:r>
+              <a:rPr lang="en-US" altLang="zh-CN"/>
+              <a:t>Google Video: Googlebot-Video</a:t>
+            </a:r>
+            <a:endParaRPr lang="en-US" altLang="zh-CN"/>
+          </a:p>
+          <a:p>
+            <a:pPr lvl="1"/>
+            <a:r>
+              <a:rPr lang="en-US" altLang="zh-CN"/>
+              <a:t>Google News: Googlebot-News</a:t>
+            </a:r>
+            <a:endParaRPr lang="en-US" altLang="zh-CN"/>
+          </a:p>
+          <a:p>
+            <a:pPr lvl="1"/>
+            <a:r>
+              <a:rPr lang="en-US" altLang="zh-CN"/>
+              <a:t>Bing: Bingbot</a:t>
+            </a:r>
+            <a:endParaRPr lang="en-US" altLang="zh-CN"/>
+          </a:p>
+          <a:p>
+            <a:pPr lvl="1"/>
+            <a:r>
+              <a:rPr lang="en-US" altLang="zh-CN"/>
+              <a:t>Bing Images &amp; Videos: MSNBot-Media</a:t>
+            </a:r>
+            <a:endParaRPr lang="en-US" altLang="zh-CN"/>
+          </a:p>
+          <a:p>
+            <a:pPr lvl="1"/>
+            <a:r>
+              <a:rPr lang="en-US" altLang="zh-CN"/>
+              <a:t>Yahoo: Slurp</a:t>
+            </a:r>
+            <a:endParaRPr lang="en-US" altLang="zh-CN"/>
+          </a:p>
+          <a:p>
+            <a:pPr lvl="1"/>
+            <a:r>
+              <a:rPr lang="en-US" altLang="zh-CN"/>
+              <a:t>Yandex: YandexBot</a:t>
+            </a:r>
+            <a:endParaRPr lang="en-US" altLang="zh-CN"/>
+          </a:p>
+          <a:p>
+            <a:pPr lvl="1"/>
+            <a:r>
+              <a:rPr lang="en-US" altLang="zh-CN"/>
+              <a:t>Baidu: Baiduspider</a:t>
+            </a:r>
+            <a:endParaRPr lang="en-US" altLang="zh-CN"/>
+          </a:p>
+          <a:p>
+            <a:pPr lvl="1"/>
+            <a:r>
+              <a:rPr lang="en-US" altLang="zh-CN"/>
+              <a:t>DuckDuckGo: DuckDuckBot</a:t>
+            </a:r>
+            <a:endParaRPr lang="en-US" altLang="zh-CN"/>
+          </a:p>
+          <a:p>
+            <a:pPr lvl="0"/>
+            <a:r>
+              <a:rPr lang="en-US" altLang="zh-CN"/>
+              <a:t>Directives</a:t>
+            </a:r>
+            <a:endParaRPr lang="en-US" altLang="zh-CN"/>
+          </a:p>
+          <a:p>
+            <a:pPr lvl="1"/>
+            <a:r>
+              <a:rPr lang="en-US" altLang="zh-CN"/>
+              <a:t>Disallow</a:t>
+            </a:r>
+            <a:endParaRPr lang="en-US" altLang="zh-CN"/>
+          </a:p>
+          <a:p>
+            <a:pPr lvl="1"/>
+            <a:r>
+              <a:rPr lang="en-US" altLang="zh-CN"/>
+              <a:t>Allow</a:t>
+            </a:r>
+            <a:endParaRPr lang="en-US" altLang="zh-CN"/>
+          </a:p>
+          <a:p>
+            <a:pPr lvl="1"/>
+            <a:r>
+              <a:rPr lang="en-US" altLang="zh-CN"/>
+              <a:t>Sitemap</a:t>
+            </a:r>
+            <a:endParaRPr lang="en-US" altLang="zh-CN"/>
+          </a:p>
+        </p:txBody>
+      </p:sp>
+      <p:sp>
+        <p:nvSpPr>
+          <p:cNvPr id="4" name="文本框 3"/>
+          <p:cNvSpPr txBox="1"/>
+          <p:nvPr/>
+        </p:nvSpPr>
+        <p:spPr>
+          <a:xfrm>
+            <a:off x="8578215" y="1362075"/>
+            <a:ext cx="2540000" cy="3969385"/>
+          </a:xfrm>
+          <a:prstGeom prst="rect">
+            <a:avLst/>
+          </a:prstGeom>
+          <a:noFill/>
+          <a:ln>
+            <a:solidFill>
+              <a:srgbClr val="C00000"/>
+            </a:solidFill>
+          </a:ln>
+        </p:spPr>
+        <p:txBody>
+          <a:bodyPr wrap="square" rtlCol="0" anchor="t">
+            <a:spAutoFit/>
+          </a:bodyPr>
+          <a:p>
+            <a:r>
+              <a:rPr lang="zh-CN" altLang="en-US"/>
+              <a:t>Sitemap: [URL location of sitemap]</a:t>
+            </a:r>
+            <a:endParaRPr lang="zh-CN" altLang="en-US"/>
+          </a:p>
+          <a:p>
+            <a:endParaRPr lang="zh-CN" altLang="en-US"/>
+          </a:p>
+          <a:p>
+            <a:r>
+              <a:rPr lang="zh-CN" altLang="en-US"/>
+              <a:t>User-agent: [bot identifier]</a:t>
+            </a:r>
+            <a:endParaRPr lang="zh-CN" altLang="en-US"/>
+          </a:p>
+          <a:p>
+            <a:r>
+              <a:rPr lang="zh-CN" altLang="en-US"/>
+              <a:t>[directive 1]</a:t>
+            </a:r>
+            <a:endParaRPr lang="zh-CN" altLang="en-US"/>
+          </a:p>
+          <a:p>
+            <a:r>
+              <a:rPr lang="zh-CN" altLang="en-US"/>
+              <a:t>[directive 2]</a:t>
+            </a:r>
+            <a:endParaRPr lang="zh-CN" altLang="en-US"/>
+          </a:p>
+          <a:p>
+            <a:r>
+              <a:rPr lang="zh-CN" altLang="en-US"/>
+              <a:t>[directive ...]</a:t>
+            </a:r>
+            <a:endParaRPr lang="zh-CN" altLang="en-US"/>
+          </a:p>
+          <a:p>
+            <a:endParaRPr lang="zh-CN" altLang="en-US"/>
+          </a:p>
+          <a:p>
+            <a:r>
+              <a:rPr lang="zh-CN" altLang="en-US"/>
+              <a:t>User-agent: [another bot identifier]</a:t>
+            </a:r>
+            <a:endParaRPr lang="zh-CN" altLang="en-US"/>
+          </a:p>
+          <a:p>
+            <a:r>
+              <a:rPr lang="zh-CN" altLang="en-US"/>
+              <a:t>[directive 1]</a:t>
+            </a:r>
+            <a:endParaRPr lang="zh-CN" altLang="en-US"/>
+          </a:p>
+          <a:p>
+            <a:r>
+              <a:rPr lang="zh-CN" altLang="en-US"/>
+              <a:t>[directive 2]</a:t>
+            </a:r>
+            <a:endParaRPr lang="zh-CN" altLang="en-US"/>
+          </a:p>
+          <a:p>
+            <a:r>
+              <a:rPr lang="zh-CN" altLang="en-US"/>
+              <a:t>[directive ...]</a:t>
+            </a:r>
+            <a:endParaRPr lang="zh-CN" altLang="en-US"/>
+          </a:p>
+        </p:txBody>
+      </p:sp>
+    </p:spTree>
+    <p:custDataLst>
+      <p:tags r:id="rId1"/>
+    </p:custDataLst>
+  </p:cSld>
+  <p:clrMapOvr>
+    <a:masterClrMapping/>
+  </p:clrMapOvr>
+</p:sld>
+</file>
+
+<file path=ppt/slides/slide16.xml><?xml version="1.0" encoding="utf-8"?>
+<p:sld xmlns:a="http://schemas.openxmlformats.org/drawingml/2006/main" xmlns:r="http://schemas.openxmlformats.org/officeDocument/2006/relationships" xmlns:p="http://schemas.openxmlformats.org/presentationml/2006/main">
+  <p:cSld>
+    <p:spTree>
+      <p:nvGrpSpPr>
+        <p:cNvPr id="1" name=""/>
+        <p:cNvGrpSpPr/>
+        <p:nvPr/>
+      </p:nvGrpSpPr>
+      <p:grpSpPr/>
+      <p:sp>
+        <p:nvSpPr>
+          <p:cNvPr id="2" name="标题 1"/>
+          <p:cNvSpPr>
+            <a:spLocks noGrp="1"/>
+          </p:cNvSpPr>
+          <p:nvPr>
+            <p:ph type="title"/>
+          </p:nvPr>
+        </p:nvSpPr>
+        <p:spPr/>
+        <p:txBody>
+          <a:bodyPr/>
+          <a:p>
+            <a:r>
+              <a:rPr lang="en-US" altLang="zh-CN"/>
+              <a:t>Crawl</a:t>
+            </a:r>
+            <a:endParaRPr lang="en-US" altLang="zh-CN"/>
+          </a:p>
+        </p:txBody>
+      </p:sp>
+      <p:sp>
+        <p:nvSpPr>
+          <p:cNvPr id="3" name="内容占位符 2"/>
+          <p:cNvSpPr>
+            <a:spLocks noGrp="1"/>
+          </p:cNvSpPr>
+          <p:nvPr>
+            <p:ph idx="1"/>
+          </p:nvPr>
+        </p:nvSpPr>
+        <p:spPr>
+          <a:xfrm>
+            <a:off x="838200" y="1211580"/>
+            <a:ext cx="5756275" cy="4549140"/>
+          </a:xfrm>
+        </p:spPr>
+        <p:txBody>
+          <a:bodyPr/>
+          <a:p>
+            <a:r>
+              <a:rPr lang="en-US" altLang="zh-CN"/>
+              <a:t>Puppeteer</a:t>
+            </a:r>
+            <a:endParaRPr lang="en-US" altLang="zh-CN"/>
+          </a:p>
+          <a:p>
+            <a:pPr lvl="1"/>
+            <a:r>
+              <a:rPr lang="en-US" altLang="zh-CN"/>
+              <a:t>references</a:t>
+            </a:r>
+            <a:endParaRPr lang="en-US" altLang="zh-CN"/>
+          </a:p>
+          <a:p>
+            <a:pPr lvl="2"/>
+            <a:r>
+              <a:rPr lang="en-US" altLang="zh-CN"/>
+              <a:t>https://www.aymen-loukil.com/en/blog-en/google-puppeteer-tutorial-with-examples/#3Mobile_device_emulation_example</a:t>
+            </a:r>
+            <a:endParaRPr lang="en-US" altLang="zh-CN"/>
+          </a:p>
+          <a:p>
+            <a:pPr lvl="1"/>
+            <a:r>
+              <a:rPr lang="en-US" altLang="zh-CN"/>
+              <a:t>launch Chromium in headless mode</a:t>
+            </a:r>
+            <a:endParaRPr lang="en-US" altLang="zh-CN"/>
+          </a:p>
+          <a:p>
+            <a:pPr lvl="1"/>
+            <a:r>
+              <a:rPr lang="en-US" altLang="zh-CN"/>
+              <a:t>cnpm i -g puppeteer</a:t>
+            </a:r>
+            <a:endParaRPr lang="en-US" altLang="zh-CN"/>
+          </a:p>
+          <a:p>
+            <a:pPr lvl="1"/>
+            <a:endParaRPr lang="en-US" altLang="zh-CN"/>
+          </a:p>
+        </p:txBody>
+      </p:sp>
+      <p:sp>
+        <p:nvSpPr>
+          <p:cNvPr id="4" name="文本框 3"/>
+          <p:cNvSpPr txBox="1"/>
+          <p:nvPr/>
+        </p:nvSpPr>
+        <p:spPr>
+          <a:xfrm>
+            <a:off x="8938895" y="1110615"/>
+            <a:ext cx="2506980" cy="3230245"/>
+          </a:xfrm>
+          <a:prstGeom prst="rect">
+            <a:avLst/>
+          </a:prstGeom>
+          <a:noFill/>
+          <a:ln>
+            <a:solidFill>
+              <a:srgbClr val="C00000"/>
+            </a:solidFill>
+          </a:ln>
+        </p:spPr>
+        <p:txBody>
+          <a:bodyPr wrap="square" rtlCol="0" anchor="t">
+            <a:spAutoFit/>
+          </a:bodyPr>
+          <a:p>
+            <a:r>
+              <a:rPr lang="en-US" altLang="zh-CN" sz="1200">
+                <a:solidFill>
+                  <a:srgbClr val="FF0000"/>
+                </a:solidFill>
+              </a:rPr>
+              <a:t>website-screenshot</a:t>
+            </a:r>
+            <a:endParaRPr lang="en-US" altLang="zh-CN" sz="1200">
+              <a:solidFill>
+                <a:srgbClr val="FF0000"/>
+              </a:solidFill>
+            </a:endParaRPr>
+          </a:p>
+          <a:p>
+            <a:endParaRPr lang="en-US" altLang="zh-CN" sz="1200"/>
+          </a:p>
+          <a:p>
+            <a:r>
+              <a:rPr lang="zh-CN" altLang="en-US" sz="1200"/>
+              <a:t>const puppeteer = require('puppeteer');</a:t>
+            </a:r>
+            <a:endParaRPr lang="zh-CN" altLang="en-US" sz="1200"/>
+          </a:p>
+          <a:p>
+            <a:endParaRPr lang="zh-CN" altLang="en-US" sz="1200"/>
+          </a:p>
+          <a:p>
+            <a:r>
+              <a:rPr lang="zh-CN" altLang="en-US" sz="1200"/>
+              <a:t>(async () =&gt; {</a:t>
+            </a:r>
+            <a:endParaRPr lang="zh-CN" altLang="en-US" sz="1200"/>
+          </a:p>
+          <a:p>
+            <a:r>
+              <a:rPr lang="zh-CN" altLang="en-US" sz="1200"/>
+              <a:t>  const browser = await puppeteer.launch();</a:t>
+            </a:r>
+            <a:endParaRPr lang="zh-CN" altLang="en-US" sz="1200"/>
+          </a:p>
+          <a:p>
+            <a:r>
+              <a:rPr lang="zh-CN" altLang="en-US" sz="1200"/>
+              <a:t>  const page = await browser.newPage();</a:t>
+            </a:r>
+            <a:endParaRPr lang="zh-CN" altLang="en-US" sz="1200"/>
+          </a:p>
+          <a:p>
+            <a:r>
+              <a:rPr lang="zh-CN" altLang="en-US" sz="1200"/>
+              <a:t>  await page.goto('https://example.com');</a:t>
+            </a:r>
+            <a:endParaRPr lang="zh-CN" altLang="en-US" sz="1200"/>
+          </a:p>
+          <a:p>
+            <a:r>
+              <a:rPr lang="zh-CN" altLang="en-US" sz="1200"/>
+              <a:t>  await page.screenshot({ path: 'example.png' });</a:t>
+            </a:r>
+            <a:endParaRPr lang="zh-CN" altLang="en-US" sz="1200"/>
+          </a:p>
+          <a:p>
+            <a:endParaRPr lang="zh-CN" altLang="en-US" sz="1200"/>
+          </a:p>
+          <a:p>
+            <a:r>
+              <a:rPr lang="zh-CN" altLang="en-US" sz="1200"/>
+              <a:t>  await browser.close();</a:t>
+            </a:r>
+            <a:endParaRPr lang="zh-CN" altLang="en-US" sz="1200"/>
+          </a:p>
+          <a:p>
+            <a:r>
+              <a:rPr lang="zh-CN" altLang="en-US" sz="1200"/>
+              <a:t>})();</a:t>
+            </a:r>
+            <a:endParaRPr lang="zh-CN" altLang="en-US" sz="1200"/>
+          </a:p>
+        </p:txBody>
+      </p:sp>
+    </p:spTree>
+    <p:custDataLst>
+      <p:tags r:id="rId1"/>
+    </p:custDataLst>
+  </p:cSld>
+  <p:clrMapOvr>
+    <a:masterClrMapping/>
+  </p:clrMapOvr>
+</p:sld>
+</file>
+
+<file path=ppt/slides/slide17.xml><?xml version="1.0" encoding="utf-8"?>
+<p:sld xmlns:a="http://schemas.openxmlformats.org/drawingml/2006/main" xmlns:r="http://schemas.openxmlformats.org/officeDocument/2006/relationships" xmlns:p="http://schemas.openxmlformats.org/presentationml/2006/main">
+  <p:cSld>
+    <p:spTree>
+      <p:nvGrpSpPr>
+        <p:cNvPr id="1" name=""/>
+        <p:cNvGrpSpPr/>
+        <p:nvPr/>
+      </p:nvGrpSpPr>
+      <p:grpSpPr/>
+      <p:sp>
+        <p:nvSpPr>
+          <p:cNvPr id="4" name="标题 3"/>
+          <p:cNvSpPr>
+            <a:spLocks noGrp="1"/>
+          </p:cNvSpPr>
+          <p:nvPr>
+            <p:ph type="title"/>
+          </p:nvPr>
+        </p:nvSpPr>
+        <p:spPr/>
+        <p:txBody>
+          <a:bodyPr/>
+          <a:p>
+            <a:r>
+              <a:rPr lang="en-US" altLang="zh-CN"/>
+              <a:t>ClearPath</a:t>
+            </a:r>
+            <a:endParaRPr lang="en-US" altLang="zh-CN"/>
+          </a:p>
+        </p:txBody>
+      </p:sp>
+      <p:sp>
+        <p:nvSpPr>
+          <p:cNvPr id="5" name="文本占位符 4"/>
+          <p:cNvSpPr>
+            <a:spLocks noGrp="1"/>
+          </p:cNvSpPr>
+          <p:nvPr>
+            <p:ph type="body" idx="1"/>
+          </p:nvPr>
+        </p:nvSpPr>
+        <p:spPr/>
+        <p:txBody>
+          <a:bodyPr/>
+          <a:p>
+            <a:endParaRPr lang="zh-CN" altLang="en-US"/>
+          </a:p>
+        </p:txBody>
+      </p:sp>
+    </p:spTree>
+    <p:custDataLst>
+      <p:tags r:id="rId1"/>
+    </p:custDataLst>
+  </p:cSld>
+  <p:clrMapOvr>
+    <a:masterClrMapping/>
+  </p:clrMapOvr>
+</p:sld>
+</file>
+
+<file path=ppt/slides/slide18.xml><?xml version="1.0" encoding="utf-8"?>
+<p:sld xmlns:a="http://schemas.openxmlformats.org/drawingml/2006/main" xmlns:r="http://schemas.openxmlformats.org/officeDocument/2006/relationships" xmlns:p="http://schemas.openxmlformats.org/presentationml/2006/main">
+  <p:cSld>
+    <p:spTree>
+      <p:nvGrpSpPr>
+        <p:cNvPr id="1" name=""/>
+        <p:cNvGrpSpPr/>
+        <p:nvPr/>
+      </p:nvGrpSpPr>
+      <p:grpSpPr/>
+      <p:sp>
+        <p:nvSpPr>
+          <p:cNvPr id="4" name="标题 3"/>
+          <p:cNvSpPr>
+            <a:spLocks noGrp="1"/>
+          </p:cNvSpPr>
+          <p:nvPr>
+            <p:ph type="title"/>
+          </p:nvPr>
+        </p:nvSpPr>
+        <p:spPr/>
+        <p:txBody>
+          <a:bodyPr/>
+          <a:p>
+            <a:r>
+              <a:rPr lang="en-US" altLang="zh-CN"/>
+              <a:t>References</a:t>
+            </a:r>
+            <a:endParaRPr lang="en-US" altLang="zh-CN"/>
+          </a:p>
+        </p:txBody>
+      </p:sp>
+      <p:sp>
+        <p:nvSpPr>
+          <p:cNvPr id="5" name="内容占位符 4"/>
+          <p:cNvSpPr>
+            <a:spLocks noGrp="1"/>
+          </p:cNvSpPr>
+          <p:nvPr>
+            <p:ph idx="1"/>
+          </p:nvPr>
+        </p:nvSpPr>
+        <p:spPr/>
+        <p:txBody>
+          <a:bodyPr/>
+          <a:p>
+            <a:r>
+              <a:rPr lang="zh-CN" altLang="en-US"/>
+              <a:t>https://www.arubanetworks.com/assets/so/SO_ClearPass.pdf</a:t>
+            </a:r>
+            <a:endParaRPr lang="zh-CN" altLang="en-US"/>
+          </a:p>
+          <a:p>
+            <a:r>
+              <a:rPr lang="zh-CN" altLang="en-US"/>
+              <a:t>https://www.arubanetworks.com/products/security/network-access-control/secure-access/</a:t>
+            </a:r>
+            <a:endParaRPr lang="zh-CN" altLang="en-US"/>
+          </a:p>
+        </p:txBody>
+      </p:sp>
+    </p:spTree>
+    <p:custDataLst>
+      <p:tags r:id="rId1"/>
+    </p:custDataLst>
+  </p:cSld>
+  <p:clrMapOvr>
+    <a:masterClrMapping/>
+  </p:clrMapOvr>
+</p:sld>
+</file>
+
+<file path=ppt/slides/slide19.xml><?xml version="1.0" encoding="utf-8"?>
+<p:sld xmlns:a="http://schemas.openxmlformats.org/drawingml/2006/main" xmlns:r="http://schemas.openxmlformats.org/officeDocument/2006/relationships" xmlns:p="http://schemas.openxmlformats.org/presentationml/2006/main">
+  <p:cSld>
+    <p:spTree>
+      <p:nvGrpSpPr>
+        <p:cNvPr id="1" name=""/>
+        <p:cNvGrpSpPr/>
+        <p:nvPr/>
+      </p:nvGrpSpPr>
+      <p:grpSpPr/>
+      <p:sp>
+        <p:nvSpPr>
+          <p:cNvPr id="2" name="标题 1"/>
+          <p:cNvSpPr>
+            <a:spLocks noGrp="1"/>
+          </p:cNvSpPr>
+          <p:nvPr>
+            <p:ph type="title"/>
+          </p:nvPr>
+        </p:nvSpPr>
+        <p:spPr/>
+        <p:txBody>
+          <a:bodyPr/>
+          <a:p>
+            <a:r>
+              <a:rPr lang="en-US" altLang="zh-CN"/>
+              <a:t>Intro</a:t>
+            </a:r>
+            <a:endParaRPr lang="en-US" altLang="zh-CN"/>
+          </a:p>
+        </p:txBody>
+      </p:sp>
+      <p:sp>
+        <p:nvSpPr>
+          <p:cNvPr id="3" name="内容占位符 2"/>
+          <p:cNvSpPr>
+            <a:spLocks noGrp="1"/>
+          </p:cNvSpPr>
+          <p:nvPr>
+            <p:ph idx="1"/>
+          </p:nvPr>
+        </p:nvSpPr>
+        <p:spPr>
+          <a:xfrm>
+            <a:off x="838200" y="1211580"/>
+            <a:ext cx="4922520" cy="4549140"/>
+          </a:xfrm>
+        </p:spPr>
+        <p:txBody>
+          <a:bodyPr/>
+          <a:p>
+            <a:r>
+              <a:rPr lang="en-US" altLang="zh-CN"/>
+              <a:t>Intro</a:t>
+            </a:r>
+            <a:endParaRPr lang="en-US" altLang="zh-CN"/>
+          </a:p>
+          <a:p>
+            <a:r>
+              <a:rPr lang="en-US" altLang="zh-CN"/>
+              <a:t>API</a:t>
+            </a:r>
+            <a:endParaRPr lang="en-US" altLang="zh-CN"/>
+          </a:p>
+          <a:p>
+            <a:pPr lvl="1"/>
+            <a:r>
+              <a:rPr lang="en-US" altLang="zh-CN"/>
+              <a:t>https://community.arubanetworks.com/browse/articles/blogviewer?blogkey=0744ffa6-e5aa-4957-9910-c3f52b9f3055</a:t>
+            </a:r>
+            <a:endParaRPr lang="en-US" altLang="zh-CN"/>
+          </a:p>
+          <a:p>
+            <a:pPr lvl="1"/>
+            <a:r>
+              <a:rPr lang="en-US" altLang="zh-CN"/>
+              <a:t>create a new guest account</a:t>
+            </a:r>
+            <a:endParaRPr lang="en-US" altLang="zh-CN"/>
+          </a:p>
+          <a:p>
+            <a:pPr lvl="2"/>
+            <a:r>
+              <a:rPr lang="en-US" altLang="zh-CN" sz="1800"/>
+              <a:t>user name, password, expire_time, role_id</a:t>
+            </a:r>
+            <a:endParaRPr lang="en-US" altLang="zh-CN"/>
+          </a:p>
+          <a:p>
+            <a:pPr lvl="1"/>
+            <a:r>
+              <a:rPr lang="en-US" altLang="zh-CN"/>
+              <a:t>update a guest account</a:t>
+            </a:r>
+            <a:endParaRPr lang="en-US" altLang="zh-CN"/>
+          </a:p>
+          <a:p>
+            <a:pPr lvl="1"/>
+            <a:r>
+              <a:rPr lang="en-US" altLang="zh-CN"/>
+              <a:t>delete a guest account</a:t>
+            </a:r>
+            <a:endParaRPr lang="en-US" altLang="zh-CN"/>
+          </a:p>
+          <a:p>
+            <a:pPr lvl="1"/>
+            <a:r>
+              <a:rPr lang="en-US" altLang="zh-CN"/>
+              <a:t>fetch a guest account details</a:t>
+            </a:r>
+            <a:endParaRPr lang="en-US" altLang="zh-CN"/>
+          </a:p>
+        </p:txBody>
+      </p:sp>
+      <p:pic>
+        <p:nvPicPr>
+          <p:cNvPr id="100" name="图片 99"/>
+          <p:cNvPicPr/>
+          <p:nvPr/>
+        </p:nvPicPr>
+        <p:blipFill>
+          <a:blip r:embed="rId1"/>
+          <a:stretch>
+            <a:fillRect/>
+          </a:stretch>
+        </p:blipFill>
+        <p:spPr>
+          <a:xfrm>
+            <a:off x="7275195" y="1211580"/>
+            <a:ext cx="4533900" cy="2994660"/>
+          </a:xfrm>
+          <a:prstGeom prst="rect">
+            <a:avLst/>
+          </a:prstGeom>
+          <a:noFill/>
+          <a:ln w="9525">
+            <a:noFill/>
+          </a:ln>
+        </p:spPr>
+      </p:pic>
+    </p:spTree>
+    <p:custDataLst>
+      <p:tags r:id="rId2"/>
     </p:custDataLst>
   </p:cSld>
   <p:clrMapOvr>
@@ -6606,6 +7494,54 @@
 <file path=ppt/tags/tag2.xml><?xml version="1.0" encoding="utf-8"?>
 <p:tagLst xmlns:p="http://schemas.openxmlformats.org/presentationml/2006/main">
   <p:tag name="KSO_WM_TAG_VERSION" val="1.0"/>
+  <p:tag name="KSO_WM_TEMPLATE_CATEGORY" val="custom"/>
+  <p:tag name="KSO_WM_TEMPLATE_INDEX" val="160402"/>
+</p:tagLst>
+</file>
+
+<file path=ppt/tags/tag20.xml><?xml version="1.0" encoding="utf-8"?>
+<p:tagLst xmlns:p="http://schemas.openxmlformats.org/presentationml/2006/main">
+  <p:tag name="KSO_WM_BEAUTIFY_FLAG" val="#wm#"/>
+  <p:tag name="KSO_WM_TEMPLATE_CATEGORY" val="custom"/>
+  <p:tag name="KSO_WM_TEMPLATE_INDEX" val="160402"/>
+</p:tagLst>
+</file>
+
+<file path=ppt/tags/tag21.xml><?xml version="1.0" encoding="utf-8"?>
+<p:tagLst xmlns:p="http://schemas.openxmlformats.org/presentationml/2006/main">
+  <p:tag name="KSO_WM_BEAUTIFY_FLAG" val="#wm#"/>
+  <p:tag name="KSO_WM_TEMPLATE_CATEGORY" val="custom"/>
+  <p:tag name="KSO_WM_TEMPLATE_INDEX" val="160402"/>
+</p:tagLst>
+</file>
+
+<file path=ppt/tags/tag22.xml><?xml version="1.0" encoding="utf-8"?>
+<p:tagLst xmlns:p="http://schemas.openxmlformats.org/presentationml/2006/main">
+  <p:tag name="KSO_WM_BEAUTIFY_FLAG" val="#wm#"/>
+  <p:tag name="KSO_WM_TEMPLATE_CATEGORY" val="custom"/>
+  <p:tag name="KSO_WM_TEMPLATE_INDEX" val="160402"/>
+</p:tagLst>
+</file>
+
+<file path=ppt/tags/tag23.xml><?xml version="1.0" encoding="utf-8"?>
+<p:tagLst xmlns:p="http://schemas.openxmlformats.org/presentationml/2006/main">
+  <p:tag name="KSO_WM_BEAUTIFY_FLAG" val="#wm#"/>
+  <p:tag name="KSO_WM_TEMPLATE_CATEGORY" val="custom"/>
+  <p:tag name="KSO_WM_TEMPLATE_INDEX" val="160402"/>
+</p:tagLst>
+</file>
+
+<file path=ppt/tags/tag24.xml><?xml version="1.0" encoding="utf-8"?>
+<p:tagLst xmlns:p="http://schemas.openxmlformats.org/presentationml/2006/main">
+  <p:tag name="KSO_WM_BEAUTIFY_FLAG" val="#wm#"/>
+  <p:tag name="KSO_WM_TEMPLATE_CATEGORY" val="custom"/>
+  <p:tag name="KSO_WM_TEMPLATE_INDEX" val="160402"/>
+</p:tagLst>
+</file>
+
+<file path=ppt/tags/tag25.xml><?xml version="1.0" encoding="utf-8"?>
+<p:tagLst xmlns:p="http://schemas.openxmlformats.org/presentationml/2006/main">
+  <p:tag name="KSO_WM_BEAUTIFY_FLAG" val="#wm#"/>
   <p:tag name="KSO_WM_TEMPLATE_CATEGORY" val="custom"/>
   <p:tag name="KSO_WM_TEMPLATE_INDEX" val="160402"/>
 </p:tagLst>

--- a/Web/WebGeneral-Notes.pptx
+++ b/Web/WebGeneral-Notes.pptx
@@ -8,7 +8,7 @@
     <p:notesMasterId r:id="rId4"/>
   </p:notesMasterIdLst>
   <p:handoutMasterIdLst>
-    <p:handoutMasterId r:id="rId23"/>
+    <p:handoutMasterId r:id="rId25"/>
   </p:handoutMasterIdLst>
   <p:sldIdLst>
     <p:sldId id="256" r:id="rId3"/>
@@ -30,9 +30,14 @@
     <p:sldId id="301" r:id="rId20"/>
     <p:sldId id="302" r:id="rId21"/>
     <p:sldId id="303" r:id="rId22"/>
+    <p:sldId id="304" r:id="rId23"/>
+    <p:sldId id="305" r:id="rId24"/>
   </p:sldIdLst>
   <p:sldSz cx="12192000" cy="6858000"/>
   <p:notesSz cx="6858000" cy="9144000"/>
+  <p:custDataLst>
+    <p:tags r:id="rId29"/>
+  </p:custDataLst>
   <p:defaultTextStyle>
     <a:defPPr>
       <a:defRPr lang="zh-CN"/>
@@ -5814,6 +5819,206 @@
             <a:endParaRPr lang="zh-CN" altLang="en-US" sz="1200">
               <a:sym typeface="+mn-ea"/>
             </a:endParaRPr>
+          </a:p>
+        </p:txBody>
+      </p:sp>
+    </p:spTree>
+    <p:custDataLst>
+      <p:tags r:id="rId1"/>
+    </p:custDataLst>
+  </p:cSld>
+  <p:clrMapOvr>
+    <a:masterClrMapping/>
+  </p:clrMapOvr>
+</p:sld>
+</file>
+
+<file path=ppt/slides/slide20.xml><?xml version="1.0" encoding="utf-8"?>
+<p:sld xmlns:a="http://schemas.openxmlformats.org/drawingml/2006/main" xmlns:r="http://schemas.openxmlformats.org/officeDocument/2006/relationships" xmlns:p="http://schemas.openxmlformats.org/presentationml/2006/main">
+  <p:cSld>
+    <p:spTree>
+      <p:nvGrpSpPr>
+        <p:cNvPr id="1" name=""/>
+        <p:cNvGrpSpPr/>
+        <p:nvPr/>
+      </p:nvGrpSpPr>
+      <p:grpSpPr/>
+      <p:sp>
+        <p:nvSpPr>
+          <p:cNvPr id="4" name="标题 3"/>
+          <p:cNvSpPr>
+            <a:spLocks noGrp="1"/>
+          </p:cNvSpPr>
+          <p:nvPr>
+            <p:ph type="title"/>
+          </p:nvPr>
+        </p:nvSpPr>
+        <p:spPr/>
+        <p:txBody>
+          <a:bodyPr/>
+          <a:p>
+            <a:r>
+              <a:rPr lang="en-US" altLang="zh-CN"/>
+              <a:t>Performance</a:t>
+            </a:r>
+            <a:endParaRPr lang="en-US" altLang="zh-CN"/>
+          </a:p>
+        </p:txBody>
+      </p:sp>
+      <p:sp>
+        <p:nvSpPr>
+          <p:cNvPr id="5" name="文本占位符 4"/>
+          <p:cNvSpPr>
+            <a:spLocks noGrp="1"/>
+          </p:cNvSpPr>
+          <p:nvPr>
+            <p:ph type="body" idx="1"/>
+          </p:nvPr>
+        </p:nvSpPr>
+        <p:spPr/>
+        <p:txBody>
+          <a:bodyPr/>
+          <a:p>
+            <a:endParaRPr lang="zh-CN" altLang="en-US"/>
+          </a:p>
+        </p:txBody>
+      </p:sp>
+    </p:spTree>
+    <p:custDataLst>
+      <p:tags r:id="rId1"/>
+    </p:custDataLst>
+  </p:cSld>
+  <p:clrMapOvr>
+    <a:masterClrMapping/>
+  </p:clrMapOvr>
+</p:sld>
+</file>
+
+<file path=ppt/slides/slide21.xml><?xml version="1.0" encoding="utf-8"?>
+<p:sld xmlns:a="http://schemas.openxmlformats.org/drawingml/2006/main" xmlns:r="http://schemas.openxmlformats.org/officeDocument/2006/relationships" xmlns:p="http://schemas.openxmlformats.org/presentationml/2006/main">
+  <p:cSld>
+    <p:spTree>
+      <p:nvGrpSpPr>
+        <p:cNvPr id="1" name=""/>
+        <p:cNvGrpSpPr/>
+        <p:nvPr/>
+      </p:nvGrpSpPr>
+      <p:grpSpPr/>
+      <p:sp>
+        <p:nvSpPr>
+          <p:cNvPr id="4" name="标题 3"/>
+          <p:cNvSpPr>
+            <a:spLocks noGrp="1"/>
+          </p:cNvSpPr>
+          <p:nvPr>
+            <p:ph type="title"/>
+          </p:nvPr>
+        </p:nvSpPr>
+        <p:spPr/>
+        <p:txBody>
+          <a:bodyPr/>
+          <a:p>
+            <a:r>
+              <a:rPr lang="en-US" altLang="zh-CN"/>
+              <a:t>In General</a:t>
+            </a:r>
+            <a:endParaRPr lang="en-US" altLang="zh-CN"/>
+          </a:p>
+        </p:txBody>
+      </p:sp>
+      <p:sp>
+        <p:nvSpPr>
+          <p:cNvPr id="5" name="内容占位符 4"/>
+          <p:cNvSpPr>
+            <a:spLocks noGrp="1"/>
+          </p:cNvSpPr>
+          <p:nvPr>
+            <p:ph idx="1"/>
+          </p:nvPr>
+        </p:nvSpPr>
+        <p:spPr/>
+        <p:txBody>
+          <a:bodyPr/>
+          <a:p>
+            <a:r>
+              <a:rPr lang="en-US" altLang="zh-CN"/>
+              <a:t>References</a:t>
+            </a:r>
+            <a:endParaRPr lang="en-US" altLang="zh-CN"/>
+          </a:p>
+          <a:p>
+            <a:pPr lvl="1"/>
+            <a:r>
+              <a:rPr lang="en-US" altLang="zh-CN"/>
+              <a:t>https://web.dev/fast/#optimize-webfonts</a:t>
+            </a:r>
+            <a:endParaRPr lang="en-US" altLang="zh-CN"/>
+          </a:p>
+          <a:p>
+            <a:pPr lvl="1"/>
+            <a:r>
+              <a:rPr lang="en-US" altLang="zh-CN"/>
+              <a:t>https://developer.mozilla.org/en-US/docs/Learn/Performance/CSS</a:t>
+            </a:r>
+            <a:endParaRPr lang="en-US" altLang="zh-CN"/>
+          </a:p>
+          <a:p>
+            <a:pPr lvl="1"/>
+            <a:r>
+              <a:rPr lang="en-US" altLang="zh-CN">
+                <a:sym typeface="+mn-ea"/>
+              </a:rPr>
+              <a:t>https://developer.mozilla.org/en-US/docs/Web/Performance/Lazy_loading</a:t>
+            </a:r>
+            <a:endParaRPr lang="en-US" altLang="zh-CN"/>
+          </a:p>
+          <a:p>
+            <a:pPr lvl="0"/>
+            <a:r>
+              <a:rPr lang="en-US" altLang="zh-CN"/>
+              <a:t>Lazy loading</a:t>
+            </a:r>
+            <a:endParaRPr lang="en-US" altLang="zh-CN"/>
+          </a:p>
+          <a:p>
+            <a:pPr lvl="1"/>
+            <a:r>
+              <a:rPr lang="en-US" altLang="zh-CN"/>
+              <a:t>JS</a:t>
+            </a:r>
+            <a:endParaRPr lang="en-US" altLang="zh-CN"/>
+          </a:p>
+          <a:p>
+            <a:pPr lvl="2"/>
+            <a:r>
+              <a:rPr lang="en-US" altLang="zh-CN"/>
+              <a:t>type=”module”</a:t>
+            </a:r>
+            <a:endParaRPr lang="en-US" altLang="zh-CN"/>
+          </a:p>
+          <a:p>
+            <a:pPr lvl="1"/>
+            <a:r>
+              <a:rPr lang="en-US" altLang="zh-CN"/>
+              <a:t>CSS</a:t>
+            </a:r>
+            <a:endParaRPr lang="en-US" altLang="zh-CN"/>
+          </a:p>
+          <a:p>
+            <a:pPr lvl="1"/>
+            <a:r>
+              <a:rPr lang="en-US" altLang="zh-CN"/>
+              <a:t>Images</a:t>
+            </a:r>
+            <a:endParaRPr lang="en-US" altLang="zh-CN"/>
+          </a:p>
+          <a:p>
+            <a:pPr lvl="2"/>
+            <a:r>
+              <a:rPr lang="en-US" altLang="zh-CN"/>
+              <a:t>&lt;img loading=”lazy”&gt;</a:t>
+            </a:r>
+            <a:endParaRPr lang="en-US" altLang="zh-CN"/>
           </a:p>
         </p:txBody>
       </p:sp>
@@ -7544,6 +7749,28 @@
   <p:tag name="KSO_WM_BEAUTIFY_FLAG" val="#wm#"/>
   <p:tag name="KSO_WM_TEMPLATE_CATEGORY" val="custom"/>
   <p:tag name="KSO_WM_TEMPLATE_INDEX" val="160402"/>
+</p:tagLst>
+</file>
+
+<file path=ppt/tags/tag26.xml><?xml version="1.0" encoding="utf-8"?>
+<p:tagLst xmlns:p="http://schemas.openxmlformats.org/presentationml/2006/main">
+  <p:tag name="KSO_WM_BEAUTIFY_FLAG" val="#wm#"/>
+  <p:tag name="KSO_WM_TEMPLATE_CATEGORY" val="custom"/>
+  <p:tag name="KSO_WM_TEMPLATE_INDEX" val="160402"/>
+</p:tagLst>
+</file>
+
+<file path=ppt/tags/tag27.xml><?xml version="1.0" encoding="utf-8"?>
+<p:tagLst xmlns:p="http://schemas.openxmlformats.org/presentationml/2006/main">
+  <p:tag name="KSO_WM_BEAUTIFY_FLAG" val="#wm#"/>
+  <p:tag name="KSO_WM_TEMPLATE_CATEGORY" val="custom"/>
+  <p:tag name="KSO_WM_TEMPLATE_INDEX" val="160402"/>
+</p:tagLst>
+</file>
+
+<file path=ppt/tags/tag28.xml><?xml version="1.0" encoding="utf-8"?>
+<p:tagLst xmlns:p="http://schemas.openxmlformats.org/presentationml/2006/main">
+  <p:tag name="COMMONDATA" val="eyJoZGlkIjoiODcwZjc5M2RmYzUwOWE5MjVkODVjZGMyZDUwOTRjYmEifQ=="/>
 </p:tagLst>
 </file>
 

--- a/Web/WebGeneral-Notes.pptx
+++ b/Web/WebGeneral-Notes.pptx
@@ -5938,11 +5938,21 @@
         </p:nvSpPr>
         <p:spPr/>
         <p:txBody>
-          <a:bodyPr/>
+          <a:bodyPr>
+            <a:normAutofit lnSpcReduction="10000"/>
+          </a:bodyPr>
           <a:p>
             <a:r>
               <a:rPr lang="en-US" altLang="zh-CN"/>
               <a:t>References</a:t>
+            </a:r>
+            <a:endParaRPr lang="en-US" altLang="zh-CN"/>
+          </a:p>
+          <a:p>
+            <a:pPr lvl="1"/>
+            <a:r>
+              <a:rPr lang="en-US" altLang="zh-CN"/>
+              <a:t>https://www.webpagetest.org/</a:t>
             </a:r>
             <a:endParaRPr lang="en-US" altLang="zh-CN"/>
           </a:p>
@@ -5969,6 +5979,24 @@
                 <a:sym typeface="+mn-ea"/>
               </a:rPr>
               <a:t>https://developer.mozilla.org/en-US/docs/Web/Performance/Lazy_loading</a:t>
+            </a:r>
+            <a:endParaRPr lang="en-US" altLang="zh-CN">
+              <a:sym typeface="+mn-ea"/>
+            </a:endParaRPr>
+          </a:p>
+          <a:p>
+            <a:pPr lvl="1"/>
+            <a:r>
+              <a:rPr lang="en-US" altLang="zh-CN"/>
+              <a:t>https://phoenixnap.com/kb/reduce-server-response-time</a:t>
+            </a:r>
+            <a:endParaRPr lang="en-US" altLang="zh-CN"/>
+          </a:p>
+          <a:p>
+            <a:pPr lvl="1"/>
+            <a:r>
+              <a:rPr lang="en-US" altLang="zh-CN"/>
+              <a:t>https://phoenixnap.com/kb/best-website-speed-performance-test-tools#ftoc-4-varvy-pagespeed-optimmization</a:t>
             </a:r>
             <a:endParaRPr lang="en-US" altLang="zh-CN"/>
           </a:p>
